--- a/game_presentation.pptx
+++ b/game_presentation.pptx
@@ -2,7 +2,7 @@
 <file path=ppt/presentation.xml><?xml version="1.0" encoding="utf-8"?>
 <p:presentation xmlns:a="http://schemas.openxmlformats.org/drawingml/2006/main" xmlns:r="http://schemas.openxmlformats.org/officeDocument/2006/relationships" xmlns:p="http://schemas.openxmlformats.org/presentationml/2006/main" saveSubsetFonts="1">
   <p:sldMasterIdLst>
-    <p:sldMasterId id="2147483648" r:id="rId1"/>
+    <p:sldMasterId id="2147483660" r:id="rId1"/>
   </p:sldMasterIdLst>
   <p:sldIdLst>
     <p:sldId id="256" r:id="rId2"/>
@@ -12,6 +12,7 @@
     <p:sldId id="260" r:id="rId6"/>
     <p:sldId id="261" r:id="rId7"/>
     <p:sldId id="262" r:id="rId8"/>
+    <p:sldId id="263" r:id="rId9"/>
   </p:sldIdLst>
   <p:sldSz cx="12192000" cy="6858000"/>
   <p:notesSz cx="6858000" cy="9144000"/>
@@ -19,7 +20,7 @@
     <a:defPPr>
       <a:defRPr lang="en-US"/>
     </a:defPPr>
-    <a:lvl1pPr marL="0" algn="l" defTabSz="914400" rtl="0" eaLnBrk="1" latinLnBrk="0" hangingPunct="1">
+    <a:lvl1pPr marL="0" algn="l" defTabSz="457200" rtl="0" eaLnBrk="1" latinLnBrk="0" hangingPunct="1">
       <a:defRPr sz="1800" kern="1200">
         <a:solidFill>
           <a:schemeClr val="tx1"/>
@@ -29,7 +30,7 @@
         <a:cs typeface="+mn-cs"/>
       </a:defRPr>
     </a:lvl1pPr>
-    <a:lvl2pPr marL="457200" algn="l" defTabSz="914400" rtl="0" eaLnBrk="1" latinLnBrk="0" hangingPunct="1">
+    <a:lvl2pPr marL="457200" algn="l" defTabSz="457200" rtl="0" eaLnBrk="1" latinLnBrk="0" hangingPunct="1">
       <a:defRPr sz="1800" kern="1200">
         <a:solidFill>
           <a:schemeClr val="tx1"/>
@@ -39,7 +40,7 @@
         <a:cs typeface="+mn-cs"/>
       </a:defRPr>
     </a:lvl2pPr>
-    <a:lvl3pPr marL="914400" algn="l" defTabSz="914400" rtl="0" eaLnBrk="1" latinLnBrk="0" hangingPunct="1">
+    <a:lvl3pPr marL="914400" algn="l" defTabSz="457200" rtl="0" eaLnBrk="1" latinLnBrk="0" hangingPunct="1">
       <a:defRPr sz="1800" kern="1200">
         <a:solidFill>
           <a:schemeClr val="tx1"/>
@@ -49,7 +50,7 @@
         <a:cs typeface="+mn-cs"/>
       </a:defRPr>
     </a:lvl3pPr>
-    <a:lvl4pPr marL="1371600" algn="l" defTabSz="914400" rtl="0" eaLnBrk="1" latinLnBrk="0" hangingPunct="1">
+    <a:lvl4pPr marL="1371600" algn="l" defTabSz="457200" rtl="0" eaLnBrk="1" latinLnBrk="0" hangingPunct="1">
       <a:defRPr sz="1800" kern="1200">
         <a:solidFill>
           <a:schemeClr val="tx1"/>
@@ -59,7 +60,7 @@
         <a:cs typeface="+mn-cs"/>
       </a:defRPr>
     </a:lvl4pPr>
-    <a:lvl5pPr marL="1828800" algn="l" defTabSz="914400" rtl="0" eaLnBrk="1" latinLnBrk="0" hangingPunct="1">
+    <a:lvl5pPr marL="1828800" algn="l" defTabSz="457200" rtl="0" eaLnBrk="1" latinLnBrk="0" hangingPunct="1">
       <a:defRPr sz="1800" kern="1200">
         <a:solidFill>
           <a:schemeClr val="tx1"/>
@@ -69,7 +70,7 @@
         <a:cs typeface="+mn-cs"/>
       </a:defRPr>
     </a:lvl5pPr>
-    <a:lvl6pPr marL="2286000" algn="l" defTabSz="914400" rtl="0" eaLnBrk="1" latinLnBrk="0" hangingPunct="1">
+    <a:lvl6pPr marL="2286000" algn="l" defTabSz="457200" rtl="0" eaLnBrk="1" latinLnBrk="0" hangingPunct="1">
       <a:defRPr sz="1800" kern="1200">
         <a:solidFill>
           <a:schemeClr val="tx1"/>
@@ -79,7 +80,7 @@
         <a:cs typeface="+mn-cs"/>
       </a:defRPr>
     </a:lvl6pPr>
-    <a:lvl7pPr marL="2743200" algn="l" defTabSz="914400" rtl="0" eaLnBrk="1" latinLnBrk="0" hangingPunct="1">
+    <a:lvl7pPr marL="2743200" algn="l" defTabSz="457200" rtl="0" eaLnBrk="1" latinLnBrk="0" hangingPunct="1">
       <a:defRPr sz="1800" kern="1200">
         <a:solidFill>
           <a:schemeClr val="tx1"/>
@@ -89,7 +90,7 @@
         <a:cs typeface="+mn-cs"/>
       </a:defRPr>
     </a:lvl7pPr>
-    <a:lvl8pPr marL="3200400" algn="l" defTabSz="914400" rtl="0" eaLnBrk="1" latinLnBrk="0" hangingPunct="1">
+    <a:lvl8pPr marL="3200400" algn="l" defTabSz="457200" rtl="0" eaLnBrk="1" latinLnBrk="0" hangingPunct="1">
       <a:defRPr sz="1800" kern="1200">
         <a:solidFill>
           <a:schemeClr val="tx1"/>
@@ -99,7 +100,7 @@
         <a:cs typeface="+mn-cs"/>
       </a:defRPr>
     </a:lvl8pPr>
-    <a:lvl9pPr marL="3657600" algn="l" defTabSz="914400" rtl="0" eaLnBrk="1" latinLnBrk="0" hangingPunct="1">
+    <a:lvl9pPr marL="3657600" algn="l" defTabSz="457200" rtl="0" eaLnBrk="1" latinLnBrk="0" hangingPunct="1">
       <a:defRPr sz="1800" kern="1200">
         <a:solidFill>
           <a:schemeClr val="tx1"/>
@@ -110,11 +111,20 @@
       </a:defRPr>
     </a:lvl9pPr>
   </p:defaultTextStyle>
+  <p:extLst>
+    <p:ext uri="{EFAFB233-063F-42B5-8137-9DF3F51BA10A}">
+      <p15:sldGuideLst xmlns:p15="http://schemas.microsoft.com/office/powerpoint/2012/main"/>
+    </p:ext>
+  </p:extLst>
 </p:presentation>
 </file>
 
+<file path=ppt/revisionInfo.xml><?xml version="1.0" encoding="utf-8"?>
+<p1510:revInfo xmlns:a="http://schemas.openxmlformats.org/drawingml/2006/main" xmlns:r="http://schemas.openxmlformats.org/officeDocument/2006/relationships" xmlns:p1510="http://schemas.microsoft.com/office/powerpoint/2015/10/main"/>
+</file>
+
 <file path=ppt/slideLayouts/slideLayout1.xml><?xml version="1.0" encoding="utf-8"?>
-<p:sldLayout xmlns:a="http://schemas.openxmlformats.org/drawingml/2006/main" xmlns:r="http://schemas.openxmlformats.org/officeDocument/2006/relationships" xmlns:p="http://schemas.openxmlformats.org/presentationml/2006/main" type="title" preserve="1">
+<p:sldLayout xmlns:a="http://schemas.openxmlformats.org/drawingml/2006/main" xmlns:r="http://schemas.openxmlformats.org/officeDocument/2006/relationships" xmlns:p="http://schemas.openxmlformats.org/presentationml/2006/main" showMasterSp="0" type="title" preserve="1">
   <p:cSld name="Title Slide">
     <p:spTree>
       <p:nvGrpSpPr>
@@ -130,15 +140,322 @@
           <a:chExt cx="0" cy="0"/>
         </a:xfrm>
       </p:grpSpPr>
-      <p:sp>
-        <p:nvSpPr>
-          <p:cNvPr id="2" name="Title 1">
-            <a:extLst>
-              <a:ext uri="{FF2B5EF4-FFF2-40B4-BE49-F238E27FC236}">
-                <a16:creationId xmlns:a16="http://schemas.microsoft.com/office/drawing/2014/main" id="{9AF5C6E2-C161-4D1F-A85E-2EDAEB5E58AA}"/>
-              </a:ext>
-            </a:extLst>
-          </p:cNvPr>
+      <p:grpSp>
+        <p:nvGrpSpPr>
+          <p:cNvPr id="19" name="Group 18"/>
+          <p:cNvGrpSpPr/>
+          <p:nvPr/>
+        </p:nvGrpSpPr>
+        <p:grpSpPr>
+          <a:xfrm>
+            <a:off x="546100" y="-4763"/>
+            <a:ext cx="5014912" cy="6862763"/>
+            <a:chOff x="2928938" y="-4763"/>
+            <a:chExt cx="5014912" cy="6862763"/>
+          </a:xfrm>
+        </p:grpSpPr>
+        <p:sp>
+          <p:nvSpPr>
+            <p:cNvPr id="22" name="Freeform 6"/>
+            <p:cNvSpPr/>
+            <p:nvPr/>
+          </p:nvSpPr>
+          <p:spPr bwMode="auto">
+            <a:xfrm>
+              <a:off x="3367088" y="-4763"/>
+              <a:ext cx="1063625" cy="2782888"/>
+            </a:xfrm>
+            <a:custGeom>
+              <a:avLst/>
+              <a:gdLst/>
+              <a:ahLst/>
+              <a:cxnLst/>
+              <a:rect l="0" t="0" r="r" b="b"/>
+              <a:pathLst>
+                <a:path w="670" h="1753">
+                  <a:moveTo>
+                    <a:pt x="0" y="1696"/>
+                  </a:moveTo>
+                  <a:lnTo>
+                    <a:pt x="225" y="1753"/>
+                  </a:lnTo>
+                  <a:lnTo>
+                    <a:pt x="670" y="0"/>
+                  </a:lnTo>
+                  <a:lnTo>
+                    <a:pt x="430" y="0"/>
+                  </a:lnTo>
+                  <a:lnTo>
+                    <a:pt x="0" y="1696"/>
+                  </a:lnTo>
+                  <a:close/>
+                </a:path>
+              </a:pathLst>
+            </a:custGeom>
+            <a:solidFill>
+              <a:schemeClr val="accent1"/>
+            </a:solidFill>
+            <a:ln>
+              <a:noFill/>
+            </a:ln>
+          </p:spPr>
+        </p:sp>
+        <p:sp>
+          <p:nvSpPr>
+            <p:cNvPr id="23" name="Freeform 7"/>
+            <p:cNvSpPr/>
+            <p:nvPr/>
+          </p:nvSpPr>
+          <p:spPr bwMode="auto">
+            <a:xfrm>
+              <a:off x="2928938" y="-4763"/>
+              <a:ext cx="1035050" cy="2673350"/>
+            </a:xfrm>
+            <a:custGeom>
+              <a:avLst/>
+              <a:gdLst/>
+              <a:ahLst/>
+              <a:cxnLst/>
+              <a:rect l="0" t="0" r="r" b="b"/>
+              <a:pathLst>
+                <a:path w="652" h="1684">
+                  <a:moveTo>
+                    <a:pt x="225" y="1684"/>
+                  </a:moveTo>
+                  <a:lnTo>
+                    <a:pt x="652" y="0"/>
+                  </a:lnTo>
+                  <a:lnTo>
+                    <a:pt x="411" y="0"/>
+                  </a:lnTo>
+                  <a:lnTo>
+                    <a:pt x="0" y="1627"/>
+                  </a:lnTo>
+                  <a:lnTo>
+                    <a:pt x="219" y="1681"/>
+                  </a:lnTo>
+                  <a:lnTo>
+                    <a:pt x="225" y="1684"/>
+                  </a:lnTo>
+                  <a:close/>
+                </a:path>
+              </a:pathLst>
+            </a:custGeom>
+            <a:solidFill>
+              <a:schemeClr val="tx1">
+                <a:lumMod val="65000"/>
+                <a:lumOff val="35000"/>
+              </a:schemeClr>
+            </a:solidFill>
+            <a:ln>
+              <a:noFill/>
+            </a:ln>
+          </p:spPr>
+        </p:sp>
+        <p:sp>
+          <p:nvSpPr>
+            <p:cNvPr id="24" name="Freeform 9"/>
+            <p:cNvSpPr/>
+            <p:nvPr/>
+          </p:nvSpPr>
+          <p:spPr bwMode="auto">
+            <a:xfrm>
+              <a:off x="2928938" y="2582862"/>
+              <a:ext cx="2693987" cy="4275138"/>
+            </a:xfrm>
+            <a:custGeom>
+              <a:avLst/>
+              <a:gdLst/>
+              <a:ahLst/>
+              <a:cxnLst/>
+              <a:rect l="0" t="0" r="r" b="b"/>
+              <a:pathLst>
+                <a:path w="1697" h="2693">
+                  <a:moveTo>
+                    <a:pt x="0" y="0"/>
+                  </a:moveTo>
+                  <a:lnTo>
+                    <a:pt x="1622" y="2693"/>
+                  </a:lnTo>
+                  <a:lnTo>
+                    <a:pt x="1697" y="2693"/>
+                  </a:lnTo>
+                  <a:lnTo>
+                    <a:pt x="0" y="0"/>
+                  </a:lnTo>
+                  <a:close/>
+                </a:path>
+              </a:pathLst>
+            </a:custGeom>
+            <a:solidFill>
+              <a:schemeClr val="tx1">
+                <a:lumMod val="85000"/>
+                <a:lumOff val="15000"/>
+              </a:schemeClr>
+            </a:solidFill>
+            <a:ln>
+              <a:noFill/>
+            </a:ln>
+          </p:spPr>
+        </p:sp>
+        <p:sp>
+          <p:nvSpPr>
+            <p:cNvPr id="25" name="Freeform 10"/>
+            <p:cNvSpPr/>
+            <p:nvPr/>
+          </p:nvSpPr>
+          <p:spPr bwMode="auto">
+            <a:xfrm>
+              <a:off x="3371850" y="2692400"/>
+              <a:ext cx="3332162" cy="4165600"/>
+            </a:xfrm>
+            <a:custGeom>
+              <a:avLst/>
+              <a:gdLst/>
+              <a:ahLst/>
+              <a:cxnLst/>
+              <a:rect l="0" t="0" r="r" b="b"/>
+              <a:pathLst>
+                <a:path w="2099" h="2624">
+                  <a:moveTo>
+                    <a:pt x="2099" y="2624"/>
+                  </a:moveTo>
+                  <a:lnTo>
+                    <a:pt x="0" y="0"/>
+                  </a:lnTo>
+                  <a:lnTo>
+                    <a:pt x="2021" y="2624"/>
+                  </a:lnTo>
+                  <a:lnTo>
+                    <a:pt x="2099" y="2624"/>
+                  </a:lnTo>
+                  <a:close/>
+                </a:path>
+              </a:pathLst>
+            </a:custGeom>
+            <a:solidFill>
+              <a:schemeClr val="accent1">
+                <a:lumMod val="50000"/>
+              </a:schemeClr>
+            </a:solidFill>
+            <a:ln>
+              <a:noFill/>
+            </a:ln>
+          </p:spPr>
+        </p:sp>
+        <p:sp>
+          <p:nvSpPr>
+            <p:cNvPr id="26" name="Freeform 11"/>
+            <p:cNvSpPr/>
+            <p:nvPr/>
+          </p:nvSpPr>
+          <p:spPr bwMode="auto">
+            <a:xfrm>
+              <a:off x="3367088" y="2687637"/>
+              <a:ext cx="4576762" cy="4170363"/>
+            </a:xfrm>
+            <a:custGeom>
+              <a:avLst/>
+              <a:gdLst/>
+              <a:ahLst/>
+              <a:cxnLst/>
+              <a:rect l="0" t="0" r="r" b="b"/>
+              <a:pathLst>
+                <a:path w="2883" h="2627">
+                  <a:moveTo>
+                    <a:pt x="0" y="0"/>
+                  </a:moveTo>
+                  <a:lnTo>
+                    <a:pt x="3" y="3"/>
+                  </a:lnTo>
+                  <a:lnTo>
+                    <a:pt x="2102" y="2627"/>
+                  </a:lnTo>
+                  <a:lnTo>
+                    <a:pt x="2883" y="2627"/>
+                  </a:lnTo>
+                  <a:lnTo>
+                    <a:pt x="225" y="57"/>
+                  </a:lnTo>
+                  <a:lnTo>
+                    <a:pt x="0" y="0"/>
+                  </a:lnTo>
+                  <a:close/>
+                </a:path>
+              </a:pathLst>
+            </a:custGeom>
+            <a:solidFill>
+              <a:schemeClr val="accent1">
+                <a:lumMod val="75000"/>
+              </a:schemeClr>
+            </a:solidFill>
+            <a:ln>
+              <a:noFill/>
+            </a:ln>
+          </p:spPr>
+        </p:sp>
+        <p:sp>
+          <p:nvSpPr>
+            <p:cNvPr id="27" name="Freeform 12"/>
+            <p:cNvSpPr/>
+            <p:nvPr/>
+          </p:nvSpPr>
+          <p:spPr bwMode="auto">
+            <a:xfrm>
+              <a:off x="2928938" y="2578100"/>
+              <a:ext cx="3584575" cy="4279900"/>
+            </a:xfrm>
+            <a:custGeom>
+              <a:avLst/>
+              <a:gdLst/>
+              <a:ahLst/>
+              <a:cxnLst/>
+              <a:rect l="0" t="0" r="r" b="b"/>
+              <a:pathLst>
+                <a:path w="2258" h="2696">
+                  <a:moveTo>
+                    <a:pt x="2258" y="2696"/>
+                  </a:moveTo>
+                  <a:lnTo>
+                    <a:pt x="264" y="111"/>
+                  </a:lnTo>
+                  <a:lnTo>
+                    <a:pt x="228" y="60"/>
+                  </a:lnTo>
+                  <a:lnTo>
+                    <a:pt x="225" y="57"/>
+                  </a:lnTo>
+                  <a:lnTo>
+                    <a:pt x="0" y="0"/>
+                  </a:lnTo>
+                  <a:lnTo>
+                    <a:pt x="0" y="3"/>
+                  </a:lnTo>
+                  <a:lnTo>
+                    <a:pt x="1697" y="2696"/>
+                  </a:lnTo>
+                  <a:lnTo>
+                    <a:pt x="2258" y="2696"/>
+                  </a:lnTo>
+                  <a:close/>
+                </a:path>
+              </a:pathLst>
+            </a:custGeom>
+            <a:solidFill>
+              <a:schemeClr val="tx1">
+                <a:lumMod val="75000"/>
+                <a:lumOff val="25000"/>
+              </a:schemeClr>
+            </a:solidFill>
+            <a:ln>
+              <a:noFill/>
+            </a:ln>
+          </p:spPr>
+        </p:sp>
+      </p:grpSp>
+      <p:sp>
+        <p:nvSpPr>
+          <p:cNvPr id="2" name="Title 1"/>
           <p:cNvSpPr>
             <a:spLocks noGrp="1"/>
           </p:cNvSpPr>
@@ -148,15 +465,19 @@
         </p:nvSpPr>
         <p:spPr>
           <a:xfrm>
-            <a:off x="1524000" y="1122363"/>
-            <a:ext cx="9144000" cy="2387600"/>
+            <a:off x="2928401" y="1380068"/>
+            <a:ext cx="8574622" cy="2616199"/>
           </a:xfrm>
         </p:spPr>
         <p:txBody>
-          <a:bodyPr anchor="b"/>
+          <a:bodyPr anchor="b">
+            <a:normAutofit/>
+          </a:bodyPr>
           <a:lstStyle>
-            <a:lvl1pPr algn="ctr">
-              <a:defRPr sz="6000"/>
+            <a:lvl1pPr algn="r">
+              <a:defRPr sz="6000">
+                <a:effectLst/>
+              </a:defRPr>
             </a:lvl1pPr>
           </a:lstStyle>
           <a:p>
@@ -164,18 +485,13 @@
               <a:rPr lang="en-US"/>
               <a:t>Click to edit Master title style</a:t>
             </a:r>
-          </a:p>
-        </p:txBody>
-      </p:sp>
-      <p:sp>
-        <p:nvSpPr>
-          <p:cNvPr id="3" name="Subtitle 2">
-            <a:extLst>
-              <a:ext uri="{FF2B5EF4-FFF2-40B4-BE49-F238E27FC236}">
-                <a16:creationId xmlns:a16="http://schemas.microsoft.com/office/drawing/2014/main" id="{40AE3344-DD74-4993-AB66-16406333B9F0}"/>
-              </a:ext>
-            </a:extLst>
-          </p:cNvPr>
+            <a:endParaRPr lang="en-US" dirty="0"/>
+          </a:p>
+        </p:txBody>
+      </p:sp>
+      <p:sp>
+        <p:nvSpPr>
+          <p:cNvPr id="3" name="Subtitle 2"/>
           <p:cNvSpPr>
             <a:spLocks noGrp="1"/>
           </p:cNvSpPr>
@@ -185,48 +501,102 @@
         </p:nvSpPr>
         <p:spPr>
           <a:xfrm>
-            <a:off x="1524000" y="3602038"/>
-            <a:ext cx="9144000" cy="1655762"/>
+            <a:off x="4515377" y="3996267"/>
+            <a:ext cx="6987645" cy="1388534"/>
           </a:xfrm>
         </p:spPr>
         <p:txBody>
-          <a:bodyPr/>
+          <a:bodyPr anchor="t">
+            <a:normAutofit/>
+          </a:bodyPr>
           <a:lstStyle>
-            <a:lvl1pPr marL="0" indent="0" algn="ctr">
-              <a:buNone/>
-              <a:defRPr sz="2400"/>
+            <a:lvl1pPr marL="0" indent="0" algn="r">
+              <a:buNone/>
+              <a:defRPr sz="2100">
+                <a:solidFill>
+                  <a:schemeClr val="tx1"/>
+                </a:solidFill>
+              </a:defRPr>
             </a:lvl1pPr>
             <a:lvl2pPr marL="457200" indent="0" algn="ctr">
               <a:buNone/>
-              <a:defRPr sz="2000"/>
+              <a:defRPr>
+                <a:solidFill>
+                  <a:schemeClr val="tx1">
+                    <a:tint val="75000"/>
+                  </a:schemeClr>
+                </a:solidFill>
+              </a:defRPr>
             </a:lvl2pPr>
             <a:lvl3pPr marL="914400" indent="0" algn="ctr">
               <a:buNone/>
-              <a:defRPr sz="1800"/>
+              <a:defRPr>
+                <a:solidFill>
+                  <a:schemeClr val="tx1">
+                    <a:tint val="75000"/>
+                  </a:schemeClr>
+                </a:solidFill>
+              </a:defRPr>
             </a:lvl3pPr>
             <a:lvl4pPr marL="1371600" indent="0" algn="ctr">
               <a:buNone/>
-              <a:defRPr sz="1600"/>
+              <a:defRPr>
+                <a:solidFill>
+                  <a:schemeClr val="tx1">
+                    <a:tint val="75000"/>
+                  </a:schemeClr>
+                </a:solidFill>
+              </a:defRPr>
             </a:lvl4pPr>
             <a:lvl5pPr marL="1828800" indent="0" algn="ctr">
               <a:buNone/>
-              <a:defRPr sz="1600"/>
+              <a:defRPr>
+                <a:solidFill>
+                  <a:schemeClr val="tx1">
+                    <a:tint val="75000"/>
+                  </a:schemeClr>
+                </a:solidFill>
+              </a:defRPr>
             </a:lvl5pPr>
             <a:lvl6pPr marL="2286000" indent="0" algn="ctr">
               <a:buNone/>
-              <a:defRPr sz="1600"/>
+              <a:defRPr>
+                <a:solidFill>
+                  <a:schemeClr val="tx1">
+                    <a:tint val="75000"/>
+                  </a:schemeClr>
+                </a:solidFill>
+              </a:defRPr>
             </a:lvl6pPr>
             <a:lvl7pPr marL="2743200" indent="0" algn="ctr">
               <a:buNone/>
-              <a:defRPr sz="1600"/>
+              <a:defRPr>
+                <a:solidFill>
+                  <a:schemeClr val="tx1">
+                    <a:tint val="75000"/>
+                  </a:schemeClr>
+                </a:solidFill>
+              </a:defRPr>
             </a:lvl7pPr>
             <a:lvl8pPr marL="3200400" indent="0" algn="ctr">
               <a:buNone/>
-              <a:defRPr sz="1600"/>
+              <a:defRPr>
+                <a:solidFill>
+                  <a:schemeClr val="tx1">
+                    <a:tint val="75000"/>
+                  </a:schemeClr>
+                </a:solidFill>
+              </a:defRPr>
             </a:lvl8pPr>
             <a:lvl9pPr marL="3657600" indent="0" algn="ctr">
               <a:buNone/>
-              <a:defRPr sz="1600"/>
+              <a:defRPr>
+                <a:solidFill>
+                  <a:schemeClr val="tx1">
+                    <a:tint val="75000"/>
+                  </a:schemeClr>
+                </a:solidFill>
+              </a:defRPr>
             </a:lvl9pPr>
           </a:lstStyle>
           <a:p>
@@ -234,18 +604,13 @@
               <a:rPr lang="en-US"/>
               <a:t>Click to edit Master subtitle style</a:t>
             </a:r>
-          </a:p>
-        </p:txBody>
-      </p:sp>
-      <p:sp>
-        <p:nvSpPr>
-          <p:cNvPr id="4" name="Date Placeholder 3">
-            <a:extLst>
-              <a:ext uri="{FF2B5EF4-FFF2-40B4-BE49-F238E27FC236}">
-                <a16:creationId xmlns:a16="http://schemas.microsoft.com/office/drawing/2014/main" id="{0A6BB670-9DB5-4B12-82A2-59554003F12D}"/>
-              </a:ext>
-            </a:extLst>
-          </p:cNvPr>
+            <a:endParaRPr lang="en-US" dirty="0"/>
+          </a:p>
+        </p:txBody>
+      </p:sp>
+      <p:sp>
+        <p:nvSpPr>
+          <p:cNvPr id="4" name="Date Placeholder 3"/>
           <p:cNvSpPr>
             <a:spLocks noGrp="1"/>
           </p:cNvSpPr>
@@ -268,13 +633,7 @@
       </p:sp>
       <p:sp>
         <p:nvSpPr>
-          <p:cNvPr id="5" name="Footer Placeholder 4">
-            <a:extLst>
-              <a:ext uri="{FF2B5EF4-FFF2-40B4-BE49-F238E27FC236}">
-                <a16:creationId xmlns:a16="http://schemas.microsoft.com/office/drawing/2014/main" id="{3B52BFDA-386D-49B6-A794-8EE8CF58921B}"/>
-              </a:ext>
-            </a:extLst>
-          </p:cNvPr>
+          <p:cNvPr id="5" name="Footer Placeholder 4"/>
           <p:cNvSpPr>
             <a:spLocks noGrp="1"/>
           </p:cNvSpPr>
@@ -282,7 +641,12 @@
             <p:ph type="ftr" sz="quarter" idx="11"/>
           </p:nvPr>
         </p:nvSpPr>
-        <p:spPr/>
+        <p:spPr>
+          <a:xfrm>
+            <a:off x="5332412" y="5883275"/>
+            <a:ext cx="4324044" cy="365125"/>
+          </a:xfrm>
+        </p:spPr>
         <p:txBody>
           <a:bodyPr/>
           <a:lstStyle/>
@@ -293,13 +657,7 @@
       </p:sp>
       <p:sp>
         <p:nvSpPr>
-          <p:cNvPr id="6" name="Slide Number Placeholder 5">
-            <a:extLst>
-              <a:ext uri="{FF2B5EF4-FFF2-40B4-BE49-F238E27FC236}">
-                <a16:creationId xmlns:a16="http://schemas.microsoft.com/office/drawing/2014/main" id="{369E4F9B-C628-4C04-8B7A-92C6B4FD5D9D}"/>
-              </a:ext>
-            </a:extLst>
-          </p:cNvPr>
+          <p:cNvPr id="6" name="Slide Number Placeholder 5"/>
           <p:cNvSpPr>
             <a:spLocks noGrp="1"/>
           </p:cNvSpPr>
@@ -323,7 +681,7 @@
     </p:spTree>
     <p:extLst>
       <p:ext uri="{BB962C8B-B14F-4D97-AF65-F5344CB8AC3E}">
-        <p14:creationId xmlns:p14="http://schemas.microsoft.com/office/powerpoint/2010/main" val="3302485980"/>
+        <p14:creationId xmlns:p14="http://schemas.microsoft.com/office/powerpoint/2010/main" val="2571129136"/>
       </p:ext>
     </p:extLst>
   </p:cSld>
@@ -334,6 +692,2162 @@
 </file>
 
 <file path=ppt/slideLayouts/slideLayout10.xml><?xml version="1.0" encoding="utf-8"?>
+<p:sldLayout xmlns:a="http://schemas.openxmlformats.org/drawingml/2006/main" xmlns:r="http://schemas.openxmlformats.org/officeDocument/2006/relationships" xmlns:p="http://schemas.openxmlformats.org/presentationml/2006/main" preserve="1">
+  <p:cSld name="Panoramic Picture with Caption">
+    <p:spTree>
+      <p:nvGrpSpPr>
+        <p:cNvPr id="1" name=""/>
+        <p:cNvGrpSpPr/>
+        <p:nvPr/>
+      </p:nvGrpSpPr>
+      <p:grpSpPr>
+        <a:xfrm>
+          <a:off x="0" y="0"/>
+          <a:ext cx="0" cy="0"/>
+          <a:chOff x="0" y="0"/>
+          <a:chExt cx="0" cy="0"/>
+        </a:xfrm>
+      </p:grpSpPr>
+      <p:sp>
+        <p:nvSpPr>
+          <p:cNvPr id="2" name="Title 1"/>
+          <p:cNvSpPr>
+            <a:spLocks noGrp="1"/>
+          </p:cNvSpPr>
+          <p:nvPr>
+            <p:ph type="title"/>
+          </p:nvPr>
+        </p:nvSpPr>
+        <p:spPr>
+          <a:xfrm>
+            <a:off x="1484311" y="4732865"/>
+            <a:ext cx="10018711" cy="566738"/>
+          </a:xfrm>
+        </p:spPr>
+        <p:txBody>
+          <a:bodyPr anchor="b">
+            <a:normAutofit/>
+          </a:bodyPr>
+          <a:lstStyle>
+            <a:lvl1pPr algn="ctr">
+              <a:defRPr sz="2400" b="0"/>
+            </a:lvl1pPr>
+          </a:lstStyle>
+          <a:p>
+            <a:r>
+              <a:rPr lang="en-US"/>
+              <a:t>Click to edit Master title style</a:t>
+            </a:r>
+            <a:endParaRPr lang="en-US" dirty="0"/>
+          </a:p>
+        </p:txBody>
+      </p:sp>
+      <p:sp>
+        <p:nvSpPr>
+          <p:cNvPr id="3" name="Picture Placeholder 2"/>
+          <p:cNvSpPr>
+            <a:spLocks noGrp="1" noChangeAspect="1"/>
+          </p:cNvSpPr>
+          <p:nvPr>
+            <p:ph type="pic" idx="1"/>
+          </p:nvPr>
+        </p:nvSpPr>
+        <p:spPr>
+          <a:xfrm>
+            <a:off x="2386012" y="932112"/>
+            <a:ext cx="8225944" cy="3164976"/>
+          </a:xfrm>
+          <a:prstGeom prst="roundRect">
+            <a:avLst>
+              <a:gd name="adj" fmla="val 4380"/>
+            </a:avLst>
+          </a:prstGeom>
+          <a:ln w="38100">
+            <a:gradFill flip="none" rotWithShape="1">
+              <a:gsLst>
+                <a:gs pos="0">
+                  <a:schemeClr val="bg2"/>
+                </a:gs>
+                <a:gs pos="100000">
+                  <a:schemeClr val="bg2">
+                    <a:lumMod val="75000"/>
+                  </a:schemeClr>
+                </a:gs>
+              </a:gsLst>
+              <a:lin ang="5400000" scaled="0"/>
+              <a:tileRect/>
+            </a:gradFill>
+          </a:ln>
+          <a:effectLst>
+            <a:innerShdw blurRad="57150" dist="38100" dir="14460000">
+              <a:srgbClr val="000000">
+                <a:alpha val="70000"/>
+              </a:srgbClr>
+            </a:innerShdw>
+          </a:effectLst>
+        </p:spPr>
+        <p:txBody>
+          <a:bodyPr anchor="t">
+            <a:normAutofit/>
+          </a:bodyPr>
+          <a:lstStyle>
+            <a:lvl1pPr marL="0" indent="0" algn="ctr">
+              <a:buNone/>
+              <a:defRPr sz="1600"/>
+            </a:lvl1pPr>
+            <a:lvl2pPr marL="457200" indent="0">
+              <a:buNone/>
+              <a:defRPr sz="1600"/>
+            </a:lvl2pPr>
+            <a:lvl3pPr marL="914400" indent="0">
+              <a:buNone/>
+              <a:defRPr sz="1600"/>
+            </a:lvl3pPr>
+            <a:lvl4pPr marL="1371600" indent="0">
+              <a:buNone/>
+              <a:defRPr sz="1600"/>
+            </a:lvl4pPr>
+            <a:lvl5pPr marL="1828800" indent="0">
+              <a:buNone/>
+              <a:defRPr sz="1600"/>
+            </a:lvl5pPr>
+            <a:lvl6pPr marL="2286000" indent="0">
+              <a:buNone/>
+              <a:defRPr sz="1600"/>
+            </a:lvl6pPr>
+            <a:lvl7pPr marL="2743200" indent="0">
+              <a:buNone/>
+              <a:defRPr sz="1600"/>
+            </a:lvl7pPr>
+            <a:lvl8pPr marL="3200400" indent="0">
+              <a:buNone/>
+              <a:defRPr sz="1600"/>
+            </a:lvl8pPr>
+            <a:lvl9pPr marL="3657600" indent="0">
+              <a:buNone/>
+              <a:defRPr sz="1600"/>
+            </a:lvl9pPr>
+          </a:lstStyle>
+          <a:p>
+            <a:r>
+              <a:rPr lang="en-US"/>
+              <a:t>Click icon to add picture</a:t>
+            </a:r>
+            <a:endParaRPr lang="en-US" dirty="0"/>
+          </a:p>
+        </p:txBody>
+      </p:sp>
+      <p:sp>
+        <p:nvSpPr>
+          <p:cNvPr id="4" name="Text Placeholder 3"/>
+          <p:cNvSpPr>
+            <a:spLocks noGrp="1"/>
+          </p:cNvSpPr>
+          <p:nvPr>
+            <p:ph type="body" sz="half" idx="2"/>
+          </p:nvPr>
+        </p:nvSpPr>
+        <p:spPr>
+          <a:xfrm>
+            <a:off x="1484311" y="5299603"/>
+            <a:ext cx="10018711" cy="493712"/>
+          </a:xfrm>
+        </p:spPr>
+        <p:txBody>
+          <a:bodyPr>
+            <a:normAutofit/>
+          </a:bodyPr>
+          <a:lstStyle>
+            <a:lvl1pPr marL="0" indent="0" algn="ctr">
+              <a:buNone/>
+              <a:defRPr sz="1400"/>
+            </a:lvl1pPr>
+            <a:lvl2pPr marL="457200" indent="0">
+              <a:buNone/>
+              <a:defRPr sz="1200"/>
+            </a:lvl2pPr>
+            <a:lvl3pPr marL="914400" indent="0">
+              <a:buNone/>
+              <a:defRPr sz="1000"/>
+            </a:lvl3pPr>
+            <a:lvl4pPr marL="1371600" indent="0">
+              <a:buNone/>
+              <a:defRPr sz="900"/>
+            </a:lvl4pPr>
+            <a:lvl5pPr marL="1828800" indent="0">
+              <a:buNone/>
+              <a:defRPr sz="900"/>
+            </a:lvl5pPr>
+            <a:lvl6pPr marL="2286000" indent="0">
+              <a:buNone/>
+              <a:defRPr sz="900"/>
+            </a:lvl6pPr>
+            <a:lvl7pPr marL="2743200" indent="0">
+              <a:buNone/>
+              <a:defRPr sz="900"/>
+            </a:lvl7pPr>
+            <a:lvl8pPr marL="3200400" indent="0">
+              <a:buNone/>
+              <a:defRPr sz="900"/>
+            </a:lvl8pPr>
+            <a:lvl9pPr marL="3657600" indent="0">
+              <a:buNone/>
+              <a:defRPr sz="900"/>
+            </a:lvl9pPr>
+          </a:lstStyle>
+          <a:p>
+            <a:pPr lvl="0"/>
+            <a:r>
+              <a:rPr lang="en-US"/>
+              <a:t>Edit Master text styles</a:t>
+            </a:r>
+          </a:p>
+        </p:txBody>
+      </p:sp>
+      <p:sp>
+        <p:nvSpPr>
+          <p:cNvPr id="5" name="Date Placeholder 4"/>
+          <p:cNvSpPr>
+            <a:spLocks noGrp="1"/>
+          </p:cNvSpPr>
+          <p:nvPr>
+            <p:ph type="dt" sz="half" idx="10"/>
+          </p:nvPr>
+        </p:nvSpPr>
+        <p:spPr/>
+        <p:txBody>
+          <a:bodyPr/>
+          <a:lstStyle/>
+          <a:p>
+            <a:fld id="{3745423B-122B-427D-80D7-3819758975BB}" type="datetimeFigureOut">
+              <a:rPr lang="en-US" smtClean="0"/>
+              <a:t>10/5/2017</a:t>
+            </a:fld>
+            <a:endParaRPr lang="en-US"/>
+          </a:p>
+        </p:txBody>
+      </p:sp>
+      <p:sp>
+        <p:nvSpPr>
+          <p:cNvPr id="6" name="Footer Placeholder 5"/>
+          <p:cNvSpPr>
+            <a:spLocks noGrp="1"/>
+          </p:cNvSpPr>
+          <p:nvPr>
+            <p:ph type="ftr" sz="quarter" idx="11"/>
+          </p:nvPr>
+        </p:nvSpPr>
+        <p:spPr/>
+        <p:txBody>
+          <a:bodyPr/>
+          <a:lstStyle/>
+          <a:p>
+            <a:endParaRPr lang="en-US"/>
+          </a:p>
+        </p:txBody>
+      </p:sp>
+      <p:sp>
+        <p:nvSpPr>
+          <p:cNvPr id="7" name="Slide Number Placeholder 6"/>
+          <p:cNvSpPr>
+            <a:spLocks noGrp="1"/>
+          </p:cNvSpPr>
+          <p:nvPr>
+            <p:ph type="sldNum" sz="quarter" idx="12"/>
+          </p:nvPr>
+        </p:nvSpPr>
+        <p:spPr/>
+        <p:txBody>
+          <a:bodyPr/>
+          <a:lstStyle/>
+          <a:p>
+            <a:fld id="{520A0473-D727-46E3-B77A-35F57404B2D9}" type="slidenum">
+              <a:rPr lang="en-US" smtClean="0"/>
+              <a:t>‹#›</a:t>
+            </a:fld>
+            <a:endParaRPr lang="en-US"/>
+          </a:p>
+        </p:txBody>
+      </p:sp>
+    </p:spTree>
+    <p:extLst>
+      <p:ext uri="{BB962C8B-B14F-4D97-AF65-F5344CB8AC3E}">
+        <p14:creationId xmlns:p14="http://schemas.microsoft.com/office/powerpoint/2010/main" val="3505487297"/>
+      </p:ext>
+    </p:extLst>
+  </p:cSld>
+  <p:clrMapOvr>
+    <a:masterClrMapping/>
+  </p:clrMapOvr>
+</p:sldLayout>
+</file>
+
+<file path=ppt/slideLayouts/slideLayout11.xml><?xml version="1.0" encoding="utf-8"?>
+<p:sldLayout xmlns:a="http://schemas.openxmlformats.org/drawingml/2006/main" xmlns:r="http://schemas.openxmlformats.org/officeDocument/2006/relationships" xmlns:p="http://schemas.openxmlformats.org/presentationml/2006/main" preserve="1">
+  <p:cSld name="Title and Caption">
+    <p:spTree>
+      <p:nvGrpSpPr>
+        <p:cNvPr id="1" name=""/>
+        <p:cNvGrpSpPr/>
+        <p:nvPr/>
+      </p:nvGrpSpPr>
+      <p:grpSpPr>
+        <a:xfrm>
+          <a:off x="0" y="0"/>
+          <a:ext cx="0" cy="0"/>
+          <a:chOff x="0" y="0"/>
+          <a:chExt cx="0" cy="0"/>
+        </a:xfrm>
+      </p:grpSpPr>
+      <p:sp>
+        <p:nvSpPr>
+          <p:cNvPr id="2" name="Title 1"/>
+          <p:cNvSpPr>
+            <a:spLocks noGrp="1"/>
+          </p:cNvSpPr>
+          <p:nvPr>
+            <p:ph type="title"/>
+          </p:nvPr>
+        </p:nvSpPr>
+        <p:spPr>
+          <a:xfrm>
+            <a:off x="1484312" y="685800"/>
+            <a:ext cx="10018711" cy="3048000"/>
+          </a:xfrm>
+        </p:spPr>
+        <p:txBody>
+          <a:bodyPr anchor="ctr">
+            <a:normAutofit/>
+          </a:bodyPr>
+          <a:lstStyle>
+            <a:lvl1pPr algn="ctr">
+              <a:defRPr sz="3200" b="0" cap="none"/>
+            </a:lvl1pPr>
+          </a:lstStyle>
+          <a:p>
+            <a:r>
+              <a:rPr lang="en-US"/>
+              <a:t>Click to edit Master title style</a:t>
+            </a:r>
+            <a:endParaRPr lang="en-US" dirty="0"/>
+          </a:p>
+        </p:txBody>
+      </p:sp>
+      <p:sp>
+        <p:nvSpPr>
+          <p:cNvPr id="3" name="Text Placeholder 2"/>
+          <p:cNvSpPr>
+            <a:spLocks noGrp="1"/>
+          </p:cNvSpPr>
+          <p:nvPr>
+            <p:ph type="body" idx="1"/>
+          </p:nvPr>
+        </p:nvSpPr>
+        <p:spPr>
+          <a:xfrm>
+            <a:off x="1484312" y="4343400"/>
+            <a:ext cx="10018713" cy="1447800"/>
+          </a:xfrm>
+        </p:spPr>
+        <p:txBody>
+          <a:bodyPr anchor="ctr">
+            <a:normAutofit/>
+          </a:bodyPr>
+          <a:lstStyle>
+            <a:lvl1pPr marL="0" indent="0" algn="ctr">
+              <a:buNone/>
+              <a:defRPr sz="2000">
+                <a:solidFill>
+                  <a:schemeClr val="tx1"/>
+                </a:solidFill>
+              </a:defRPr>
+            </a:lvl1pPr>
+            <a:lvl2pPr marL="457200" indent="0">
+              <a:buNone/>
+              <a:defRPr sz="1800">
+                <a:solidFill>
+                  <a:schemeClr val="tx1">
+                    <a:tint val="75000"/>
+                  </a:schemeClr>
+                </a:solidFill>
+              </a:defRPr>
+            </a:lvl2pPr>
+            <a:lvl3pPr marL="914400" indent="0">
+              <a:buNone/>
+              <a:defRPr sz="1600">
+                <a:solidFill>
+                  <a:schemeClr val="tx1">
+                    <a:tint val="75000"/>
+                  </a:schemeClr>
+                </a:solidFill>
+              </a:defRPr>
+            </a:lvl3pPr>
+            <a:lvl4pPr marL="1371600" indent="0">
+              <a:buNone/>
+              <a:defRPr sz="1400">
+                <a:solidFill>
+                  <a:schemeClr val="tx1">
+                    <a:tint val="75000"/>
+                  </a:schemeClr>
+                </a:solidFill>
+              </a:defRPr>
+            </a:lvl4pPr>
+            <a:lvl5pPr marL="1828800" indent="0">
+              <a:buNone/>
+              <a:defRPr sz="1400">
+                <a:solidFill>
+                  <a:schemeClr val="tx1">
+                    <a:tint val="75000"/>
+                  </a:schemeClr>
+                </a:solidFill>
+              </a:defRPr>
+            </a:lvl5pPr>
+            <a:lvl6pPr marL="2286000" indent="0">
+              <a:buNone/>
+              <a:defRPr sz="1400">
+                <a:solidFill>
+                  <a:schemeClr val="tx1">
+                    <a:tint val="75000"/>
+                  </a:schemeClr>
+                </a:solidFill>
+              </a:defRPr>
+            </a:lvl6pPr>
+            <a:lvl7pPr marL="2743200" indent="0">
+              <a:buNone/>
+              <a:defRPr sz="1400">
+                <a:solidFill>
+                  <a:schemeClr val="tx1">
+                    <a:tint val="75000"/>
+                  </a:schemeClr>
+                </a:solidFill>
+              </a:defRPr>
+            </a:lvl7pPr>
+            <a:lvl8pPr marL="3200400" indent="0">
+              <a:buNone/>
+              <a:defRPr sz="1400">
+                <a:solidFill>
+                  <a:schemeClr val="tx1">
+                    <a:tint val="75000"/>
+                  </a:schemeClr>
+                </a:solidFill>
+              </a:defRPr>
+            </a:lvl8pPr>
+            <a:lvl9pPr marL="3657600" indent="0">
+              <a:buNone/>
+              <a:defRPr sz="1400">
+                <a:solidFill>
+                  <a:schemeClr val="tx1">
+                    <a:tint val="75000"/>
+                  </a:schemeClr>
+                </a:solidFill>
+              </a:defRPr>
+            </a:lvl9pPr>
+          </a:lstStyle>
+          <a:p>
+            <a:pPr lvl="0"/>
+            <a:r>
+              <a:rPr lang="en-US"/>
+              <a:t>Edit Master text styles</a:t>
+            </a:r>
+          </a:p>
+        </p:txBody>
+      </p:sp>
+      <p:sp>
+        <p:nvSpPr>
+          <p:cNvPr id="4" name="Date Placeholder 3"/>
+          <p:cNvSpPr>
+            <a:spLocks noGrp="1"/>
+          </p:cNvSpPr>
+          <p:nvPr>
+            <p:ph type="dt" sz="half" idx="10"/>
+          </p:nvPr>
+        </p:nvSpPr>
+        <p:spPr/>
+        <p:txBody>
+          <a:bodyPr/>
+          <a:lstStyle/>
+          <a:p>
+            <a:fld id="{3745423B-122B-427D-80D7-3819758975BB}" type="datetimeFigureOut">
+              <a:rPr lang="en-US" smtClean="0"/>
+              <a:t>10/5/2017</a:t>
+            </a:fld>
+            <a:endParaRPr lang="en-US"/>
+          </a:p>
+        </p:txBody>
+      </p:sp>
+      <p:sp>
+        <p:nvSpPr>
+          <p:cNvPr id="5" name="Footer Placeholder 4"/>
+          <p:cNvSpPr>
+            <a:spLocks noGrp="1"/>
+          </p:cNvSpPr>
+          <p:nvPr>
+            <p:ph type="ftr" sz="quarter" idx="11"/>
+          </p:nvPr>
+        </p:nvSpPr>
+        <p:spPr/>
+        <p:txBody>
+          <a:bodyPr/>
+          <a:lstStyle/>
+          <a:p>
+            <a:endParaRPr lang="en-US"/>
+          </a:p>
+        </p:txBody>
+      </p:sp>
+      <p:sp>
+        <p:nvSpPr>
+          <p:cNvPr id="6" name="Slide Number Placeholder 5"/>
+          <p:cNvSpPr>
+            <a:spLocks noGrp="1"/>
+          </p:cNvSpPr>
+          <p:nvPr>
+            <p:ph type="sldNum" sz="quarter" idx="12"/>
+          </p:nvPr>
+        </p:nvSpPr>
+        <p:spPr/>
+        <p:txBody>
+          <a:bodyPr/>
+          <a:lstStyle/>
+          <a:p>
+            <a:fld id="{520A0473-D727-46E3-B77A-35F57404B2D9}" type="slidenum">
+              <a:rPr lang="en-US" smtClean="0"/>
+              <a:t>‹#›</a:t>
+            </a:fld>
+            <a:endParaRPr lang="en-US"/>
+          </a:p>
+        </p:txBody>
+      </p:sp>
+    </p:spTree>
+    <p:extLst>
+      <p:ext uri="{BB962C8B-B14F-4D97-AF65-F5344CB8AC3E}">
+        <p14:creationId xmlns:p14="http://schemas.microsoft.com/office/powerpoint/2010/main" val="3180434686"/>
+      </p:ext>
+    </p:extLst>
+  </p:cSld>
+  <p:clrMapOvr>
+    <a:masterClrMapping/>
+  </p:clrMapOvr>
+</p:sldLayout>
+</file>
+
+<file path=ppt/slideLayouts/slideLayout12.xml><?xml version="1.0" encoding="utf-8"?>
+<p:sldLayout xmlns:a="http://schemas.openxmlformats.org/drawingml/2006/main" xmlns:r="http://schemas.openxmlformats.org/officeDocument/2006/relationships" xmlns:p="http://schemas.openxmlformats.org/presentationml/2006/main" preserve="1">
+  <p:cSld name="Quote with Caption">
+    <p:spTree>
+      <p:nvGrpSpPr>
+        <p:cNvPr id="1" name=""/>
+        <p:cNvGrpSpPr/>
+        <p:nvPr/>
+      </p:nvGrpSpPr>
+      <p:grpSpPr>
+        <a:xfrm>
+          <a:off x="0" y="0"/>
+          <a:ext cx="0" cy="0"/>
+          <a:chOff x="0" y="0"/>
+          <a:chExt cx="0" cy="0"/>
+        </a:xfrm>
+      </p:grpSpPr>
+      <p:sp>
+        <p:nvSpPr>
+          <p:cNvPr id="14" name="TextBox 13"/>
+          <p:cNvSpPr txBox="1"/>
+          <p:nvPr/>
+        </p:nvSpPr>
+        <p:spPr>
+          <a:xfrm>
+            <a:off x="1598612" y="863023"/>
+            <a:ext cx="609600" cy="584776"/>
+          </a:xfrm>
+          <a:prstGeom prst="rect">
+            <a:avLst/>
+          </a:prstGeom>
+        </p:spPr>
+        <p:txBody>
+          <a:bodyPr vert="horz" lIns="91440" tIns="45720" rIns="91440" bIns="45720" rtlCol="0" anchor="ctr">
+            <a:noAutofit/>
+          </a:bodyPr>
+          <a:lstStyle>
+            <a:lvl1pPr>
+              <a:spcBef>
+                <a:spcPct val="0"/>
+              </a:spcBef>
+              <a:buNone/>
+              <a:defRPr sz="3200" b="0" cap="all">
+                <a:ln w="3175" cmpd="sng">
+                  <a:noFill/>
+                </a:ln>
+                <a:effectLst>
+                  <a:glow rad="38100">
+                    <a:schemeClr val="bg1">
+                      <a:lumMod val="65000"/>
+                      <a:lumOff val="35000"/>
+                      <a:alpha val="40000"/>
+                    </a:schemeClr>
+                  </a:glow>
+                  <a:outerShdw blurRad="28575" dist="38100" dir="14040000" algn="tl" rotWithShape="0">
+                    <a:srgbClr val="000000">
+                      <a:alpha val="25000"/>
+                    </a:srgbClr>
+                  </a:outerShdw>
+                </a:effectLst>
+              </a:defRPr>
+            </a:lvl1pPr>
+            <a:lvl2pPr>
+              <a:defRPr>
+                <a:solidFill>
+                  <a:schemeClr val="tx2"/>
+                </a:solidFill>
+              </a:defRPr>
+            </a:lvl2pPr>
+            <a:lvl3pPr>
+              <a:defRPr>
+                <a:solidFill>
+                  <a:schemeClr val="tx2"/>
+                </a:solidFill>
+              </a:defRPr>
+            </a:lvl3pPr>
+            <a:lvl4pPr>
+              <a:defRPr>
+                <a:solidFill>
+                  <a:schemeClr val="tx2"/>
+                </a:solidFill>
+              </a:defRPr>
+            </a:lvl4pPr>
+            <a:lvl5pPr>
+              <a:defRPr>
+                <a:solidFill>
+                  <a:schemeClr val="tx2"/>
+                </a:solidFill>
+              </a:defRPr>
+            </a:lvl5pPr>
+            <a:lvl6pPr>
+              <a:defRPr>
+                <a:solidFill>
+                  <a:schemeClr val="tx2"/>
+                </a:solidFill>
+              </a:defRPr>
+            </a:lvl6pPr>
+            <a:lvl7pPr>
+              <a:defRPr>
+                <a:solidFill>
+                  <a:schemeClr val="tx2"/>
+                </a:solidFill>
+              </a:defRPr>
+            </a:lvl7pPr>
+            <a:lvl8pPr>
+              <a:defRPr>
+                <a:solidFill>
+                  <a:schemeClr val="tx2"/>
+                </a:solidFill>
+              </a:defRPr>
+            </a:lvl8pPr>
+            <a:lvl9pPr>
+              <a:defRPr>
+                <a:solidFill>
+                  <a:schemeClr val="tx2"/>
+                </a:solidFill>
+              </a:defRPr>
+            </a:lvl9pPr>
+          </a:lstStyle>
+          <a:p>
+            <a:pPr lvl="0"/>
+            <a:r>
+              <a:rPr lang="en-US" sz="8000" dirty="0">
+                <a:solidFill>
+                  <a:schemeClr val="tx1"/>
+                </a:solidFill>
+                <a:effectLst/>
+              </a:rPr>
+              <a:t>“</a:t>
+            </a:r>
+          </a:p>
+        </p:txBody>
+      </p:sp>
+      <p:sp>
+        <p:nvSpPr>
+          <p:cNvPr id="15" name="TextBox 14"/>
+          <p:cNvSpPr txBox="1"/>
+          <p:nvPr/>
+        </p:nvSpPr>
+        <p:spPr>
+          <a:xfrm>
+            <a:off x="10893425" y="2819399"/>
+            <a:ext cx="609600" cy="584776"/>
+          </a:xfrm>
+          <a:prstGeom prst="rect">
+            <a:avLst/>
+          </a:prstGeom>
+        </p:spPr>
+        <p:txBody>
+          <a:bodyPr vert="horz" lIns="91440" tIns="45720" rIns="91440" bIns="45720" rtlCol="0" anchor="ctr">
+            <a:noAutofit/>
+          </a:bodyPr>
+          <a:lstStyle>
+            <a:lvl1pPr>
+              <a:spcBef>
+                <a:spcPct val="0"/>
+              </a:spcBef>
+              <a:buNone/>
+              <a:defRPr sz="3200" b="0" cap="all">
+                <a:ln w="3175" cmpd="sng">
+                  <a:noFill/>
+                </a:ln>
+                <a:effectLst>
+                  <a:glow rad="38100">
+                    <a:schemeClr val="bg1">
+                      <a:lumMod val="65000"/>
+                      <a:lumOff val="35000"/>
+                      <a:alpha val="40000"/>
+                    </a:schemeClr>
+                  </a:glow>
+                  <a:outerShdw blurRad="28575" dist="38100" dir="14040000" algn="tl" rotWithShape="0">
+                    <a:srgbClr val="000000">
+                      <a:alpha val="25000"/>
+                    </a:srgbClr>
+                  </a:outerShdw>
+                </a:effectLst>
+              </a:defRPr>
+            </a:lvl1pPr>
+            <a:lvl2pPr>
+              <a:defRPr>
+                <a:solidFill>
+                  <a:schemeClr val="tx2"/>
+                </a:solidFill>
+              </a:defRPr>
+            </a:lvl2pPr>
+            <a:lvl3pPr>
+              <a:defRPr>
+                <a:solidFill>
+                  <a:schemeClr val="tx2"/>
+                </a:solidFill>
+              </a:defRPr>
+            </a:lvl3pPr>
+            <a:lvl4pPr>
+              <a:defRPr>
+                <a:solidFill>
+                  <a:schemeClr val="tx2"/>
+                </a:solidFill>
+              </a:defRPr>
+            </a:lvl4pPr>
+            <a:lvl5pPr>
+              <a:defRPr>
+                <a:solidFill>
+                  <a:schemeClr val="tx2"/>
+                </a:solidFill>
+              </a:defRPr>
+            </a:lvl5pPr>
+            <a:lvl6pPr>
+              <a:defRPr>
+                <a:solidFill>
+                  <a:schemeClr val="tx2"/>
+                </a:solidFill>
+              </a:defRPr>
+            </a:lvl6pPr>
+            <a:lvl7pPr>
+              <a:defRPr>
+                <a:solidFill>
+                  <a:schemeClr val="tx2"/>
+                </a:solidFill>
+              </a:defRPr>
+            </a:lvl7pPr>
+            <a:lvl8pPr>
+              <a:defRPr>
+                <a:solidFill>
+                  <a:schemeClr val="tx2"/>
+                </a:solidFill>
+              </a:defRPr>
+            </a:lvl8pPr>
+            <a:lvl9pPr>
+              <a:defRPr>
+                <a:solidFill>
+                  <a:schemeClr val="tx2"/>
+                </a:solidFill>
+              </a:defRPr>
+            </a:lvl9pPr>
+          </a:lstStyle>
+          <a:p>
+            <a:pPr lvl="0" algn="r"/>
+            <a:r>
+              <a:rPr lang="en-US" sz="8000" dirty="0">
+                <a:solidFill>
+                  <a:schemeClr val="tx1"/>
+                </a:solidFill>
+                <a:effectLst/>
+              </a:rPr>
+              <a:t>”</a:t>
+            </a:r>
+          </a:p>
+        </p:txBody>
+      </p:sp>
+      <p:sp>
+        <p:nvSpPr>
+          <p:cNvPr id="2" name="Title 1"/>
+          <p:cNvSpPr>
+            <a:spLocks noGrp="1"/>
+          </p:cNvSpPr>
+          <p:nvPr>
+            <p:ph type="title"/>
+          </p:nvPr>
+        </p:nvSpPr>
+        <p:spPr>
+          <a:xfrm>
+            <a:off x="2208212" y="685800"/>
+            <a:ext cx="8990012" cy="2743199"/>
+          </a:xfrm>
+        </p:spPr>
+        <p:txBody>
+          <a:bodyPr anchor="ctr">
+            <a:normAutofit/>
+          </a:bodyPr>
+          <a:lstStyle>
+            <a:lvl1pPr algn="ctr">
+              <a:defRPr sz="3200" b="0" cap="none">
+                <a:solidFill>
+                  <a:schemeClr val="tx1"/>
+                </a:solidFill>
+              </a:defRPr>
+            </a:lvl1pPr>
+          </a:lstStyle>
+          <a:p>
+            <a:r>
+              <a:rPr lang="en-US"/>
+              <a:t>Click to edit Master title style</a:t>
+            </a:r>
+            <a:endParaRPr lang="en-US" dirty="0"/>
+          </a:p>
+        </p:txBody>
+      </p:sp>
+      <p:sp>
+        <p:nvSpPr>
+          <p:cNvPr id="10" name="Text Placeholder 9"/>
+          <p:cNvSpPr>
+            <a:spLocks noGrp="1"/>
+          </p:cNvSpPr>
+          <p:nvPr>
+            <p:ph type="body" sz="quarter" idx="13"/>
+          </p:nvPr>
+        </p:nvSpPr>
+        <p:spPr>
+          <a:xfrm>
+            <a:off x="2436811" y="3428999"/>
+            <a:ext cx="8532815" cy="381000"/>
+          </a:xfrm>
+        </p:spPr>
+        <p:txBody>
+          <a:bodyPr anchor="ctr">
+            <a:normAutofit/>
+          </a:bodyPr>
+          <a:lstStyle>
+            <a:lvl1pPr marL="0" indent="0">
+              <a:buFontTx/>
+              <a:buNone/>
+              <a:defRPr sz="1800"/>
+            </a:lvl1pPr>
+            <a:lvl2pPr marL="457200" indent="0">
+              <a:buFontTx/>
+              <a:buNone/>
+              <a:defRPr/>
+            </a:lvl2pPr>
+            <a:lvl3pPr marL="914400" indent="0">
+              <a:buFontTx/>
+              <a:buNone/>
+              <a:defRPr/>
+            </a:lvl3pPr>
+            <a:lvl4pPr marL="1371600" indent="0">
+              <a:buFontTx/>
+              <a:buNone/>
+              <a:defRPr/>
+            </a:lvl4pPr>
+            <a:lvl5pPr marL="1828800" indent="0">
+              <a:buFontTx/>
+              <a:buNone/>
+              <a:defRPr/>
+            </a:lvl5pPr>
+          </a:lstStyle>
+          <a:p>
+            <a:pPr lvl="0"/>
+            <a:r>
+              <a:rPr lang="en-US"/>
+              <a:t>Edit Master text styles</a:t>
+            </a:r>
+          </a:p>
+        </p:txBody>
+      </p:sp>
+      <p:sp>
+        <p:nvSpPr>
+          <p:cNvPr id="3" name="Text Placeholder 2"/>
+          <p:cNvSpPr>
+            <a:spLocks noGrp="1"/>
+          </p:cNvSpPr>
+          <p:nvPr>
+            <p:ph type="body" idx="1"/>
+          </p:nvPr>
+        </p:nvSpPr>
+        <p:spPr>
+          <a:xfrm>
+            <a:off x="1484311" y="4343400"/>
+            <a:ext cx="10018711" cy="1447800"/>
+          </a:xfrm>
+        </p:spPr>
+        <p:txBody>
+          <a:bodyPr anchor="ctr">
+            <a:normAutofit/>
+          </a:bodyPr>
+          <a:lstStyle>
+            <a:lvl1pPr marL="0" indent="0" algn="ctr">
+              <a:buNone/>
+              <a:defRPr sz="2000">
+                <a:solidFill>
+                  <a:schemeClr val="tx1"/>
+                </a:solidFill>
+              </a:defRPr>
+            </a:lvl1pPr>
+            <a:lvl2pPr marL="457200" indent="0">
+              <a:buNone/>
+              <a:defRPr sz="1800">
+                <a:solidFill>
+                  <a:schemeClr val="tx1">
+                    <a:tint val="75000"/>
+                  </a:schemeClr>
+                </a:solidFill>
+              </a:defRPr>
+            </a:lvl2pPr>
+            <a:lvl3pPr marL="914400" indent="0">
+              <a:buNone/>
+              <a:defRPr sz="1600">
+                <a:solidFill>
+                  <a:schemeClr val="tx1">
+                    <a:tint val="75000"/>
+                  </a:schemeClr>
+                </a:solidFill>
+              </a:defRPr>
+            </a:lvl3pPr>
+            <a:lvl4pPr marL="1371600" indent="0">
+              <a:buNone/>
+              <a:defRPr sz="1400">
+                <a:solidFill>
+                  <a:schemeClr val="tx1">
+                    <a:tint val="75000"/>
+                  </a:schemeClr>
+                </a:solidFill>
+              </a:defRPr>
+            </a:lvl4pPr>
+            <a:lvl5pPr marL="1828800" indent="0">
+              <a:buNone/>
+              <a:defRPr sz="1400">
+                <a:solidFill>
+                  <a:schemeClr val="tx1">
+                    <a:tint val="75000"/>
+                  </a:schemeClr>
+                </a:solidFill>
+              </a:defRPr>
+            </a:lvl5pPr>
+            <a:lvl6pPr marL="2286000" indent="0">
+              <a:buNone/>
+              <a:defRPr sz="1400">
+                <a:solidFill>
+                  <a:schemeClr val="tx1">
+                    <a:tint val="75000"/>
+                  </a:schemeClr>
+                </a:solidFill>
+              </a:defRPr>
+            </a:lvl6pPr>
+            <a:lvl7pPr marL="2743200" indent="0">
+              <a:buNone/>
+              <a:defRPr sz="1400">
+                <a:solidFill>
+                  <a:schemeClr val="tx1">
+                    <a:tint val="75000"/>
+                  </a:schemeClr>
+                </a:solidFill>
+              </a:defRPr>
+            </a:lvl7pPr>
+            <a:lvl8pPr marL="3200400" indent="0">
+              <a:buNone/>
+              <a:defRPr sz="1400">
+                <a:solidFill>
+                  <a:schemeClr val="tx1">
+                    <a:tint val="75000"/>
+                  </a:schemeClr>
+                </a:solidFill>
+              </a:defRPr>
+            </a:lvl8pPr>
+            <a:lvl9pPr marL="3657600" indent="0">
+              <a:buNone/>
+              <a:defRPr sz="1400">
+                <a:solidFill>
+                  <a:schemeClr val="tx1">
+                    <a:tint val="75000"/>
+                  </a:schemeClr>
+                </a:solidFill>
+              </a:defRPr>
+            </a:lvl9pPr>
+          </a:lstStyle>
+          <a:p>
+            <a:pPr lvl="0"/>
+            <a:r>
+              <a:rPr lang="en-US"/>
+              <a:t>Edit Master text styles</a:t>
+            </a:r>
+          </a:p>
+        </p:txBody>
+      </p:sp>
+      <p:sp>
+        <p:nvSpPr>
+          <p:cNvPr id="4" name="Date Placeholder 3"/>
+          <p:cNvSpPr>
+            <a:spLocks noGrp="1"/>
+          </p:cNvSpPr>
+          <p:nvPr>
+            <p:ph type="dt" sz="half" idx="10"/>
+          </p:nvPr>
+        </p:nvSpPr>
+        <p:spPr/>
+        <p:txBody>
+          <a:bodyPr/>
+          <a:lstStyle/>
+          <a:p>
+            <a:fld id="{3745423B-122B-427D-80D7-3819758975BB}" type="datetimeFigureOut">
+              <a:rPr lang="en-US" smtClean="0"/>
+              <a:t>10/5/2017</a:t>
+            </a:fld>
+            <a:endParaRPr lang="en-US"/>
+          </a:p>
+        </p:txBody>
+      </p:sp>
+      <p:sp>
+        <p:nvSpPr>
+          <p:cNvPr id="5" name="Footer Placeholder 4"/>
+          <p:cNvSpPr>
+            <a:spLocks noGrp="1"/>
+          </p:cNvSpPr>
+          <p:nvPr>
+            <p:ph type="ftr" sz="quarter" idx="11"/>
+          </p:nvPr>
+        </p:nvSpPr>
+        <p:spPr/>
+        <p:txBody>
+          <a:bodyPr/>
+          <a:lstStyle/>
+          <a:p>
+            <a:endParaRPr lang="en-US"/>
+          </a:p>
+        </p:txBody>
+      </p:sp>
+      <p:sp>
+        <p:nvSpPr>
+          <p:cNvPr id="6" name="Slide Number Placeholder 5"/>
+          <p:cNvSpPr>
+            <a:spLocks noGrp="1"/>
+          </p:cNvSpPr>
+          <p:nvPr>
+            <p:ph type="sldNum" sz="quarter" idx="12"/>
+          </p:nvPr>
+        </p:nvSpPr>
+        <p:spPr/>
+        <p:txBody>
+          <a:bodyPr/>
+          <a:lstStyle/>
+          <a:p>
+            <a:fld id="{520A0473-D727-46E3-B77A-35F57404B2D9}" type="slidenum">
+              <a:rPr lang="en-US" smtClean="0"/>
+              <a:t>‹#›</a:t>
+            </a:fld>
+            <a:endParaRPr lang="en-US"/>
+          </a:p>
+        </p:txBody>
+      </p:sp>
+    </p:spTree>
+    <p:extLst>
+      <p:ext uri="{BB962C8B-B14F-4D97-AF65-F5344CB8AC3E}">
+        <p14:creationId xmlns:p14="http://schemas.microsoft.com/office/powerpoint/2010/main" val="1555973957"/>
+      </p:ext>
+    </p:extLst>
+  </p:cSld>
+  <p:clrMapOvr>
+    <a:masterClrMapping/>
+  </p:clrMapOvr>
+</p:sldLayout>
+</file>
+
+<file path=ppt/slideLayouts/slideLayout13.xml><?xml version="1.0" encoding="utf-8"?>
+<p:sldLayout xmlns:a="http://schemas.openxmlformats.org/drawingml/2006/main" xmlns:r="http://schemas.openxmlformats.org/officeDocument/2006/relationships" xmlns:p="http://schemas.openxmlformats.org/presentationml/2006/main" preserve="1">
+  <p:cSld name="Name Card">
+    <p:spTree>
+      <p:nvGrpSpPr>
+        <p:cNvPr id="1" name=""/>
+        <p:cNvGrpSpPr/>
+        <p:nvPr/>
+      </p:nvGrpSpPr>
+      <p:grpSpPr>
+        <a:xfrm>
+          <a:off x="0" y="0"/>
+          <a:ext cx="0" cy="0"/>
+          <a:chOff x="0" y="0"/>
+          <a:chExt cx="0" cy="0"/>
+        </a:xfrm>
+      </p:grpSpPr>
+      <p:sp>
+        <p:nvSpPr>
+          <p:cNvPr id="2" name="Title 1"/>
+          <p:cNvSpPr>
+            <a:spLocks noGrp="1"/>
+          </p:cNvSpPr>
+          <p:nvPr>
+            <p:ph type="title"/>
+          </p:nvPr>
+        </p:nvSpPr>
+        <p:spPr>
+          <a:xfrm>
+            <a:off x="1484313" y="3308581"/>
+            <a:ext cx="10018709" cy="1468800"/>
+          </a:xfrm>
+        </p:spPr>
+        <p:txBody>
+          <a:bodyPr anchor="b">
+            <a:normAutofit/>
+          </a:bodyPr>
+          <a:lstStyle>
+            <a:lvl1pPr algn="r">
+              <a:defRPr sz="3200" b="0" cap="none"/>
+            </a:lvl1pPr>
+          </a:lstStyle>
+          <a:p>
+            <a:r>
+              <a:rPr lang="en-US"/>
+              <a:t>Click to edit Master title style</a:t>
+            </a:r>
+            <a:endParaRPr lang="en-US" dirty="0"/>
+          </a:p>
+        </p:txBody>
+      </p:sp>
+      <p:sp>
+        <p:nvSpPr>
+          <p:cNvPr id="3" name="Text Placeholder 2"/>
+          <p:cNvSpPr>
+            <a:spLocks noGrp="1"/>
+          </p:cNvSpPr>
+          <p:nvPr>
+            <p:ph type="body" idx="1"/>
+          </p:nvPr>
+        </p:nvSpPr>
+        <p:spPr>
+          <a:xfrm>
+            <a:off x="1484312" y="4777381"/>
+            <a:ext cx="10018710" cy="860400"/>
+          </a:xfrm>
+        </p:spPr>
+        <p:txBody>
+          <a:bodyPr anchor="t">
+            <a:normAutofit/>
+          </a:bodyPr>
+          <a:lstStyle>
+            <a:lvl1pPr marL="0" indent="0" algn="r">
+              <a:buNone/>
+              <a:defRPr sz="2000">
+                <a:solidFill>
+                  <a:schemeClr val="tx1"/>
+                </a:solidFill>
+              </a:defRPr>
+            </a:lvl1pPr>
+            <a:lvl2pPr marL="457200" indent="0">
+              <a:buNone/>
+              <a:defRPr sz="1800">
+                <a:solidFill>
+                  <a:schemeClr val="tx1">
+                    <a:tint val="75000"/>
+                  </a:schemeClr>
+                </a:solidFill>
+              </a:defRPr>
+            </a:lvl2pPr>
+            <a:lvl3pPr marL="914400" indent="0">
+              <a:buNone/>
+              <a:defRPr sz="1600">
+                <a:solidFill>
+                  <a:schemeClr val="tx1">
+                    <a:tint val="75000"/>
+                  </a:schemeClr>
+                </a:solidFill>
+              </a:defRPr>
+            </a:lvl3pPr>
+            <a:lvl4pPr marL="1371600" indent="0">
+              <a:buNone/>
+              <a:defRPr sz="1400">
+                <a:solidFill>
+                  <a:schemeClr val="tx1">
+                    <a:tint val="75000"/>
+                  </a:schemeClr>
+                </a:solidFill>
+              </a:defRPr>
+            </a:lvl4pPr>
+            <a:lvl5pPr marL="1828800" indent="0">
+              <a:buNone/>
+              <a:defRPr sz="1400">
+                <a:solidFill>
+                  <a:schemeClr val="tx1">
+                    <a:tint val="75000"/>
+                  </a:schemeClr>
+                </a:solidFill>
+              </a:defRPr>
+            </a:lvl5pPr>
+            <a:lvl6pPr marL="2286000" indent="0">
+              <a:buNone/>
+              <a:defRPr sz="1400">
+                <a:solidFill>
+                  <a:schemeClr val="tx1">
+                    <a:tint val="75000"/>
+                  </a:schemeClr>
+                </a:solidFill>
+              </a:defRPr>
+            </a:lvl6pPr>
+            <a:lvl7pPr marL="2743200" indent="0">
+              <a:buNone/>
+              <a:defRPr sz="1400">
+                <a:solidFill>
+                  <a:schemeClr val="tx1">
+                    <a:tint val="75000"/>
+                  </a:schemeClr>
+                </a:solidFill>
+              </a:defRPr>
+            </a:lvl7pPr>
+            <a:lvl8pPr marL="3200400" indent="0">
+              <a:buNone/>
+              <a:defRPr sz="1400">
+                <a:solidFill>
+                  <a:schemeClr val="tx1">
+                    <a:tint val="75000"/>
+                  </a:schemeClr>
+                </a:solidFill>
+              </a:defRPr>
+            </a:lvl8pPr>
+            <a:lvl9pPr marL="3657600" indent="0">
+              <a:buNone/>
+              <a:defRPr sz="1400">
+                <a:solidFill>
+                  <a:schemeClr val="tx1">
+                    <a:tint val="75000"/>
+                  </a:schemeClr>
+                </a:solidFill>
+              </a:defRPr>
+            </a:lvl9pPr>
+          </a:lstStyle>
+          <a:p>
+            <a:pPr lvl="0"/>
+            <a:r>
+              <a:rPr lang="en-US"/>
+              <a:t>Edit Master text styles</a:t>
+            </a:r>
+          </a:p>
+        </p:txBody>
+      </p:sp>
+      <p:sp>
+        <p:nvSpPr>
+          <p:cNvPr id="4" name="Date Placeholder 3"/>
+          <p:cNvSpPr>
+            <a:spLocks noGrp="1"/>
+          </p:cNvSpPr>
+          <p:nvPr>
+            <p:ph type="dt" sz="half" idx="10"/>
+          </p:nvPr>
+        </p:nvSpPr>
+        <p:spPr/>
+        <p:txBody>
+          <a:bodyPr/>
+          <a:lstStyle/>
+          <a:p>
+            <a:fld id="{3745423B-122B-427D-80D7-3819758975BB}" type="datetimeFigureOut">
+              <a:rPr lang="en-US" smtClean="0"/>
+              <a:t>10/5/2017</a:t>
+            </a:fld>
+            <a:endParaRPr lang="en-US"/>
+          </a:p>
+        </p:txBody>
+      </p:sp>
+      <p:sp>
+        <p:nvSpPr>
+          <p:cNvPr id="5" name="Footer Placeholder 4"/>
+          <p:cNvSpPr>
+            <a:spLocks noGrp="1"/>
+          </p:cNvSpPr>
+          <p:nvPr>
+            <p:ph type="ftr" sz="quarter" idx="11"/>
+          </p:nvPr>
+        </p:nvSpPr>
+        <p:spPr/>
+        <p:txBody>
+          <a:bodyPr/>
+          <a:lstStyle/>
+          <a:p>
+            <a:endParaRPr lang="en-US"/>
+          </a:p>
+        </p:txBody>
+      </p:sp>
+      <p:sp>
+        <p:nvSpPr>
+          <p:cNvPr id="6" name="Slide Number Placeholder 5"/>
+          <p:cNvSpPr>
+            <a:spLocks noGrp="1"/>
+          </p:cNvSpPr>
+          <p:nvPr>
+            <p:ph type="sldNum" sz="quarter" idx="12"/>
+          </p:nvPr>
+        </p:nvSpPr>
+        <p:spPr/>
+        <p:txBody>
+          <a:bodyPr/>
+          <a:lstStyle/>
+          <a:p>
+            <a:fld id="{520A0473-D727-46E3-B77A-35F57404B2D9}" type="slidenum">
+              <a:rPr lang="en-US" smtClean="0"/>
+              <a:t>‹#›</a:t>
+            </a:fld>
+            <a:endParaRPr lang="en-US"/>
+          </a:p>
+        </p:txBody>
+      </p:sp>
+    </p:spTree>
+    <p:extLst>
+      <p:ext uri="{BB962C8B-B14F-4D97-AF65-F5344CB8AC3E}">
+        <p14:creationId xmlns:p14="http://schemas.microsoft.com/office/powerpoint/2010/main" val="711224375"/>
+      </p:ext>
+    </p:extLst>
+  </p:cSld>
+  <p:clrMapOvr>
+    <a:masterClrMapping/>
+  </p:clrMapOvr>
+</p:sldLayout>
+</file>
+
+<file path=ppt/slideLayouts/slideLayout14.xml><?xml version="1.0" encoding="utf-8"?>
+<p:sldLayout xmlns:a="http://schemas.openxmlformats.org/drawingml/2006/main" xmlns:r="http://schemas.openxmlformats.org/officeDocument/2006/relationships" xmlns:p="http://schemas.openxmlformats.org/presentationml/2006/main" preserve="1">
+  <p:cSld name="Quote Name Card">
+    <p:spTree>
+      <p:nvGrpSpPr>
+        <p:cNvPr id="1" name=""/>
+        <p:cNvGrpSpPr/>
+        <p:nvPr/>
+      </p:nvGrpSpPr>
+      <p:grpSpPr>
+        <a:xfrm>
+          <a:off x="0" y="0"/>
+          <a:ext cx="0" cy="0"/>
+          <a:chOff x="0" y="0"/>
+          <a:chExt cx="0" cy="0"/>
+        </a:xfrm>
+      </p:grpSpPr>
+      <p:sp>
+        <p:nvSpPr>
+          <p:cNvPr id="14" name="TextBox 13"/>
+          <p:cNvSpPr txBox="1"/>
+          <p:nvPr/>
+        </p:nvSpPr>
+        <p:spPr>
+          <a:xfrm>
+            <a:off x="1598612" y="863023"/>
+            <a:ext cx="609600" cy="584776"/>
+          </a:xfrm>
+          <a:prstGeom prst="rect">
+            <a:avLst/>
+          </a:prstGeom>
+        </p:spPr>
+        <p:txBody>
+          <a:bodyPr vert="horz" lIns="91440" tIns="45720" rIns="91440" bIns="45720" rtlCol="0" anchor="ctr">
+            <a:noAutofit/>
+          </a:bodyPr>
+          <a:lstStyle>
+            <a:lvl1pPr>
+              <a:spcBef>
+                <a:spcPct val="0"/>
+              </a:spcBef>
+              <a:buNone/>
+              <a:defRPr sz="3200" b="0" cap="all">
+                <a:ln w="3175" cmpd="sng">
+                  <a:noFill/>
+                </a:ln>
+                <a:effectLst>
+                  <a:glow rad="38100">
+                    <a:schemeClr val="bg1">
+                      <a:lumMod val="65000"/>
+                      <a:lumOff val="35000"/>
+                      <a:alpha val="40000"/>
+                    </a:schemeClr>
+                  </a:glow>
+                  <a:outerShdw blurRad="28575" dist="38100" dir="14040000" algn="tl" rotWithShape="0">
+                    <a:srgbClr val="000000">
+                      <a:alpha val="25000"/>
+                    </a:srgbClr>
+                  </a:outerShdw>
+                </a:effectLst>
+              </a:defRPr>
+            </a:lvl1pPr>
+            <a:lvl2pPr>
+              <a:defRPr>
+                <a:solidFill>
+                  <a:schemeClr val="tx2"/>
+                </a:solidFill>
+              </a:defRPr>
+            </a:lvl2pPr>
+            <a:lvl3pPr>
+              <a:defRPr>
+                <a:solidFill>
+                  <a:schemeClr val="tx2"/>
+                </a:solidFill>
+              </a:defRPr>
+            </a:lvl3pPr>
+            <a:lvl4pPr>
+              <a:defRPr>
+                <a:solidFill>
+                  <a:schemeClr val="tx2"/>
+                </a:solidFill>
+              </a:defRPr>
+            </a:lvl4pPr>
+            <a:lvl5pPr>
+              <a:defRPr>
+                <a:solidFill>
+                  <a:schemeClr val="tx2"/>
+                </a:solidFill>
+              </a:defRPr>
+            </a:lvl5pPr>
+            <a:lvl6pPr>
+              <a:defRPr>
+                <a:solidFill>
+                  <a:schemeClr val="tx2"/>
+                </a:solidFill>
+              </a:defRPr>
+            </a:lvl6pPr>
+            <a:lvl7pPr>
+              <a:defRPr>
+                <a:solidFill>
+                  <a:schemeClr val="tx2"/>
+                </a:solidFill>
+              </a:defRPr>
+            </a:lvl7pPr>
+            <a:lvl8pPr>
+              <a:defRPr>
+                <a:solidFill>
+                  <a:schemeClr val="tx2"/>
+                </a:solidFill>
+              </a:defRPr>
+            </a:lvl8pPr>
+            <a:lvl9pPr>
+              <a:defRPr>
+                <a:solidFill>
+                  <a:schemeClr val="tx2"/>
+                </a:solidFill>
+              </a:defRPr>
+            </a:lvl9pPr>
+          </a:lstStyle>
+          <a:p>
+            <a:pPr lvl="0"/>
+            <a:r>
+              <a:rPr lang="en-US" sz="8000" dirty="0">
+                <a:solidFill>
+                  <a:schemeClr val="tx1"/>
+                </a:solidFill>
+                <a:effectLst/>
+              </a:rPr>
+              <a:t>“</a:t>
+            </a:r>
+          </a:p>
+        </p:txBody>
+      </p:sp>
+      <p:sp>
+        <p:nvSpPr>
+          <p:cNvPr id="15" name="TextBox 14"/>
+          <p:cNvSpPr txBox="1"/>
+          <p:nvPr/>
+        </p:nvSpPr>
+        <p:spPr>
+          <a:xfrm>
+            <a:off x="10893425" y="2819399"/>
+            <a:ext cx="609600" cy="584776"/>
+          </a:xfrm>
+          <a:prstGeom prst="rect">
+            <a:avLst/>
+          </a:prstGeom>
+        </p:spPr>
+        <p:txBody>
+          <a:bodyPr vert="horz" lIns="91440" tIns="45720" rIns="91440" bIns="45720" rtlCol="0" anchor="ctr">
+            <a:noAutofit/>
+          </a:bodyPr>
+          <a:lstStyle>
+            <a:lvl1pPr>
+              <a:spcBef>
+                <a:spcPct val="0"/>
+              </a:spcBef>
+              <a:buNone/>
+              <a:defRPr sz="3200" b="0" cap="all">
+                <a:ln w="3175" cmpd="sng">
+                  <a:noFill/>
+                </a:ln>
+                <a:effectLst>
+                  <a:glow rad="38100">
+                    <a:schemeClr val="bg1">
+                      <a:lumMod val="65000"/>
+                      <a:lumOff val="35000"/>
+                      <a:alpha val="40000"/>
+                    </a:schemeClr>
+                  </a:glow>
+                  <a:outerShdw blurRad="28575" dist="38100" dir="14040000" algn="tl" rotWithShape="0">
+                    <a:srgbClr val="000000">
+                      <a:alpha val="25000"/>
+                    </a:srgbClr>
+                  </a:outerShdw>
+                </a:effectLst>
+              </a:defRPr>
+            </a:lvl1pPr>
+            <a:lvl2pPr>
+              <a:defRPr>
+                <a:solidFill>
+                  <a:schemeClr val="tx2"/>
+                </a:solidFill>
+              </a:defRPr>
+            </a:lvl2pPr>
+            <a:lvl3pPr>
+              <a:defRPr>
+                <a:solidFill>
+                  <a:schemeClr val="tx2"/>
+                </a:solidFill>
+              </a:defRPr>
+            </a:lvl3pPr>
+            <a:lvl4pPr>
+              <a:defRPr>
+                <a:solidFill>
+                  <a:schemeClr val="tx2"/>
+                </a:solidFill>
+              </a:defRPr>
+            </a:lvl4pPr>
+            <a:lvl5pPr>
+              <a:defRPr>
+                <a:solidFill>
+                  <a:schemeClr val="tx2"/>
+                </a:solidFill>
+              </a:defRPr>
+            </a:lvl5pPr>
+            <a:lvl6pPr>
+              <a:defRPr>
+                <a:solidFill>
+                  <a:schemeClr val="tx2"/>
+                </a:solidFill>
+              </a:defRPr>
+            </a:lvl6pPr>
+            <a:lvl7pPr>
+              <a:defRPr>
+                <a:solidFill>
+                  <a:schemeClr val="tx2"/>
+                </a:solidFill>
+              </a:defRPr>
+            </a:lvl7pPr>
+            <a:lvl8pPr>
+              <a:defRPr>
+                <a:solidFill>
+                  <a:schemeClr val="tx2"/>
+                </a:solidFill>
+              </a:defRPr>
+            </a:lvl8pPr>
+            <a:lvl9pPr>
+              <a:defRPr>
+                <a:solidFill>
+                  <a:schemeClr val="tx2"/>
+                </a:solidFill>
+              </a:defRPr>
+            </a:lvl9pPr>
+          </a:lstStyle>
+          <a:p>
+            <a:pPr lvl="0" algn="r"/>
+            <a:r>
+              <a:rPr lang="en-US" sz="8000" dirty="0">
+                <a:solidFill>
+                  <a:schemeClr val="tx1"/>
+                </a:solidFill>
+                <a:effectLst/>
+              </a:rPr>
+              <a:t>”</a:t>
+            </a:r>
+          </a:p>
+        </p:txBody>
+      </p:sp>
+      <p:sp>
+        <p:nvSpPr>
+          <p:cNvPr id="2" name="Title 1"/>
+          <p:cNvSpPr>
+            <a:spLocks noGrp="1"/>
+          </p:cNvSpPr>
+          <p:nvPr>
+            <p:ph type="title"/>
+          </p:nvPr>
+        </p:nvSpPr>
+        <p:spPr>
+          <a:xfrm>
+            <a:off x="2208212" y="685800"/>
+            <a:ext cx="8990012" cy="2743199"/>
+          </a:xfrm>
+        </p:spPr>
+        <p:txBody>
+          <a:bodyPr anchor="ctr">
+            <a:normAutofit/>
+          </a:bodyPr>
+          <a:lstStyle>
+            <a:lvl1pPr algn="ctr">
+              <a:defRPr sz="3200" b="0" cap="none">
+                <a:solidFill>
+                  <a:schemeClr val="tx1"/>
+                </a:solidFill>
+              </a:defRPr>
+            </a:lvl1pPr>
+          </a:lstStyle>
+          <a:p>
+            <a:r>
+              <a:rPr lang="en-US"/>
+              <a:t>Click to edit Master title style</a:t>
+            </a:r>
+            <a:endParaRPr lang="en-US" dirty="0"/>
+          </a:p>
+        </p:txBody>
+      </p:sp>
+      <p:sp>
+        <p:nvSpPr>
+          <p:cNvPr id="10" name="Text Placeholder 9"/>
+          <p:cNvSpPr>
+            <a:spLocks noGrp="1"/>
+          </p:cNvSpPr>
+          <p:nvPr>
+            <p:ph type="body" sz="quarter" idx="13"/>
+          </p:nvPr>
+        </p:nvSpPr>
+        <p:spPr>
+          <a:xfrm>
+            <a:off x="1484313" y="3886200"/>
+            <a:ext cx="10018710" cy="889000"/>
+          </a:xfrm>
+        </p:spPr>
+        <p:txBody>
+          <a:bodyPr vert="horz" lIns="91440" tIns="45720" rIns="91440" bIns="45720" rtlCol="0" anchor="b">
+            <a:normAutofit/>
+          </a:bodyPr>
+          <a:lstStyle>
+            <a:lvl1pPr algn="r">
+              <a:buNone/>
+              <a:defRPr lang="en-US" sz="2400" b="0" cap="none" dirty="0">
+                <a:ln w="3175" cmpd="sng">
+                  <a:noFill/>
+                </a:ln>
+                <a:solidFill>
+                  <a:schemeClr val="tx1"/>
+                </a:solidFill>
+                <a:effectLst/>
+              </a:defRPr>
+            </a:lvl1pPr>
+          </a:lstStyle>
+          <a:p>
+            <a:pPr marL="0" lvl="0">
+              <a:spcBef>
+                <a:spcPct val="0"/>
+              </a:spcBef>
+              <a:buNone/>
+            </a:pPr>
+            <a:r>
+              <a:rPr lang="en-US"/>
+              <a:t>Edit Master text styles</a:t>
+            </a:r>
+          </a:p>
+        </p:txBody>
+      </p:sp>
+      <p:sp>
+        <p:nvSpPr>
+          <p:cNvPr id="3" name="Text Placeholder 2"/>
+          <p:cNvSpPr>
+            <a:spLocks noGrp="1"/>
+          </p:cNvSpPr>
+          <p:nvPr>
+            <p:ph type="body" idx="1"/>
+          </p:nvPr>
+        </p:nvSpPr>
+        <p:spPr>
+          <a:xfrm>
+            <a:off x="1484312" y="4775200"/>
+            <a:ext cx="10018710" cy="1016000"/>
+          </a:xfrm>
+        </p:spPr>
+        <p:txBody>
+          <a:bodyPr anchor="t">
+            <a:normAutofit/>
+          </a:bodyPr>
+          <a:lstStyle>
+            <a:lvl1pPr marL="0" indent="0" algn="r">
+              <a:buNone/>
+              <a:defRPr sz="1800">
+                <a:solidFill>
+                  <a:schemeClr val="tx1"/>
+                </a:solidFill>
+              </a:defRPr>
+            </a:lvl1pPr>
+            <a:lvl2pPr marL="457200" indent="0">
+              <a:buNone/>
+              <a:defRPr sz="1800">
+                <a:solidFill>
+                  <a:schemeClr val="tx1">
+                    <a:tint val="75000"/>
+                  </a:schemeClr>
+                </a:solidFill>
+              </a:defRPr>
+            </a:lvl2pPr>
+            <a:lvl3pPr marL="914400" indent="0">
+              <a:buNone/>
+              <a:defRPr sz="1600">
+                <a:solidFill>
+                  <a:schemeClr val="tx1">
+                    <a:tint val="75000"/>
+                  </a:schemeClr>
+                </a:solidFill>
+              </a:defRPr>
+            </a:lvl3pPr>
+            <a:lvl4pPr marL="1371600" indent="0">
+              <a:buNone/>
+              <a:defRPr sz="1400">
+                <a:solidFill>
+                  <a:schemeClr val="tx1">
+                    <a:tint val="75000"/>
+                  </a:schemeClr>
+                </a:solidFill>
+              </a:defRPr>
+            </a:lvl4pPr>
+            <a:lvl5pPr marL="1828800" indent="0">
+              <a:buNone/>
+              <a:defRPr sz="1400">
+                <a:solidFill>
+                  <a:schemeClr val="tx1">
+                    <a:tint val="75000"/>
+                  </a:schemeClr>
+                </a:solidFill>
+              </a:defRPr>
+            </a:lvl5pPr>
+            <a:lvl6pPr marL="2286000" indent="0">
+              <a:buNone/>
+              <a:defRPr sz="1400">
+                <a:solidFill>
+                  <a:schemeClr val="tx1">
+                    <a:tint val="75000"/>
+                  </a:schemeClr>
+                </a:solidFill>
+              </a:defRPr>
+            </a:lvl6pPr>
+            <a:lvl7pPr marL="2743200" indent="0">
+              <a:buNone/>
+              <a:defRPr sz="1400">
+                <a:solidFill>
+                  <a:schemeClr val="tx1">
+                    <a:tint val="75000"/>
+                  </a:schemeClr>
+                </a:solidFill>
+              </a:defRPr>
+            </a:lvl7pPr>
+            <a:lvl8pPr marL="3200400" indent="0">
+              <a:buNone/>
+              <a:defRPr sz="1400">
+                <a:solidFill>
+                  <a:schemeClr val="tx1">
+                    <a:tint val="75000"/>
+                  </a:schemeClr>
+                </a:solidFill>
+              </a:defRPr>
+            </a:lvl8pPr>
+            <a:lvl9pPr marL="3657600" indent="0">
+              <a:buNone/>
+              <a:defRPr sz="1400">
+                <a:solidFill>
+                  <a:schemeClr val="tx1">
+                    <a:tint val="75000"/>
+                  </a:schemeClr>
+                </a:solidFill>
+              </a:defRPr>
+            </a:lvl9pPr>
+          </a:lstStyle>
+          <a:p>
+            <a:pPr lvl="0"/>
+            <a:r>
+              <a:rPr lang="en-US"/>
+              <a:t>Edit Master text styles</a:t>
+            </a:r>
+          </a:p>
+        </p:txBody>
+      </p:sp>
+      <p:sp>
+        <p:nvSpPr>
+          <p:cNvPr id="4" name="Date Placeholder 3"/>
+          <p:cNvSpPr>
+            <a:spLocks noGrp="1"/>
+          </p:cNvSpPr>
+          <p:nvPr>
+            <p:ph type="dt" sz="half" idx="10"/>
+          </p:nvPr>
+        </p:nvSpPr>
+        <p:spPr/>
+        <p:txBody>
+          <a:bodyPr/>
+          <a:lstStyle/>
+          <a:p>
+            <a:fld id="{3745423B-122B-427D-80D7-3819758975BB}" type="datetimeFigureOut">
+              <a:rPr lang="en-US" smtClean="0"/>
+              <a:t>10/5/2017</a:t>
+            </a:fld>
+            <a:endParaRPr lang="en-US"/>
+          </a:p>
+        </p:txBody>
+      </p:sp>
+      <p:sp>
+        <p:nvSpPr>
+          <p:cNvPr id="5" name="Footer Placeholder 4"/>
+          <p:cNvSpPr>
+            <a:spLocks noGrp="1"/>
+          </p:cNvSpPr>
+          <p:nvPr>
+            <p:ph type="ftr" sz="quarter" idx="11"/>
+          </p:nvPr>
+        </p:nvSpPr>
+        <p:spPr/>
+        <p:txBody>
+          <a:bodyPr/>
+          <a:lstStyle/>
+          <a:p>
+            <a:endParaRPr lang="en-US"/>
+          </a:p>
+        </p:txBody>
+      </p:sp>
+      <p:sp>
+        <p:nvSpPr>
+          <p:cNvPr id="6" name="Slide Number Placeholder 5"/>
+          <p:cNvSpPr>
+            <a:spLocks noGrp="1"/>
+          </p:cNvSpPr>
+          <p:nvPr>
+            <p:ph type="sldNum" sz="quarter" idx="12"/>
+          </p:nvPr>
+        </p:nvSpPr>
+        <p:spPr/>
+        <p:txBody>
+          <a:bodyPr/>
+          <a:lstStyle/>
+          <a:p>
+            <a:fld id="{520A0473-D727-46E3-B77A-35F57404B2D9}" type="slidenum">
+              <a:rPr lang="en-US" smtClean="0"/>
+              <a:t>‹#›</a:t>
+            </a:fld>
+            <a:endParaRPr lang="en-US"/>
+          </a:p>
+        </p:txBody>
+      </p:sp>
+    </p:spTree>
+    <p:extLst>
+      <p:ext uri="{BB962C8B-B14F-4D97-AF65-F5344CB8AC3E}">
+        <p14:creationId xmlns:p14="http://schemas.microsoft.com/office/powerpoint/2010/main" val="2656408896"/>
+      </p:ext>
+    </p:extLst>
+  </p:cSld>
+  <p:clrMapOvr>
+    <a:masterClrMapping/>
+  </p:clrMapOvr>
+</p:sldLayout>
+</file>
+
+<file path=ppt/slideLayouts/slideLayout15.xml><?xml version="1.0" encoding="utf-8"?>
+<p:sldLayout xmlns:a="http://schemas.openxmlformats.org/drawingml/2006/main" xmlns:r="http://schemas.openxmlformats.org/officeDocument/2006/relationships" xmlns:p="http://schemas.openxmlformats.org/presentationml/2006/main" preserve="1">
+  <p:cSld name="True or False">
+    <p:spTree>
+      <p:nvGrpSpPr>
+        <p:cNvPr id="1" name=""/>
+        <p:cNvGrpSpPr/>
+        <p:nvPr/>
+      </p:nvGrpSpPr>
+      <p:grpSpPr>
+        <a:xfrm>
+          <a:off x="0" y="0"/>
+          <a:ext cx="0" cy="0"/>
+          <a:chOff x="0" y="0"/>
+          <a:chExt cx="0" cy="0"/>
+        </a:xfrm>
+      </p:grpSpPr>
+      <p:sp>
+        <p:nvSpPr>
+          <p:cNvPr id="2" name="Title 1"/>
+          <p:cNvSpPr>
+            <a:spLocks noGrp="1"/>
+          </p:cNvSpPr>
+          <p:nvPr>
+            <p:ph type="title"/>
+          </p:nvPr>
+        </p:nvSpPr>
+        <p:spPr>
+          <a:xfrm>
+            <a:off x="1484313" y="685800"/>
+            <a:ext cx="10018712" cy="2727325"/>
+          </a:xfrm>
+        </p:spPr>
+        <p:txBody>
+          <a:bodyPr vert="horz" lIns="91440" tIns="45720" rIns="91440" bIns="45720" rtlCol="0" anchor="ctr">
+            <a:normAutofit/>
+          </a:bodyPr>
+          <a:lstStyle>
+            <a:lvl1pPr>
+              <a:defRPr lang="en-US" b="0" dirty="0"/>
+            </a:lvl1pPr>
+          </a:lstStyle>
+          <a:p>
+            <a:pPr marL="0" lvl="0"/>
+            <a:r>
+              <a:rPr lang="en-US"/>
+              <a:t>Click to edit Master title style</a:t>
+            </a:r>
+            <a:endParaRPr lang="en-US" dirty="0"/>
+          </a:p>
+        </p:txBody>
+      </p:sp>
+      <p:sp>
+        <p:nvSpPr>
+          <p:cNvPr id="10" name="Text Placeholder 9"/>
+          <p:cNvSpPr>
+            <a:spLocks noGrp="1"/>
+          </p:cNvSpPr>
+          <p:nvPr>
+            <p:ph type="body" sz="quarter" idx="13"/>
+          </p:nvPr>
+        </p:nvSpPr>
+        <p:spPr>
+          <a:xfrm>
+            <a:off x="1484312" y="3505200"/>
+            <a:ext cx="10018713" cy="838200"/>
+          </a:xfrm>
+        </p:spPr>
+        <p:txBody>
+          <a:bodyPr vert="horz" lIns="91440" tIns="45720" rIns="91440" bIns="45720" rtlCol="0" anchor="b">
+            <a:normAutofit/>
+          </a:bodyPr>
+          <a:lstStyle>
+            <a:lvl1pPr>
+              <a:buNone/>
+              <a:defRPr lang="en-US" sz="2800" b="0" cap="none" dirty="0">
+                <a:ln w="3175" cmpd="sng">
+                  <a:noFill/>
+                </a:ln>
+                <a:solidFill>
+                  <a:schemeClr val="tx1"/>
+                </a:solidFill>
+                <a:effectLst/>
+              </a:defRPr>
+            </a:lvl1pPr>
+          </a:lstStyle>
+          <a:p>
+            <a:pPr marL="0" lvl="0">
+              <a:spcBef>
+                <a:spcPct val="0"/>
+              </a:spcBef>
+              <a:buNone/>
+            </a:pPr>
+            <a:r>
+              <a:rPr lang="en-US"/>
+              <a:t>Edit Master text styles</a:t>
+            </a:r>
+          </a:p>
+        </p:txBody>
+      </p:sp>
+      <p:sp>
+        <p:nvSpPr>
+          <p:cNvPr id="3" name="Text Placeholder 2"/>
+          <p:cNvSpPr>
+            <a:spLocks noGrp="1"/>
+          </p:cNvSpPr>
+          <p:nvPr>
+            <p:ph type="body" idx="1"/>
+          </p:nvPr>
+        </p:nvSpPr>
+        <p:spPr>
+          <a:xfrm>
+            <a:off x="1484311" y="4343400"/>
+            <a:ext cx="10018713" cy="1447800"/>
+          </a:xfrm>
+        </p:spPr>
+        <p:txBody>
+          <a:bodyPr anchor="t">
+            <a:normAutofit/>
+          </a:bodyPr>
+          <a:lstStyle>
+            <a:lvl1pPr marL="0" indent="0" algn="l">
+              <a:buNone/>
+              <a:defRPr sz="1800">
+                <a:solidFill>
+                  <a:schemeClr val="tx1"/>
+                </a:solidFill>
+              </a:defRPr>
+            </a:lvl1pPr>
+            <a:lvl2pPr marL="457200" indent="0">
+              <a:buNone/>
+              <a:defRPr sz="1800">
+                <a:solidFill>
+                  <a:schemeClr val="tx1">
+                    <a:tint val="75000"/>
+                  </a:schemeClr>
+                </a:solidFill>
+              </a:defRPr>
+            </a:lvl2pPr>
+            <a:lvl3pPr marL="914400" indent="0">
+              <a:buNone/>
+              <a:defRPr sz="1600">
+                <a:solidFill>
+                  <a:schemeClr val="tx1">
+                    <a:tint val="75000"/>
+                  </a:schemeClr>
+                </a:solidFill>
+              </a:defRPr>
+            </a:lvl3pPr>
+            <a:lvl4pPr marL="1371600" indent="0">
+              <a:buNone/>
+              <a:defRPr sz="1400">
+                <a:solidFill>
+                  <a:schemeClr val="tx1">
+                    <a:tint val="75000"/>
+                  </a:schemeClr>
+                </a:solidFill>
+              </a:defRPr>
+            </a:lvl4pPr>
+            <a:lvl5pPr marL="1828800" indent="0">
+              <a:buNone/>
+              <a:defRPr sz="1400">
+                <a:solidFill>
+                  <a:schemeClr val="tx1">
+                    <a:tint val="75000"/>
+                  </a:schemeClr>
+                </a:solidFill>
+              </a:defRPr>
+            </a:lvl5pPr>
+            <a:lvl6pPr marL="2286000" indent="0">
+              <a:buNone/>
+              <a:defRPr sz="1400">
+                <a:solidFill>
+                  <a:schemeClr val="tx1">
+                    <a:tint val="75000"/>
+                  </a:schemeClr>
+                </a:solidFill>
+              </a:defRPr>
+            </a:lvl6pPr>
+            <a:lvl7pPr marL="2743200" indent="0">
+              <a:buNone/>
+              <a:defRPr sz="1400">
+                <a:solidFill>
+                  <a:schemeClr val="tx1">
+                    <a:tint val="75000"/>
+                  </a:schemeClr>
+                </a:solidFill>
+              </a:defRPr>
+            </a:lvl7pPr>
+            <a:lvl8pPr marL="3200400" indent="0">
+              <a:buNone/>
+              <a:defRPr sz="1400">
+                <a:solidFill>
+                  <a:schemeClr val="tx1">
+                    <a:tint val="75000"/>
+                  </a:schemeClr>
+                </a:solidFill>
+              </a:defRPr>
+            </a:lvl8pPr>
+            <a:lvl9pPr marL="3657600" indent="0">
+              <a:buNone/>
+              <a:defRPr sz="1400">
+                <a:solidFill>
+                  <a:schemeClr val="tx1">
+                    <a:tint val="75000"/>
+                  </a:schemeClr>
+                </a:solidFill>
+              </a:defRPr>
+            </a:lvl9pPr>
+          </a:lstStyle>
+          <a:p>
+            <a:pPr lvl="0"/>
+            <a:r>
+              <a:rPr lang="en-US"/>
+              <a:t>Edit Master text styles</a:t>
+            </a:r>
+          </a:p>
+        </p:txBody>
+      </p:sp>
+      <p:sp>
+        <p:nvSpPr>
+          <p:cNvPr id="4" name="Date Placeholder 3"/>
+          <p:cNvSpPr>
+            <a:spLocks noGrp="1"/>
+          </p:cNvSpPr>
+          <p:nvPr>
+            <p:ph type="dt" sz="half" idx="10"/>
+          </p:nvPr>
+        </p:nvSpPr>
+        <p:spPr/>
+        <p:txBody>
+          <a:bodyPr/>
+          <a:lstStyle/>
+          <a:p>
+            <a:fld id="{3745423B-122B-427D-80D7-3819758975BB}" type="datetimeFigureOut">
+              <a:rPr lang="en-US" smtClean="0"/>
+              <a:t>10/5/2017</a:t>
+            </a:fld>
+            <a:endParaRPr lang="en-US"/>
+          </a:p>
+        </p:txBody>
+      </p:sp>
+      <p:sp>
+        <p:nvSpPr>
+          <p:cNvPr id="5" name="Footer Placeholder 4"/>
+          <p:cNvSpPr>
+            <a:spLocks noGrp="1"/>
+          </p:cNvSpPr>
+          <p:nvPr>
+            <p:ph type="ftr" sz="quarter" idx="11"/>
+          </p:nvPr>
+        </p:nvSpPr>
+        <p:spPr/>
+        <p:txBody>
+          <a:bodyPr/>
+          <a:lstStyle/>
+          <a:p>
+            <a:endParaRPr lang="en-US"/>
+          </a:p>
+        </p:txBody>
+      </p:sp>
+      <p:sp>
+        <p:nvSpPr>
+          <p:cNvPr id="6" name="Slide Number Placeholder 5"/>
+          <p:cNvSpPr>
+            <a:spLocks noGrp="1"/>
+          </p:cNvSpPr>
+          <p:nvPr>
+            <p:ph type="sldNum" sz="quarter" idx="12"/>
+          </p:nvPr>
+        </p:nvSpPr>
+        <p:spPr/>
+        <p:txBody>
+          <a:bodyPr/>
+          <a:lstStyle/>
+          <a:p>
+            <a:fld id="{520A0473-D727-46E3-B77A-35F57404B2D9}" type="slidenum">
+              <a:rPr lang="en-US" smtClean="0"/>
+              <a:t>‹#›</a:t>
+            </a:fld>
+            <a:endParaRPr lang="en-US"/>
+          </a:p>
+        </p:txBody>
+      </p:sp>
+    </p:spTree>
+    <p:extLst>
+      <p:ext uri="{BB962C8B-B14F-4D97-AF65-F5344CB8AC3E}">
+        <p14:creationId xmlns:p14="http://schemas.microsoft.com/office/powerpoint/2010/main" val="3534670258"/>
+      </p:ext>
+    </p:extLst>
+  </p:cSld>
+  <p:clrMapOvr>
+    <a:masterClrMapping/>
+  </p:clrMapOvr>
+</p:sldLayout>
+</file>
+
+<file path=ppt/slideLayouts/slideLayout16.xml><?xml version="1.0" encoding="utf-8"?>
 <p:sldLayout xmlns:a="http://schemas.openxmlformats.org/drawingml/2006/main" xmlns:r="http://schemas.openxmlformats.org/officeDocument/2006/relationships" xmlns:p="http://schemas.openxmlformats.org/presentationml/2006/main" type="vertTx" preserve="1">
   <p:cSld name="Title and Vertical Text">
     <p:spTree>
@@ -352,13 +2866,7 @@
       </p:grpSpPr>
       <p:sp>
         <p:nvSpPr>
-          <p:cNvPr id="2" name="Title 1">
-            <a:extLst>
-              <a:ext uri="{FF2B5EF4-FFF2-40B4-BE49-F238E27FC236}">
-                <a16:creationId xmlns:a16="http://schemas.microsoft.com/office/drawing/2014/main" id="{F1607DB1-FBBD-4825-BB64-0C3C0893F6F1}"/>
-              </a:ext>
-            </a:extLst>
-          </p:cNvPr>
+          <p:cNvPr id="2" name="Title 1"/>
           <p:cNvSpPr>
             <a:spLocks noGrp="1"/>
           </p:cNvSpPr>
@@ -369,24 +2877,23 @@
         <p:spPr/>
         <p:txBody>
           <a:bodyPr/>
-          <a:lstStyle/>
+          <a:lstStyle>
+            <a:lvl1pPr algn="ctr">
+              <a:defRPr/>
+            </a:lvl1pPr>
+          </a:lstStyle>
           <a:p>
             <a:r>
               <a:rPr lang="en-US"/>
               <a:t>Click to edit Master title style</a:t>
             </a:r>
-          </a:p>
-        </p:txBody>
-      </p:sp>
-      <p:sp>
-        <p:nvSpPr>
-          <p:cNvPr id="3" name="Vertical Text Placeholder 2">
-            <a:extLst>
-              <a:ext uri="{FF2B5EF4-FFF2-40B4-BE49-F238E27FC236}">
-                <a16:creationId xmlns:a16="http://schemas.microsoft.com/office/drawing/2014/main" id="{DEEFCCFB-95FF-41C7-90BA-F4E72D02A1FF}"/>
-              </a:ext>
-            </a:extLst>
-          </p:cNvPr>
+            <a:endParaRPr lang="en-US" dirty="0"/>
+          </a:p>
+        </p:txBody>
+      </p:sp>
+      <p:sp>
+        <p:nvSpPr>
+          <p:cNvPr id="3" name="Vertical Text Placeholder 2"/>
           <p:cNvSpPr>
             <a:spLocks noGrp="1"/>
           </p:cNvSpPr>
@@ -396,7 +2903,7 @@
         </p:nvSpPr>
         <p:spPr/>
         <p:txBody>
-          <a:bodyPr vert="eaVert"/>
+          <a:bodyPr vert="eaVert" anchor="t"/>
           <a:lstStyle/>
           <a:p>
             <a:pPr lvl="0"/>
@@ -432,18 +2939,13 @@
               <a:rPr lang="en-US"/>
               <a:t>Fifth level</a:t>
             </a:r>
-          </a:p>
-        </p:txBody>
-      </p:sp>
-      <p:sp>
-        <p:nvSpPr>
-          <p:cNvPr id="4" name="Date Placeholder 3">
-            <a:extLst>
-              <a:ext uri="{FF2B5EF4-FFF2-40B4-BE49-F238E27FC236}">
-                <a16:creationId xmlns:a16="http://schemas.microsoft.com/office/drawing/2014/main" id="{D30C983F-41FF-4BD8-A439-3A74B6EA343F}"/>
-              </a:ext>
-            </a:extLst>
-          </p:cNvPr>
+            <a:endParaRPr lang="en-US" dirty="0"/>
+          </a:p>
+        </p:txBody>
+      </p:sp>
+      <p:sp>
+        <p:nvSpPr>
+          <p:cNvPr id="4" name="Date Placeholder 3"/>
           <p:cNvSpPr>
             <a:spLocks noGrp="1"/>
           </p:cNvSpPr>
@@ -466,13 +2968,7 @@
       </p:sp>
       <p:sp>
         <p:nvSpPr>
-          <p:cNvPr id="5" name="Footer Placeholder 4">
-            <a:extLst>
-              <a:ext uri="{FF2B5EF4-FFF2-40B4-BE49-F238E27FC236}">
-                <a16:creationId xmlns:a16="http://schemas.microsoft.com/office/drawing/2014/main" id="{73066ED9-AB73-4E27-9CD7-D2C57FBC7084}"/>
-              </a:ext>
-            </a:extLst>
-          </p:cNvPr>
+          <p:cNvPr id="5" name="Footer Placeholder 4"/>
           <p:cNvSpPr>
             <a:spLocks noGrp="1"/>
           </p:cNvSpPr>
@@ -491,13 +2987,7 @@
       </p:sp>
       <p:sp>
         <p:nvSpPr>
-          <p:cNvPr id="6" name="Slide Number Placeholder 5">
-            <a:extLst>
-              <a:ext uri="{FF2B5EF4-FFF2-40B4-BE49-F238E27FC236}">
-                <a16:creationId xmlns:a16="http://schemas.microsoft.com/office/drawing/2014/main" id="{0B62CD4E-6C52-482A-9E6D-028347B220F4}"/>
-              </a:ext>
-            </a:extLst>
-          </p:cNvPr>
+          <p:cNvPr id="6" name="Slide Number Placeholder 5"/>
           <p:cNvSpPr>
             <a:spLocks noGrp="1"/>
           </p:cNvSpPr>
@@ -521,7 +3011,7 @@
     </p:spTree>
     <p:extLst>
       <p:ext uri="{BB962C8B-B14F-4D97-AF65-F5344CB8AC3E}">
-        <p14:creationId xmlns:p14="http://schemas.microsoft.com/office/powerpoint/2010/main" val="4123687245"/>
+        <p14:creationId xmlns:p14="http://schemas.microsoft.com/office/powerpoint/2010/main" val="3616123483"/>
       </p:ext>
     </p:extLst>
   </p:cSld>
@@ -531,7 +3021,7 @@
 </p:sldLayout>
 </file>
 
-<file path=ppt/slideLayouts/slideLayout11.xml><?xml version="1.0" encoding="utf-8"?>
+<file path=ppt/slideLayouts/slideLayout17.xml><?xml version="1.0" encoding="utf-8"?>
 <p:sldLayout xmlns:a="http://schemas.openxmlformats.org/drawingml/2006/main" xmlns:r="http://schemas.openxmlformats.org/officeDocument/2006/relationships" xmlns:p="http://schemas.openxmlformats.org/presentationml/2006/main" type="vertTitleAndTx" preserve="1">
   <p:cSld name="Vertical Title and Text">
     <p:spTree>
@@ -550,13 +3040,7 @@
       </p:grpSpPr>
       <p:sp>
         <p:nvSpPr>
-          <p:cNvPr id="2" name="Vertical Title 1">
-            <a:extLst>
-              <a:ext uri="{FF2B5EF4-FFF2-40B4-BE49-F238E27FC236}">
-                <a16:creationId xmlns:a16="http://schemas.microsoft.com/office/drawing/2014/main" id="{41CF3D1C-9210-4C5D-AF87-179F488ADCB8}"/>
-              </a:ext>
-            </a:extLst>
-          </p:cNvPr>
+          <p:cNvPr id="2" name="Vertical Title 1"/>
           <p:cNvSpPr>
             <a:spLocks noGrp="1"/>
           </p:cNvSpPr>
@@ -566,8 +3050,8 @@
         </p:nvSpPr>
         <p:spPr>
           <a:xfrm>
-            <a:off x="8724900" y="365125"/>
-            <a:ext cx="2628900" cy="5811838"/>
+            <a:off x="9732655" y="685800"/>
+            <a:ext cx="1770369" cy="5105400"/>
           </a:xfrm>
         </p:spPr>
         <p:txBody>
@@ -578,18 +3062,13 @@
               <a:rPr lang="en-US"/>
               <a:t>Click to edit Master title style</a:t>
             </a:r>
-          </a:p>
-        </p:txBody>
-      </p:sp>
-      <p:sp>
-        <p:nvSpPr>
-          <p:cNvPr id="3" name="Vertical Text Placeholder 2">
-            <a:extLst>
-              <a:ext uri="{FF2B5EF4-FFF2-40B4-BE49-F238E27FC236}">
-                <a16:creationId xmlns:a16="http://schemas.microsoft.com/office/drawing/2014/main" id="{9B4D6F0B-D395-4186-92CF-E40BA3B7F7CD}"/>
-              </a:ext>
-            </a:extLst>
-          </p:cNvPr>
+            <a:endParaRPr lang="en-US" dirty="0"/>
+          </a:p>
+        </p:txBody>
+      </p:sp>
+      <p:sp>
+        <p:nvSpPr>
+          <p:cNvPr id="3" name="Vertical Text Placeholder 2"/>
           <p:cNvSpPr>
             <a:spLocks noGrp="1"/>
           </p:cNvSpPr>
@@ -599,12 +3078,12 @@
         </p:nvSpPr>
         <p:spPr>
           <a:xfrm>
-            <a:off x="838200" y="365125"/>
-            <a:ext cx="7734300" cy="5811838"/>
+            <a:off x="1484312" y="685800"/>
+            <a:ext cx="8019742" cy="5105400"/>
           </a:xfrm>
         </p:spPr>
         <p:txBody>
-          <a:bodyPr vert="eaVert"/>
+          <a:bodyPr vert="eaVert" anchor="t"/>
           <a:lstStyle/>
           <a:p>
             <a:pPr lvl="0"/>
@@ -640,18 +3119,13 @@
               <a:rPr lang="en-US"/>
               <a:t>Fifth level</a:t>
             </a:r>
-          </a:p>
-        </p:txBody>
-      </p:sp>
-      <p:sp>
-        <p:nvSpPr>
-          <p:cNvPr id="4" name="Date Placeholder 3">
-            <a:extLst>
-              <a:ext uri="{FF2B5EF4-FFF2-40B4-BE49-F238E27FC236}">
-                <a16:creationId xmlns:a16="http://schemas.microsoft.com/office/drawing/2014/main" id="{E9967F02-7DB3-4343-8EAD-429042E36BB2}"/>
-              </a:ext>
-            </a:extLst>
-          </p:cNvPr>
+            <a:endParaRPr lang="en-US" dirty="0"/>
+          </a:p>
+        </p:txBody>
+      </p:sp>
+      <p:sp>
+        <p:nvSpPr>
+          <p:cNvPr id="4" name="Date Placeholder 3"/>
           <p:cNvSpPr>
             <a:spLocks noGrp="1"/>
           </p:cNvSpPr>
@@ -674,13 +3148,7 @@
       </p:sp>
       <p:sp>
         <p:nvSpPr>
-          <p:cNvPr id="5" name="Footer Placeholder 4">
-            <a:extLst>
-              <a:ext uri="{FF2B5EF4-FFF2-40B4-BE49-F238E27FC236}">
-                <a16:creationId xmlns:a16="http://schemas.microsoft.com/office/drawing/2014/main" id="{1244A3DB-50A3-4B49-9F46-085B44282B4B}"/>
-              </a:ext>
-            </a:extLst>
-          </p:cNvPr>
+          <p:cNvPr id="5" name="Footer Placeholder 4"/>
           <p:cNvSpPr>
             <a:spLocks noGrp="1"/>
           </p:cNvSpPr>
@@ -699,13 +3167,7 @@
       </p:sp>
       <p:sp>
         <p:nvSpPr>
-          <p:cNvPr id="6" name="Slide Number Placeholder 5">
-            <a:extLst>
-              <a:ext uri="{FF2B5EF4-FFF2-40B4-BE49-F238E27FC236}">
-                <a16:creationId xmlns:a16="http://schemas.microsoft.com/office/drawing/2014/main" id="{620113A8-96FF-4FBC-92BC-C15EAE3DE5B3}"/>
-              </a:ext>
-            </a:extLst>
-          </p:cNvPr>
+          <p:cNvPr id="6" name="Slide Number Placeholder 5"/>
           <p:cNvSpPr>
             <a:spLocks noGrp="1"/>
           </p:cNvSpPr>
@@ -729,7 +3191,7 @@
     </p:spTree>
     <p:extLst>
       <p:ext uri="{BB962C8B-B14F-4D97-AF65-F5344CB8AC3E}">
-        <p14:creationId xmlns:p14="http://schemas.microsoft.com/office/powerpoint/2010/main" val="2130556245"/>
+        <p14:creationId xmlns:p14="http://schemas.microsoft.com/office/powerpoint/2010/main" val="3623217341"/>
       </p:ext>
     </p:extLst>
   </p:cSld>
@@ -758,13 +3220,7 @@
       </p:grpSpPr>
       <p:sp>
         <p:nvSpPr>
-          <p:cNvPr id="2" name="Title 1">
-            <a:extLst>
-              <a:ext uri="{FF2B5EF4-FFF2-40B4-BE49-F238E27FC236}">
-                <a16:creationId xmlns:a16="http://schemas.microsoft.com/office/drawing/2014/main" id="{2B2CCCB7-974C-4CDF-80D6-D7D85ABD55F6}"/>
-              </a:ext>
-            </a:extLst>
-          </p:cNvPr>
+          <p:cNvPr id="2" name="Title 1"/>
           <p:cNvSpPr>
             <a:spLocks noGrp="1"/>
           </p:cNvSpPr>
@@ -781,18 +3237,13 @@
               <a:rPr lang="en-US"/>
               <a:t>Click to edit Master title style</a:t>
             </a:r>
-          </a:p>
-        </p:txBody>
-      </p:sp>
-      <p:sp>
-        <p:nvSpPr>
-          <p:cNvPr id="3" name="Content Placeholder 2">
-            <a:extLst>
-              <a:ext uri="{FF2B5EF4-FFF2-40B4-BE49-F238E27FC236}">
-                <a16:creationId xmlns:a16="http://schemas.microsoft.com/office/drawing/2014/main" id="{D8571464-445E-4631-BED0-82571DB21392}"/>
-              </a:ext>
-            </a:extLst>
-          </p:cNvPr>
+            <a:endParaRPr lang="en-US" dirty="0"/>
+          </a:p>
+        </p:txBody>
+      </p:sp>
+      <p:sp>
+        <p:nvSpPr>
+          <p:cNvPr id="3" name="Content Placeholder 2"/>
           <p:cNvSpPr>
             <a:spLocks noGrp="1"/>
           </p:cNvSpPr>
@@ -802,7 +3253,7 @@
         </p:nvSpPr>
         <p:spPr/>
         <p:txBody>
-          <a:bodyPr/>
+          <a:bodyPr anchor="ctr"/>
           <a:lstStyle/>
           <a:p>
             <a:pPr lvl="0"/>
@@ -838,18 +3289,13 @@
               <a:rPr lang="en-US"/>
               <a:t>Fifth level</a:t>
             </a:r>
-          </a:p>
-        </p:txBody>
-      </p:sp>
-      <p:sp>
-        <p:nvSpPr>
-          <p:cNvPr id="4" name="Date Placeholder 3">
-            <a:extLst>
-              <a:ext uri="{FF2B5EF4-FFF2-40B4-BE49-F238E27FC236}">
-                <a16:creationId xmlns:a16="http://schemas.microsoft.com/office/drawing/2014/main" id="{B98549ED-15C2-4D80-A0DA-B81837613424}"/>
-              </a:ext>
-            </a:extLst>
-          </p:cNvPr>
+            <a:endParaRPr lang="en-US" dirty="0"/>
+          </a:p>
+        </p:txBody>
+      </p:sp>
+      <p:sp>
+        <p:nvSpPr>
+          <p:cNvPr id="4" name="Date Placeholder 3"/>
           <p:cNvSpPr>
             <a:spLocks noGrp="1"/>
           </p:cNvSpPr>
@@ -872,13 +3318,7 @@
       </p:sp>
       <p:sp>
         <p:nvSpPr>
-          <p:cNvPr id="5" name="Footer Placeholder 4">
-            <a:extLst>
-              <a:ext uri="{FF2B5EF4-FFF2-40B4-BE49-F238E27FC236}">
-                <a16:creationId xmlns:a16="http://schemas.microsoft.com/office/drawing/2014/main" id="{DFA8C843-9280-4B0F-BF41-F0E89DEC4D6B}"/>
-              </a:ext>
-            </a:extLst>
-          </p:cNvPr>
+          <p:cNvPr id="5" name="Footer Placeholder 4"/>
           <p:cNvSpPr>
             <a:spLocks noGrp="1"/>
           </p:cNvSpPr>
@@ -897,13 +3337,7 @@
       </p:sp>
       <p:sp>
         <p:nvSpPr>
-          <p:cNvPr id="6" name="Slide Number Placeholder 5">
-            <a:extLst>
-              <a:ext uri="{FF2B5EF4-FFF2-40B4-BE49-F238E27FC236}">
-                <a16:creationId xmlns:a16="http://schemas.microsoft.com/office/drawing/2014/main" id="{98F15E7C-84AF-424B-9347-B82B7EF8FD3C}"/>
-              </a:ext>
-            </a:extLst>
-          </p:cNvPr>
+          <p:cNvPr id="6" name="Slide Number Placeholder 5"/>
           <p:cNvSpPr>
             <a:spLocks noGrp="1"/>
           </p:cNvSpPr>
@@ -911,7 +3345,12 @@
             <p:ph type="sldNum" sz="quarter" idx="12"/>
           </p:nvPr>
         </p:nvSpPr>
-        <p:spPr/>
+        <p:spPr>
+          <a:xfrm>
+            <a:off x="10951856" y="5867131"/>
+            <a:ext cx="551167" cy="365125"/>
+          </a:xfrm>
+        </p:spPr>
         <p:txBody>
           <a:bodyPr/>
           <a:lstStyle/>
@@ -927,7 +3366,7 @@
     </p:spTree>
     <p:extLst>
       <p:ext uri="{BB962C8B-B14F-4D97-AF65-F5344CB8AC3E}">
-        <p14:creationId xmlns:p14="http://schemas.microsoft.com/office/powerpoint/2010/main" val="1242369292"/>
+        <p14:creationId xmlns:p14="http://schemas.microsoft.com/office/powerpoint/2010/main" val="3026502707"/>
       </p:ext>
     </p:extLst>
   </p:cSld>
@@ -956,13 +3395,7 @@
       </p:grpSpPr>
       <p:sp>
         <p:nvSpPr>
-          <p:cNvPr id="2" name="Title 1">
-            <a:extLst>
-              <a:ext uri="{FF2B5EF4-FFF2-40B4-BE49-F238E27FC236}">
-                <a16:creationId xmlns:a16="http://schemas.microsoft.com/office/drawing/2014/main" id="{6F75B843-D9B7-4839-8E2D-93F1265C5EA5}"/>
-              </a:ext>
-            </a:extLst>
-          </p:cNvPr>
+          <p:cNvPr id="2" name="Title 1"/>
           <p:cNvSpPr>
             <a:spLocks noGrp="1"/>
           </p:cNvSpPr>
@@ -972,15 +3405,15 @@
         </p:nvSpPr>
         <p:spPr>
           <a:xfrm>
-            <a:off x="831850" y="1709738"/>
-            <a:ext cx="10515600" cy="2852737"/>
+            <a:off x="2572279" y="2666999"/>
+            <a:ext cx="8930747" cy="2110382"/>
           </a:xfrm>
         </p:spPr>
         <p:txBody>
           <a:bodyPr anchor="b"/>
           <a:lstStyle>
-            <a:lvl1pPr>
-              <a:defRPr sz="6000"/>
+            <a:lvl1pPr algn="r">
+              <a:defRPr sz="4000" b="0" cap="none"/>
             </a:lvl1pPr>
           </a:lstStyle>
           <a:p>
@@ -988,18 +3421,13 @@
               <a:rPr lang="en-US"/>
               <a:t>Click to edit Master title style</a:t>
             </a:r>
-          </a:p>
-        </p:txBody>
-      </p:sp>
-      <p:sp>
-        <p:nvSpPr>
-          <p:cNvPr id="3" name="Text Placeholder 2">
-            <a:extLst>
-              <a:ext uri="{FF2B5EF4-FFF2-40B4-BE49-F238E27FC236}">
-                <a16:creationId xmlns:a16="http://schemas.microsoft.com/office/drawing/2014/main" id="{BFB41831-0F90-4006-840E-59D252898CBE}"/>
-              </a:ext>
-            </a:extLst>
-          </p:cNvPr>
+            <a:endParaRPr lang="en-US" dirty="0"/>
+          </a:p>
+        </p:txBody>
+      </p:sp>
+      <p:sp>
+        <p:nvSpPr>
+          <p:cNvPr id="3" name="Text Placeholder 2"/>
           <p:cNvSpPr>
             <a:spLocks noGrp="1"/>
           </p:cNvSpPr>
@@ -1009,102 +3437,102 @@
         </p:nvSpPr>
         <p:spPr>
           <a:xfrm>
-            <a:off x="831850" y="4589463"/>
-            <a:ext cx="10515600" cy="1500187"/>
+            <a:off x="2572278" y="4777381"/>
+            <a:ext cx="8930748" cy="860400"/>
           </a:xfrm>
         </p:spPr>
         <p:txBody>
-          <a:bodyPr/>
+          <a:bodyPr anchor="t">
+            <a:normAutofit/>
+          </a:bodyPr>
           <a:lstStyle>
-            <a:lvl1pPr marL="0" indent="0">
-              <a:buNone/>
-              <a:defRPr sz="2400">
+            <a:lvl1pPr marL="0" indent="0" algn="r">
+              <a:buNone/>
+              <a:defRPr sz="2000">
+                <a:solidFill>
+                  <a:schemeClr val="tx1"/>
+                </a:solidFill>
+              </a:defRPr>
+            </a:lvl1pPr>
+            <a:lvl2pPr marL="457200" indent="0">
+              <a:buNone/>
+              <a:defRPr sz="1800">
                 <a:solidFill>
                   <a:schemeClr val="tx1">
                     <a:tint val="75000"/>
                   </a:schemeClr>
                 </a:solidFill>
               </a:defRPr>
-            </a:lvl1pPr>
-            <a:lvl2pPr marL="457200" indent="0">
-              <a:buNone/>
-              <a:defRPr sz="2000">
+            </a:lvl2pPr>
+            <a:lvl3pPr marL="914400" indent="0">
+              <a:buNone/>
+              <a:defRPr sz="1600">
                 <a:solidFill>
                   <a:schemeClr val="tx1">
                     <a:tint val="75000"/>
                   </a:schemeClr>
                 </a:solidFill>
               </a:defRPr>
-            </a:lvl2pPr>
-            <a:lvl3pPr marL="914400" indent="0">
-              <a:buNone/>
-              <a:defRPr sz="1800">
+            </a:lvl3pPr>
+            <a:lvl4pPr marL="1371600" indent="0">
+              <a:buNone/>
+              <a:defRPr sz="1400">
                 <a:solidFill>
                   <a:schemeClr val="tx1">
                     <a:tint val="75000"/>
                   </a:schemeClr>
                 </a:solidFill>
               </a:defRPr>
-            </a:lvl3pPr>
-            <a:lvl4pPr marL="1371600" indent="0">
-              <a:buNone/>
-              <a:defRPr sz="1600">
+            </a:lvl4pPr>
+            <a:lvl5pPr marL="1828800" indent="0">
+              <a:buNone/>
+              <a:defRPr sz="1400">
                 <a:solidFill>
                   <a:schemeClr val="tx1">
                     <a:tint val="75000"/>
                   </a:schemeClr>
                 </a:solidFill>
               </a:defRPr>
-            </a:lvl4pPr>
-            <a:lvl5pPr marL="1828800" indent="0">
-              <a:buNone/>
-              <a:defRPr sz="1600">
+            </a:lvl5pPr>
+            <a:lvl6pPr marL="2286000" indent="0">
+              <a:buNone/>
+              <a:defRPr sz="1400">
                 <a:solidFill>
                   <a:schemeClr val="tx1">
                     <a:tint val="75000"/>
                   </a:schemeClr>
                 </a:solidFill>
               </a:defRPr>
-            </a:lvl5pPr>
-            <a:lvl6pPr marL="2286000" indent="0">
-              <a:buNone/>
-              <a:defRPr sz="1600">
+            </a:lvl6pPr>
+            <a:lvl7pPr marL="2743200" indent="0">
+              <a:buNone/>
+              <a:defRPr sz="1400">
                 <a:solidFill>
                   <a:schemeClr val="tx1">
                     <a:tint val="75000"/>
                   </a:schemeClr>
                 </a:solidFill>
               </a:defRPr>
-            </a:lvl6pPr>
-            <a:lvl7pPr marL="2743200" indent="0">
-              <a:buNone/>
-              <a:defRPr sz="1600">
+            </a:lvl7pPr>
+            <a:lvl8pPr marL="3200400" indent="0">
+              <a:buNone/>
+              <a:defRPr sz="1400">
                 <a:solidFill>
                   <a:schemeClr val="tx1">
                     <a:tint val="75000"/>
                   </a:schemeClr>
                 </a:solidFill>
               </a:defRPr>
-            </a:lvl7pPr>
-            <a:lvl8pPr marL="3200400" indent="0">
-              <a:buNone/>
-              <a:defRPr sz="1600">
+            </a:lvl8pPr>
+            <a:lvl9pPr marL="3657600" indent="0">
+              <a:buNone/>
+              <a:defRPr sz="1400">
                 <a:solidFill>
                   <a:schemeClr val="tx1">
                     <a:tint val="75000"/>
                   </a:schemeClr>
                 </a:solidFill>
               </a:defRPr>
-            </a:lvl8pPr>
-            <a:lvl9pPr marL="3657600" indent="0">
-              <a:buNone/>
-              <a:defRPr sz="1600">
-                <a:solidFill>
-                  <a:schemeClr val="tx1">
-                    <a:tint val="75000"/>
-                  </a:schemeClr>
-                </a:solidFill>
-              </a:defRPr>
             </a:lvl9pPr>
           </a:lstStyle>
           <a:p>
@@ -1118,13 +3546,7 @@
       </p:sp>
       <p:sp>
         <p:nvSpPr>
-          <p:cNvPr id="4" name="Date Placeholder 3">
-            <a:extLst>
-              <a:ext uri="{FF2B5EF4-FFF2-40B4-BE49-F238E27FC236}">
-                <a16:creationId xmlns:a16="http://schemas.microsoft.com/office/drawing/2014/main" id="{7A42FFAE-C34A-48B6-A6F2-789E0175A8A3}"/>
-              </a:ext>
-            </a:extLst>
-          </p:cNvPr>
+          <p:cNvPr id="4" name="Date Placeholder 3"/>
           <p:cNvSpPr>
             <a:spLocks noGrp="1"/>
           </p:cNvSpPr>
@@ -1147,13 +3569,7 @@
       </p:sp>
       <p:sp>
         <p:nvSpPr>
-          <p:cNvPr id="5" name="Footer Placeholder 4">
-            <a:extLst>
-              <a:ext uri="{FF2B5EF4-FFF2-40B4-BE49-F238E27FC236}">
-                <a16:creationId xmlns:a16="http://schemas.microsoft.com/office/drawing/2014/main" id="{54A2AA39-712E-4F01-AAD2-798056C3B547}"/>
-              </a:ext>
-            </a:extLst>
-          </p:cNvPr>
+          <p:cNvPr id="5" name="Footer Placeholder 4"/>
           <p:cNvSpPr>
             <a:spLocks noGrp="1"/>
           </p:cNvSpPr>
@@ -1172,13 +3588,7 @@
       </p:sp>
       <p:sp>
         <p:nvSpPr>
-          <p:cNvPr id="6" name="Slide Number Placeholder 5">
-            <a:extLst>
-              <a:ext uri="{FF2B5EF4-FFF2-40B4-BE49-F238E27FC236}">
-                <a16:creationId xmlns:a16="http://schemas.microsoft.com/office/drawing/2014/main" id="{E53773B6-91F3-447F-8B77-37284CB4A552}"/>
-              </a:ext>
-            </a:extLst>
-          </p:cNvPr>
+          <p:cNvPr id="6" name="Slide Number Placeholder 5"/>
           <p:cNvSpPr>
             <a:spLocks noGrp="1"/>
           </p:cNvSpPr>
@@ -1202,7 +3612,7 @@
     </p:spTree>
     <p:extLst>
       <p:ext uri="{BB962C8B-B14F-4D97-AF65-F5344CB8AC3E}">
-        <p14:creationId xmlns:p14="http://schemas.microsoft.com/office/powerpoint/2010/main" val="1842885293"/>
+        <p14:creationId xmlns:p14="http://schemas.microsoft.com/office/powerpoint/2010/main" val="2541575243"/>
       </p:ext>
     </p:extLst>
   </p:cSld>
@@ -1231,119 +3641,81 @@
       </p:grpSpPr>
       <p:sp>
         <p:nvSpPr>
-          <p:cNvPr id="2" name="Title 1">
-            <a:extLst>
-              <a:ext uri="{FF2B5EF4-FFF2-40B4-BE49-F238E27FC236}">
-                <a16:creationId xmlns:a16="http://schemas.microsoft.com/office/drawing/2014/main" id="{E6FD1554-1307-4B2F-A7B6-EFEA1CBDD88D}"/>
-              </a:ext>
-            </a:extLst>
-          </p:cNvPr>
+          <p:cNvPr id="2" name="Title 1"/>
           <p:cNvSpPr>
             <a:spLocks noGrp="1"/>
           </p:cNvSpPr>
           <p:nvPr>
             <p:ph type="title"/>
-          </p:nvPr>
-        </p:nvSpPr>
-        <p:spPr/>
-        <p:txBody>
-          <a:bodyPr/>
-          <a:lstStyle/>
-          <a:p>
-            <a:r>
-              <a:rPr lang="en-US"/>
-              <a:t>Click to edit Master title style</a:t>
-            </a:r>
-          </a:p>
-        </p:txBody>
-      </p:sp>
-      <p:sp>
-        <p:nvSpPr>
-          <p:cNvPr id="3" name="Content Placeholder 2">
-            <a:extLst>
-              <a:ext uri="{FF2B5EF4-FFF2-40B4-BE49-F238E27FC236}">
-                <a16:creationId xmlns:a16="http://schemas.microsoft.com/office/drawing/2014/main" id="{1F1B66C2-9944-46ED-8E6F-296E43E44021}"/>
-              </a:ext>
-            </a:extLst>
-          </p:cNvPr>
-          <p:cNvSpPr>
-            <a:spLocks noGrp="1"/>
-          </p:cNvSpPr>
-          <p:nvPr>
-            <p:ph sz="half" idx="1"/>
           </p:nvPr>
         </p:nvSpPr>
         <p:spPr>
           <a:xfrm>
-            <a:off x="838200" y="1825625"/>
-            <a:ext cx="5181600" cy="4351338"/>
+            <a:off x="1484311" y="685800"/>
+            <a:ext cx="10018713" cy="1752599"/>
           </a:xfrm>
         </p:spPr>
         <p:txBody>
           <a:bodyPr/>
           <a:lstStyle/>
           <a:p>
-            <a:pPr lvl="0"/>
-            <a:r>
-              <a:rPr lang="en-US"/>
-              <a:t>Edit Master text styles</a:t>
-            </a:r>
-          </a:p>
-          <a:p>
-            <a:pPr lvl="1"/>
-            <a:r>
-              <a:rPr lang="en-US"/>
-              <a:t>Second level</a:t>
-            </a:r>
-          </a:p>
-          <a:p>
-            <a:pPr lvl="2"/>
-            <a:r>
-              <a:rPr lang="en-US"/>
-              <a:t>Third level</a:t>
-            </a:r>
-          </a:p>
-          <a:p>
-            <a:pPr lvl="3"/>
-            <a:r>
-              <a:rPr lang="en-US"/>
-              <a:t>Fourth level</a:t>
-            </a:r>
-          </a:p>
-          <a:p>
-            <a:pPr lvl="4"/>
-            <a:r>
-              <a:rPr lang="en-US"/>
-              <a:t>Fifth level</a:t>
-            </a:r>
-          </a:p>
-        </p:txBody>
-      </p:sp>
-      <p:sp>
-        <p:nvSpPr>
-          <p:cNvPr id="4" name="Content Placeholder 3">
-            <a:extLst>
-              <a:ext uri="{FF2B5EF4-FFF2-40B4-BE49-F238E27FC236}">
-                <a16:creationId xmlns:a16="http://schemas.microsoft.com/office/drawing/2014/main" id="{DBC10AA8-BD0E-4B9B-9697-1F6B62DDBE1A}"/>
-              </a:ext>
-            </a:extLst>
-          </p:cNvPr>
-          <p:cNvSpPr>
-            <a:spLocks noGrp="1"/>
-          </p:cNvSpPr>
-          <p:nvPr>
-            <p:ph sz="half" idx="2"/>
+            <a:r>
+              <a:rPr lang="en-US"/>
+              <a:t>Click to edit Master title style</a:t>
+            </a:r>
+            <a:endParaRPr lang="en-US" dirty="0"/>
+          </a:p>
+        </p:txBody>
+      </p:sp>
+      <p:sp>
+        <p:nvSpPr>
+          <p:cNvPr id="3" name="Content Placeholder 2"/>
+          <p:cNvSpPr>
+            <a:spLocks noGrp="1"/>
+          </p:cNvSpPr>
+          <p:nvPr>
+            <p:ph sz="half" idx="1"/>
           </p:nvPr>
         </p:nvSpPr>
         <p:spPr>
           <a:xfrm>
-            <a:off x="6172200" y="1825625"/>
-            <a:ext cx="5181600" cy="4351338"/>
+            <a:off x="1484312" y="2666999"/>
+            <a:ext cx="4895055" cy="3124201"/>
           </a:xfrm>
         </p:spPr>
         <p:txBody>
-          <a:bodyPr/>
-          <a:lstStyle/>
+          <a:bodyPr>
+            <a:normAutofit/>
+          </a:bodyPr>
+          <a:lstStyle>
+            <a:lvl1pPr>
+              <a:defRPr sz="1800"/>
+            </a:lvl1pPr>
+            <a:lvl2pPr>
+              <a:defRPr sz="1600"/>
+            </a:lvl2pPr>
+            <a:lvl3pPr>
+              <a:defRPr sz="1400"/>
+            </a:lvl3pPr>
+            <a:lvl4pPr>
+              <a:defRPr sz="1200"/>
+            </a:lvl4pPr>
+            <a:lvl5pPr>
+              <a:defRPr sz="1200"/>
+            </a:lvl5pPr>
+            <a:lvl6pPr>
+              <a:defRPr sz="1200"/>
+            </a:lvl6pPr>
+            <a:lvl7pPr>
+              <a:defRPr sz="1200"/>
+            </a:lvl7pPr>
+            <a:lvl8pPr>
+              <a:defRPr sz="1200"/>
+            </a:lvl8pPr>
+            <a:lvl9pPr>
+              <a:defRPr sz="1200"/>
+            </a:lvl9pPr>
+          </a:lstStyle>
           <a:p>
             <a:pPr lvl="0"/>
             <a:r>
@@ -1378,18 +3750,100 @@
               <a:rPr lang="en-US"/>
               <a:t>Fifth level</a:t>
             </a:r>
-          </a:p>
-        </p:txBody>
-      </p:sp>
-      <p:sp>
-        <p:nvSpPr>
-          <p:cNvPr id="5" name="Date Placeholder 4">
-            <a:extLst>
-              <a:ext uri="{FF2B5EF4-FFF2-40B4-BE49-F238E27FC236}">
-                <a16:creationId xmlns:a16="http://schemas.microsoft.com/office/drawing/2014/main" id="{7A97A652-9C4D-4A2E-B896-66AB64EA95BE}"/>
-              </a:ext>
-            </a:extLst>
-          </p:cNvPr>
+            <a:endParaRPr lang="en-US" dirty="0"/>
+          </a:p>
+        </p:txBody>
+      </p:sp>
+      <p:sp>
+        <p:nvSpPr>
+          <p:cNvPr id="4" name="Content Placeholder 3"/>
+          <p:cNvSpPr>
+            <a:spLocks noGrp="1"/>
+          </p:cNvSpPr>
+          <p:nvPr>
+            <p:ph sz="half" idx="2"/>
+          </p:nvPr>
+        </p:nvSpPr>
+        <p:spPr>
+          <a:xfrm>
+            <a:off x="6607967" y="2667000"/>
+            <a:ext cx="4895056" cy="3124200"/>
+          </a:xfrm>
+        </p:spPr>
+        <p:txBody>
+          <a:bodyPr>
+            <a:normAutofit/>
+          </a:bodyPr>
+          <a:lstStyle>
+            <a:lvl1pPr>
+              <a:defRPr sz="1800"/>
+            </a:lvl1pPr>
+            <a:lvl2pPr>
+              <a:defRPr sz="1600"/>
+            </a:lvl2pPr>
+            <a:lvl3pPr>
+              <a:defRPr sz="1400"/>
+            </a:lvl3pPr>
+            <a:lvl4pPr>
+              <a:defRPr sz="1200"/>
+            </a:lvl4pPr>
+            <a:lvl5pPr>
+              <a:defRPr sz="1200"/>
+            </a:lvl5pPr>
+            <a:lvl6pPr>
+              <a:defRPr sz="1200"/>
+            </a:lvl6pPr>
+            <a:lvl7pPr>
+              <a:defRPr sz="1200"/>
+            </a:lvl7pPr>
+            <a:lvl8pPr>
+              <a:defRPr sz="1200"/>
+            </a:lvl8pPr>
+            <a:lvl9pPr>
+              <a:defRPr sz="1200"/>
+            </a:lvl9pPr>
+          </a:lstStyle>
+          <a:p>
+            <a:pPr lvl="0"/>
+            <a:r>
+              <a:rPr lang="en-US"/>
+              <a:t>Edit Master text styles</a:t>
+            </a:r>
+          </a:p>
+          <a:p>
+            <a:pPr lvl="1"/>
+            <a:r>
+              <a:rPr lang="en-US"/>
+              <a:t>Second level</a:t>
+            </a:r>
+          </a:p>
+          <a:p>
+            <a:pPr lvl="2"/>
+            <a:r>
+              <a:rPr lang="en-US"/>
+              <a:t>Third level</a:t>
+            </a:r>
+          </a:p>
+          <a:p>
+            <a:pPr lvl="3"/>
+            <a:r>
+              <a:rPr lang="en-US"/>
+              <a:t>Fourth level</a:t>
+            </a:r>
+          </a:p>
+          <a:p>
+            <a:pPr lvl="4"/>
+            <a:r>
+              <a:rPr lang="en-US"/>
+              <a:t>Fifth level</a:t>
+            </a:r>
+            <a:endParaRPr lang="en-US" dirty="0"/>
+          </a:p>
+        </p:txBody>
+      </p:sp>
+      <p:sp>
+        <p:nvSpPr>
+          <p:cNvPr id="5" name="Date Placeholder 4"/>
           <p:cNvSpPr>
             <a:spLocks noGrp="1"/>
           </p:cNvSpPr>
@@ -1412,13 +3866,7 @@
       </p:sp>
       <p:sp>
         <p:nvSpPr>
-          <p:cNvPr id="6" name="Footer Placeholder 5">
-            <a:extLst>
-              <a:ext uri="{FF2B5EF4-FFF2-40B4-BE49-F238E27FC236}">
-                <a16:creationId xmlns:a16="http://schemas.microsoft.com/office/drawing/2014/main" id="{331262BA-0D63-4867-81BA-33FF9E555232}"/>
-              </a:ext>
-            </a:extLst>
-          </p:cNvPr>
+          <p:cNvPr id="6" name="Footer Placeholder 5"/>
           <p:cNvSpPr>
             <a:spLocks noGrp="1"/>
           </p:cNvSpPr>
@@ -1437,13 +3885,7 @@
       </p:sp>
       <p:sp>
         <p:nvSpPr>
-          <p:cNvPr id="7" name="Slide Number Placeholder 6">
-            <a:extLst>
-              <a:ext uri="{FF2B5EF4-FFF2-40B4-BE49-F238E27FC236}">
-                <a16:creationId xmlns:a16="http://schemas.microsoft.com/office/drawing/2014/main" id="{16FEF32B-7B76-4850-874D-F832A4CCF8C4}"/>
-              </a:ext>
-            </a:extLst>
-          </p:cNvPr>
+          <p:cNvPr id="7" name="Slide Number Placeholder 6"/>
           <p:cNvSpPr>
             <a:spLocks noGrp="1"/>
           </p:cNvSpPr>
@@ -1467,7 +3909,7 @@
     </p:spTree>
     <p:extLst>
       <p:ext uri="{BB962C8B-B14F-4D97-AF65-F5344CB8AC3E}">
-        <p14:creationId xmlns:p14="http://schemas.microsoft.com/office/powerpoint/2010/main" val="2309187015"/>
+        <p14:creationId xmlns:p14="http://schemas.microsoft.com/office/powerpoint/2010/main" val="4286820458"/>
       </p:ext>
     </p:extLst>
   </p:cSld>
@@ -1496,65 +3938,61 @@
       </p:grpSpPr>
       <p:sp>
         <p:nvSpPr>
-          <p:cNvPr id="2" name="Title 1">
-            <a:extLst>
-              <a:ext uri="{FF2B5EF4-FFF2-40B4-BE49-F238E27FC236}">
-                <a16:creationId xmlns:a16="http://schemas.microsoft.com/office/drawing/2014/main" id="{762E296E-B19E-4288-9187-B30E701DEE71}"/>
-              </a:ext>
-            </a:extLst>
-          </p:cNvPr>
+          <p:cNvPr id="2" name="Title 1"/>
           <p:cNvSpPr>
             <a:spLocks noGrp="1"/>
           </p:cNvSpPr>
           <p:nvPr>
             <p:ph type="title"/>
+          </p:nvPr>
+        </p:nvSpPr>
+        <p:spPr/>
+        <p:txBody>
+          <a:bodyPr/>
+          <a:lstStyle>
+            <a:lvl1pPr>
+              <a:defRPr/>
+            </a:lvl1pPr>
+          </a:lstStyle>
+          <a:p>
+            <a:r>
+              <a:rPr lang="en-US"/>
+              <a:t>Click to edit Master title style</a:t>
+            </a:r>
+            <a:endParaRPr lang="en-US" dirty="0"/>
+          </a:p>
+        </p:txBody>
+      </p:sp>
+      <p:sp>
+        <p:nvSpPr>
+          <p:cNvPr id="3" name="Text Placeholder 2"/>
+          <p:cNvSpPr>
+            <a:spLocks noGrp="1"/>
+          </p:cNvSpPr>
+          <p:nvPr>
+            <p:ph type="body" idx="1"/>
           </p:nvPr>
         </p:nvSpPr>
         <p:spPr>
           <a:xfrm>
-            <a:off x="839788" y="365125"/>
-            <a:ext cx="10515600" cy="1325563"/>
+            <a:off x="1772179" y="2658533"/>
+            <a:ext cx="4607188" cy="576262"/>
           </a:xfrm>
         </p:spPr>
         <p:txBody>
-          <a:bodyPr/>
-          <a:lstStyle/>
-          <a:p>
-            <a:r>
-              <a:rPr lang="en-US"/>
-              <a:t>Click to edit Master title style</a:t>
-            </a:r>
-          </a:p>
-        </p:txBody>
-      </p:sp>
-      <p:sp>
-        <p:nvSpPr>
-          <p:cNvPr id="3" name="Text Placeholder 2">
-            <a:extLst>
-              <a:ext uri="{FF2B5EF4-FFF2-40B4-BE49-F238E27FC236}">
-                <a16:creationId xmlns:a16="http://schemas.microsoft.com/office/drawing/2014/main" id="{C471CB8B-C274-404F-A56E-343B9DD93207}"/>
-              </a:ext>
-            </a:extLst>
-          </p:cNvPr>
-          <p:cNvSpPr>
-            <a:spLocks noGrp="1"/>
-          </p:cNvSpPr>
-          <p:nvPr>
-            <p:ph type="body" idx="1"/>
-          </p:nvPr>
-        </p:nvSpPr>
-        <p:spPr>
-          <a:xfrm>
-            <a:off x="839788" y="1681163"/>
-            <a:ext cx="5157787" cy="823912"/>
-          </a:xfrm>
-        </p:spPr>
-        <p:txBody>
-          <a:bodyPr anchor="b"/>
+          <a:bodyPr anchor="b">
+            <a:noAutofit/>
+          </a:bodyPr>
           <a:lstStyle>
             <a:lvl1pPr marL="0" indent="0">
               <a:buNone/>
-              <a:defRPr sz="2400" b="1"/>
+              <a:defRPr sz="2800" b="0">
+                <a:solidFill>
+                  <a:schemeClr val="accent1">
+                    <a:lumMod val="75000"/>
+                  </a:schemeClr>
+                </a:solidFill>
+              </a:defRPr>
             </a:lvl1pPr>
             <a:lvl2pPr marL="457200" indent="0">
               <a:buNone/>
@@ -1600,13 +4038,7 @@
       </p:sp>
       <p:sp>
         <p:nvSpPr>
-          <p:cNvPr id="4" name="Content Placeholder 3">
-            <a:extLst>
-              <a:ext uri="{FF2B5EF4-FFF2-40B4-BE49-F238E27FC236}">
-                <a16:creationId xmlns:a16="http://schemas.microsoft.com/office/drawing/2014/main" id="{9C1B1C3A-11F1-4DE2-8451-1BA20FDFEA50}"/>
-              </a:ext>
-            </a:extLst>
-          </p:cNvPr>
+          <p:cNvPr id="4" name="Content Placeholder 3"/>
           <p:cNvSpPr>
             <a:spLocks noGrp="1"/>
           </p:cNvSpPr>
@@ -1616,13 +4048,43 @@
         </p:nvSpPr>
         <p:spPr>
           <a:xfrm>
-            <a:off x="839788" y="2505075"/>
-            <a:ext cx="5157787" cy="3684588"/>
+            <a:off x="1484311" y="3335337"/>
+            <a:ext cx="4895056" cy="2455862"/>
           </a:xfrm>
         </p:spPr>
         <p:txBody>
-          <a:bodyPr/>
-          <a:lstStyle/>
+          <a:bodyPr anchor="t">
+            <a:normAutofit/>
+          </a:bodyPr>
+          <a:lstStyle>
+            <a:lvl1pPr>
+              <a:defRPr sz="1800"/>
+            </a:lvl1pPr>
+            <a:lvl2pPr>
+              <a:defRPr sz="1600"/>
+            </a:lvl2pPr>
+            <a:lvl3pPr>
+              <a:defRPr sz="1400"/>
+            </a:lvl3pPr>
+            <a:lvl4pPr>
+              <a:defRPr sz="1200"/>
+            </a:lvl4pPr>
+            <a:lvl5pPr>
+              <a:defRPr sz="1200"/>
+            </a:lvl5pPr>
+            <a:lvl6pPr>
+              <a:defRPr sz="1200"/>
+            </a:lvl6pPr>
+            <a:lvl7pPr>
+              <a:defRPr sz="1200"/>
+            </a:lvl7pPr>
+            <a:lvl8pPr>
+              <a:defRPr sz="1200"/>
+            </a:lvl8pPr>
+            <a:lvl9pPr>
+              <a:defRPr sz="1200"/>
+            </a:lvl9pPr>
+          </a:lstStyle>
           <a:p>
             <a:pPr lvl="0"/>
             <a:r>
@@ -1657,18 +4119,13 @@
               <a:rPr lang="en-US"/>
               <a:t>Fifth level</a:t>
             </a:r>
-          </a:p>
-        </p:txBody>
-      </p:sp>
-      <p:sp>
-        <p:nvSpPr>
-          <p:cNvPr id="5" name="Text Placeholder 4">
-            <a:extLst>
-              <a:ext uri="{FF2B5EF4-FFF2-40B4-BE49-F238E27FC236}">
-                <a16:creationId xmlns:a16="http://schemas.microsoft.com/office/drawing/2014/main" id="{1846DE55-3AAE-441E-94D0-6F7C427F2F3E}"/>
-              </a:ext>
-            </a:extLst>
-          </p:cNvPr>
+            <a:endParaRPr lang="en-US" dirty="0"/>
+          </a:p>
+        </p:txBody>
+      </p:sp>
+      <p:sp>
+        <p:nvSpPr>
+          <p:cNvPr id="5" name="Text Placeholder 4"/>
           <p:cNvSpPr>
             <a:spLocks noGrp="1"/>
           </p:cNvSpPr>
@@ -1678,16 +4135,24 @@
         </p:nvSpPr>
         <p:spPr>
           <a:xfrm>
-            <a:off x="6172200" y="1681163"/>
-            <a:ext cx="5183188" cy="823912"/>
+            <a:off x="6880487" y="2667000"/>
+            <a:ext cx="4622537" cy="576262"/>
           </a:xfrm>
         </p:spPr>
         <p:txBody>
-          <a:bodyPr anchor="b"/>
+          <a:bodyPr anchor="b">
+            <a:noAutofit/>
+          </a:bodyPr>
           <a:lstStyle>
             <a:lvl1pPr marL="0" indent="0">
               <a:buNone/>
-              <a:defRPr sz="2400" b="1"/>
+              <a:defRPr sz="2800" b="0">
+                <a:solidFill>
+                  <a:schemeClr val="accent1">
+                    <a:lumMod val="75000"/>
+                  </a:schemeClr>
+                </a:solidFill>
+              </a:defRPr>
             </a:lvl1pPr>
             <a:lvl2pPr marL="457200" indent="0">
               <a:buNone/>
@@ -1733,13 +4198,7 @@
       </p:sp>
       <p:sp>
         <p:nvSpPr>
-          <p:cNvPr id="6" name="Content Placeholder 5">
-            <a:extLst>
-              <a:ext uri="{FF2B5EF4-FFF2-40B4-BE49-F238E27FC236}">
-                <a16:creationId xmlns:a16="http://schemas.microsoft.com/office/drawing/2014/main" id="{DACF392C-FFCF-439A-A9FF-F1F1628ADE02}"/>
-              </a:ext>
-            </a:extLst>
-          </p:cNvPr>
+          <p:cNvPr id="6" name="Content Placeholder 5"/>
           <p:cNvSpPr>
             <a:spLocks noGrp="1"/>
           </p:cNvSpPr>
@@ -1749,13 +4208,43 @@
         </p:nvSpPr>
         <p:spPr>
           <a:xfrm>
-            <a:off x="6172200" y="2505075"/>
-            <a:ext cx="5183188" cy="3684588"/>
+            <a:off x="6607967" y="3335337"/>
+            <a:ext cx="4895056" cy="2455862"/>
           </a:xfrm>
         </p:spPr>
         <p:txBody>
-          <a:bodyPr/>
-          <a:lstStyle/>
+          <a:bodyPr anchor="t">
+            <a:normAutofit/>
+          </a:bodyPr>
+          <a:lstStyle>
+            <a:lvl1pPr>
+              <a:defRPr sz="1800"/>
+            </a:lvl1pPr>
+            <a:lvl2pPr>
+              <a:defRPr sz="1600"/>
+            </a:lvl2pPr>
+            <a:lvl3pPr>
+              <a:defRPr sz="1400"/>
+            </a:lvl3pPr>
+            <a:lvl4pPr>
+              <a:defRPr sz="1200"/>
+            </a:lvl4pPr>
+            <a:lvl5pPr>
+              <a:defRPr sz="1200"/>
+            </a:lvl5pPr>
+            <a:lvl6pPr>
+              <a:defRPr sz="1200"/>
+            </a:lvl6pPr>
+            <a:lvl7pPr>
+              <a:defRPr sz="1200"/>
+            </a:lvl7pPr>
+            <a:lvl8pPr>
+              <a:defRPr sz="1200"/>
+            </a:lvl8pPr>
+            <a:lvl9pPr>
+              <a:defRPr sz="1200"/>
+            </a:lvl9pPr>
+          </a:lstStyle>
           <a:p>
             <a:pPr lvl="0"/>
             <a:r>
@@ -1790,18 +4279,13 @@
               <a:rPr lang="en-US"/>
               <a:t>Fifth level</a:t>
             </a:r>
-          </a:p>
-        </p:txBody>
-      </p:sp>
-      <p:sp>
-        <p:nvSpPr>
-          <p:cNvPr id="7" name="Date Placeholder 6">
-            <a:extLst>
-              <a:ext uri="{FF2B5EF4-FFF2-40B4-BE49-F238E27FC236}">
-                <a16:creationId xmlns:a16="http://schemas.microsoft.com/office/drawing/2014/main" id="{B19929BB-CDCB-4371-8CA3-4A8DD102BDEF}"/>
-              </a:ext>
-            </a:extLst>
-          </p:cNvPr>
+            <a:endParaRPr lang="en-US" dirty="0"/>
+          </a:p>
+        </p:txBody>
+      </p:sp>
+      <p:sp>
+        <p:nvSpPr>
+          <p:cNvPr id="7" name="Date Placeholder 6"/>
           <p:cNvSpPr>
             <a:spLocks noGrp="1"/>
           </p:cNvSpPr>
@@ -1824,13 +4308,7 @@
       </p:sp>
       <p:sp>
         <p:nvSpPr>
-          <p:cNvPr id="8" name="Footer Placeholder 7">
-            <a:extLst>
-              <a:ext uri="{FF2B5EF4-FFF2-40B4-BE49-F238E27FC236}">
-                <a16:creationId xmlns:a16="http://schemas.microsoft.com/office/drawing/2014/main" id="{D7010A2A-C381-497E-A663-CB354F2CD03C}"/>
-              </a:ext>
-            </a:extLst>
-          </p:cNvPr>
+          <p:cNvPr id="8" name="Footer Placeholder 7"/>
           <p:cNvSpPr>
             <a:spLocks noGrp="1"/>
           </p:cNvSpPr>
@@ -1849,13 +4327,7 @@
       </p:sp>
       <p:sp>
         <p:nvSpPr>
-          <p:cNvPr id="9" name="Slide Number Placeholder 8">
-            <a:extLst>
-              <a:ext uri="{FF2B5EF4-FFF2-40B4-BE49-F238E27FC236}">
-                <a16:creationId xmlns:a16="http://schemas.microsoft.com/office/drawing/2014/main" id="{953CBD76-B239-400E-9BC7-2D4AA0B9BFB2}"/>
-              </a:ext>
-            </a:extLst>
-          </p:cNvPr>
+          <p:cNvPr id="9" name="Slide Number Placeholder 8"/>
           <p:cNvSpPr>
             <a:spLocks noGrp="1"/>
           </p:cNvSpPr>
@@ -1879,7 +4351,7 @@
     </p:spTree>
     <p:extLst>
       <p:ext uri="{BB962C8B-B14F-4D97-AF65-F5344CB8AC3E}">
-        <p14:creationId xmlns:p14="http://schemas.microsoft.com/office/powerpoint/2010/main" val="2540874257"/>
+        <p14:creationId xmlns:p14="http://schemas.microsoft.com/office/powerpoint/2010/main" val="878410924"/>
       </p:ext>
     </p:extLst>
   </p:cSld>
@@ -1908,13 +4380,7 @@
       </p:grpSpPr>
       <p:sp>
         <p:nvSpPr>
-          <p:cNvPr id="2" name="Title 1">
-            <a:extLst>
-              <a:ext uri="{FF2B5EF4-FFF2-40B4-BE49-F238E27FC236}">
-                <a16:creationId xmlns:a16="http://schemas.microsoft.com/office/drawing/2014/main" id="{0474B6A8-1360-48CE-BD10-9CBD230242DA}"/>
-              </a:ext>
-            </a:extLst>
-          </p:cNvPr>
+          <p:cNvPr id="2" name="Title 1"/>
           <p:cNvSpPr>
             <a:spLocks noGrp="1"/>
           </p:cNvSpPr>
@@ -1931,18 +4397,13 @@
               <a:rPr lang="en-US"/>
               <a:t>Click to edit Master title style</a:t>
             </a:r>
-          </a:p>
-        </p:txBody>
-      </p:sp>
-      <p:sp>
-        <p:nvSpPr>
-          <p:cNvPr id="3" name="Date Placeholder 2">
-            <a:extLst>
-              <a:ext uri="{FF2B5EF4-FFF2-40B4-BE49-F238E27FC236}">
-                <a16:creationId xmlns:a16="http://schemas.microsoft.com/office/drawing/2014/main" id="{A3039684-9EB1-4A81-88FC-21829B5162F9}"/>
-              </a:ext>
-            </a:extLst>
-          </p:cNvPr>
+            <a:endParaRPr lang="en-US" dirty="0"/>
+          </a:p>
+        </p:txBody>
+      </p:sp>
+      <p:sp>
+        <p:nvSpPr>
+          <p:cNvPr id="3" name="Date Placeholder 2"/>
           <p:cNvSpPr>
             <a:spLocks noGrp="1"/>
           </p:cNvSpPr>
@@ -1965,13 +4426,7 @@
       </p:sp>
       <p:sp>
         <p:nvSpPr>
-          <p:cNvPr id="4" name="Footer Placeholder 3">
-            <a:extLst>
-              <a:ext uri="{FF2B5EF4-FFF2-40B4-BE49-F238E27FC236}">
-                <a16:creationId xmlns:a16="http://schemas.microsoft.com/office/drawing/2014/main" id="{8E0CD76C-53F4-4C0C-9149-C7FDCB559F84}"/>
-              </a:ext>
-            </a:extLst>
-          </p:cNvPr>
+          <p:cNvPr id="4" name="Footer Placeholder 3"/>
           <p:cNvSpPr>
             <a:spLocks noGrp="1"/>
           </p:cNvSpPr>
@@ -1990,13 +4445,7 @@
       </p:sp>
       <p:sp>
         <p:nvSpPr>
-          <p:cNvPr id="5" name="Slide Number Placeholder 4">
-            <a:extLst>
-              <a:ext uri="{FF2B5EF4-FFF2-40B4-BE49-F238E27FC236}">
-                <a16:creationId xmlns:a16="http://schemas.microsoft.com/office/drawing/2014/main" id="{8A15B3D8-B310-4858-A916-674F0A1259FC}"/>
-              </a:ext>
-            </a:extLst>
-          </p:cNvPr>
+          <p:cNvPr id="5" name="Slide Number Placeholder 4"/>
           <p:cNvSpPr>
             <a:spLocks noGrp="1"/>
           </p:cNvSpPr>
@@ -2020,7 +4469,7 @@
     </p:spTree>
     <p:extLst>
       <p:ext uri="{BB962C8B-B14F-4D97-AF65-F5344CB8AC3E}">
-        <p14:creationId xmlns:p14="http://schemas.microsoft.com/office/powerpoint/2010/main" val="1448026139"/>
+        <p14:creationId xmlns:p14="http://schemas.microsoft.com/office/powerpoint/2010/main" val="2093889572"/>
       </p:ext>
     </p:extLst>
   </p:cSld>
@@ -2049,13 +4498,7 @@
       </p:grpSpPr>
       <p:sp>
         <p:nvSpPr>
-          <p:cNvPr id="2" name="Date Placeholder 1">
-            <a:extLst>
-              <a:ext uri="{FF2B5EF4-FFF2-40B4-BE49-F238E27FC236}">
-                <a16:creationId xmlns:a16="http://schemas.microsoft.com/office/drawing/2014/main" id="{2CDF9EC2-6342-4F66-BCA9-DDE29777F860}"/>
-              </a:ext>
-            </a:extLst>
-          </p:cNvPr>
+          <p:cNvPr id="2" name="Date Placeholder 1"/>
           <p:cNvSpPr>
             <a:spLocks noGrp="1"/>
           </p:cNvSpPr>
@@ -2078,13 +4521,7 @@
       </p:sp>
       <p:sp>
         <p:nvSpPr>
-          <p:cNvPr id="3" name="Footer Placeholder 2">
-            <a:extLst>
-              <a:ext uri="{FF2B5EF4-FFF2-40B4-BE49-F238E27FC236}">
-                <a16:creationId xmlns:a16="http://schemas.microsoft.com/office/drawing/2014/main" id="{3AD56719-3560-4FA6-B614-B236C1D5F409}"/>
-              </a:ext>
-            </a:extLst>
-          </p:cNvPr>
+          <p:cNvPr id="3" name="Footer Placeholder 2"/>
           <p:cNvSpPr>
             <a:spLocks noGrp="1"/>
           </p:cNvSpPr>
@@ -2103,13 +4540,7 @@
       </p:sp>
       <p:sp>
         <p:nvSpPr>
-          <p:cNvPr id="4" name="Slide Number Placeholder 3">
-            <a:extLst>
-              <a:ext uri="{FF2B5EF4-FFF2-40B4-BE49-F238E27FC236}">
-                <a16:creationId xmlns:a16="http://schemas.microsoft.com/office/drawing/2014/main" id="{E56DD1E6-F045-4435-92AD-444290F52D03}"/>
-              </a:ext>
-            </a:extLst>
-          </p:cNvPr>
+          <p:cNvPr id="4" name="Slide Number Placeholder 3"/>
           <p:cNvSpPr>
             <a:spLocks noGrp="1"/>
           </p:cNvSpPr>
@@ -2133,7 +4564,7 @@
     </p:spTree>
     <p:extLst>
       <p:ext uri="{BB962C8B-B14F-4D97-AF65-F5344CB8AC3E}">
-        <p14:creationId xmlns:p14="http://schemas.microsoft.com/office/powerpoint/2010/main" val="2656144133"/>
+        <p14:creationId xmlns:p14="http://schemas.microsoft.com/office/powerpoint/2010/main" val="1830667631"/>
       </p:ext>
     </p:extLst>
   </p:cSld>
@@ -2162,13 +4593,7 @@
       </p:grpSpPr>
       <p:sp>
         <p:nvSpPr>
-          <p:cNvPr id="2" name="Title 1">
-            <a:extLst>
-              <a:ext uri="{FF2B5EF4-FFF2-40B4-BE49-F238E27FC236}">
-                <a16:creationId xmlns:a16="http://schemas.microsoft.com/office/drawing/2014/main" id="{E8AF2CA0-3D41-41C5-BE5C-32BC40CA3FB4}"/>
-              </a:ext>
-            </a:extLst>
-          </p:cNvPr>
+          <p:cNvPr id="2" name="Title 1"/>
           <p:cNvSpPr>
             <a:spLocks noGrp="1"/>
           </p:cNvSpPr>
@@ -2178,175 +4603,171 @@
         </p:nvSpPr>
         <p:spPr>
           <a:xfrm>
-            <a:off x="839788" y="457200"/>
-            <a:ext cx="3932237" cy="1600200"/>
+            <a:off x="1484312" y="1600200"/>
+            <a:ext cx="3549121" cy="1371600"/>
           </a:xfrm>
         </p:spPr>
         <p:txBody>
-          <a:bodyPr anchor="b"/>
+          <a:bodyPr anchor="b">
+            <a:normAutofit/>
+          </a:bodyPr>
+          <a:lstStyle>
+            <a:lvl1pPr algn="ctr">
+              <a:defRPr sz="2400" b="0"/>
+            </a:lvl1pPr>
+          </a:lstStyle>
+          <a:p>
+            <a:r>
+              <a:rPr lang="en-US"/>
+              <a:t>Click to edit Master title style</a:t>
+            </a:r>
+            <a:endParaRPr lang="en-US" dirty="0"/>
+          </a:p>
+        </p:txBody>
+      </p:sp>
+      <p:sp>
+        <p:nvSpPr>
+          <p:cNvPr id="3" name="Content Placeholder 2"/>
+          <p:cNvSpPr>
+            <a:spLocks noGrp="1"/>
+          </p:cNvSpPr>
+          <p:nvPr>
+            <p:ph idx="1"/>
+          </p:nvPr>
+        </p:nvSpPr>
+        <p:spPr>
+          <a:xfrm>
+            <a:off x="5262033" y="685799"/>
+            <a:ext cx="6240990" cy="5105401"/>
+          </a:xfrm>
+        </p:spPr>
+        <p:txBody>
+          <a:bodyPr anchor="ctr">
+            <a:normAutofit/>
+          </a:bodyPr>
           <a:lstStyle>
             <a:lvl1pPr>
-              <a:defRPr sz="3200"/>
+              <a:defRPr sz="2000"/>
             </a:lvl1pPr>
+            <a:lvl2pPr>
+              <a:defRPr sz="1800"/>
+            </a:lvl2pPr>
+            <a:lvl3pPr>
+              <a:defRPr sz="1600"/>
+            </a:lvl3pPr>
+            <a:lvl4pPr>
+              <a:defRPr sz="1400"/>
+            </a:lvl4pPr>
+            <a:lvl5pPr>
+              <a:defRPr sz="1400"/>
+            </a:lvl5pPr>
+            <a:lvl6pPr>
+              <a:defRPr sz="1400"/>
+            </a:lvl6pPr>
+            <a:lvl7pPr>
+              <a:defRPr sz="1400"/>
+            </a:lvl7pPr>
+            <a:lvl8pPr>
+              <a:defRPr sz="1400"/>
+            </a:lvl8pPr>
+            <a:lvl9pPr>
+              <a:defRPr sz="1400"/>
+            </a:lvl9pPr>
           </a:lstStyle>
           <a:p>
-            <a:r>
-              <a:rPr lang="en-US"/>
-              <a:t>Click to edit Master title style</a:t>
-            </a:r>
-          </a:p>
-        </p:txBody>
-      </p:sp>
-      <p:sp>
-        <p:nvSpPr>
-          <p:cNvPr id="3" name="Content Placeholder 2">
-            <a:extLst>
-              <a:ext uri="{FF2B5EF4-FFF2-40B4-BE49-F238E27FC236}">
-                <a16:creationId xmlns:a16="http://schemas.microsoft.com/office/drawing/2014/main" id="{A0F0D83E-A75F-4433-BA07-ED98DBA2B16E}"/>
-              </a:ext>
-            </a:extLst>
-          </p:cNvPr>
-          <p:cNvSpPr>
-            <a:spLocks noGrp="1"/>
-          </p:cNvSpPr>
-          <p:nvPr>
-            <p:ph idx="1"/>
+            <a:pPr lvl="0"/>
+            <a:r>
+              <a:rPr lang="en-US"/>
+              <a:t>Edit Master text styles</a:t>
+            </a:r>
+          </a:p>
+          <a:p>
+            <a:pPr lvl="1"/>
+            <a:r>
+              <a:rPr lang="en-US"/>
+              <a:t>Second level</a:t>
+            </a:r>
+          </a:p>
+          <a:p>
+            <a:pPr lvl="2"/>
+            <a:r>
+              <a:rPr lang="en-US"/>
+              <a:t>Third level</a:t>
+            </a:r>
+          </a:p>
+          <a:p>
+            <a:pPr lvl="3"/>
+            <a:r>
+              <a:rPr lang="en-US"/>
+              <a:t>Fourth level</a:t>
+            </a:r>
+          </a:p>
+          <a:p>
+            <a:pPr lvl="4"/>
+            <a:r>
+              <a:rPr lang="en-US"/>
+              <a:t>Fifth level</a:t>
+            </a:r>
+            <a:endParaRPr lang="en-US" dirty="0"/>
+          </a:p>
+        </p:txBody>
+      </p:sp>
+      <p:sp>
+        <p:nvSpPr>
+          <p:cNvPr id="4" name="Text Placeholder 3"/>
+          <p:cNvSpPr>
+            <a:spLocks noGrp="1"/>
+          </p:cNvSpPr>
+          <p:nvPr>
+            <p:ph type="body" sz="half" idx="2"/>
           </p:nvPr>
         </p:nvSpPr>
         <p:spPr>
           <a:xfrm>
-            <a:off x="5183188" y="987425"/>
-            <a:ext cx="6172200" cy="4873625"/>
+            <a:off x="1484312" y="2971800"/>
+            <a:ext cx="3549121" cy="1828800"/>
           </a:xfrm>
         </p:spPr>
         <p:txBody>
-          <a:bodyPr/>
+          <a:bodyPr>
+            <a:normAutofit/>
+          </a:bodyPr>
           <a:lstStyle>
-            <a:lvl1pPr>
-              <a:defRPr sz="3200"/>
-            </a:lvl1pPr>
-            <a:lvl2pPr>
-              <a:defRPr sz="2800"/>
-            </a:lvl2pPr>
-            <a:lvl3pPr>
-              <a:defRPr sz="2400"/>
-            </a:lvl3pPr>
-            <a:lvl4pPr>
-              <a:defRPr sz="2000"/>
-            </a:lvl4pPr>
-            <a:lvl5pPr>
-              <a:defRPr sz="2000"/>
-            </a:lvl5pPr>
-            <a:lvl6pPr>
-              <a:defRPr sz="2000"/>
-            </a:lvl6pPr>
-            <a:lvl7pPr>
-              <a:defRPr sz="2000"/>
-            </a:lvl7pPr>
-            <a:lvl8pPr>
-              <a:defRPr sz="2000"/>
-            </a:lvl8pPr>
-            <a:lvl9pPr>
-              <a:defRPr sz="2000"/>
-            </a:lvl9pPr>
-          </a:lstStyle>
-          <a:p>
-            <a:pPr lvl="0"/>
-            <a:r>
-              <a:rPr lang="en-US"/>
-              <a:t>Edit Master text styles</a:t>
-            </a:r>
-          </a:p>
-          <a:p>
-            <a:pPr lvl="1"/>
-            <a:r>
-              <a:rPr lang="en-US"/>
-              <a:t>Second level</a:t>
-            </a:r>
-          </a:p>
-          <a:p>
-            <a:pPr lvl="2"/>
-            <a:r>
-              <a:rPr lang="en-US"/>
-              <a:t>Third level</a:t>
-            </a:r>
-          </a:p>
-          <a:p>
-            <a:pPr lvl="3"/>
-            <a:r>
-              <a:rPr lang="en-US"/>
-              <a:t>Fourth level</a:t>
-            </a:r>
-          </a:p>
-          <a:p>
-            <a:pPr lvl="4"/>
-            <a:r>
-              <a:rPr lang="en-US"/>
-              <a:t>Fifth level</a:t>
-            </a:r>
-          </a:p>
-        </p:txBody>
-      </p:sp>
-      <p:sp>
-        <p:nvSpPr>
-          <p:cNvPr id="4" name="Text Placeholder 3">
-            <a:extLst>
-              <a:ext uri="{FF2B5EF4-FFF2-40B4-BE49-F238E27FC236}">
-                <a16:creationId xmlns:a16="http://schemas.microsoft.com/office/drawing/2014/main" id="{F61D786C-ACAF-4ED2-B6E0-709A454047E7}"/>
-              </a:ext>
-            </a:extLst>
-          </p:cNvPr>
-          <p:cNvSpPr>
-            <a:spLocks noGrp="1"/>
-          </p:cNvSpPr>
-          <p:nvPr>
-            <p:ph type="body" sz="half" idx="2"/>
-          </p:nvPr>
-        </p:nvSpPr>
-        <p:spPr>
-          <a:xfrm>
-            <a:off x="839788" y="2057400"/>
-            <a:ext cx="3932237" cy="3811588"/>
-          </a:xfrm>
-        </p:spPr>
-        <p:txBody>
-          <a:bodyPr/>
-          <a:lstStyle>
-            <a:lvl1pPr marL="0" indent="0">
+            <a:lvl1pPr marL="0" indent="0" algn="ctr">
               <a:buNone/>
               <a:defRPr sz="1600"/>
             </a:lvl1pPr>
             <a:lvl2pPr marL="457200" indent="0">
               <a:buNone/>
-              <a:defRPr sz="1400"/>
+              <a:defRPr sz="1200"/>
             </a:lvl2pPr>
             <a:lvl3pPr marL="914400" indent="0">
               <a:buNone/>
-              <a:defRPr sz="1200"/>
+              <a:defRPr sz="1000"/>
             </a:lvl3pPr>
             <a:lvl4pPr marL="1371600" indent="0">
               <a:buNone/>
-              <a:defRPr sz="1000"/>
+              <a:defRPr sz="900"/>
             </a:lvl4pPr>
             <a:lvl5pPr marL="1828800" indent="0">
               <a:buNone/>
-              <a:defRPr sz="1000"/>
+              <a:defRPr sz="900"/>
             </a:lvl5pPr>
             <a:lvl6pPr marL="2286000" indent="0">
               <a:buNone/>
-              <a:defRPr sz="1000"/>
+              <a:defRPr sz="900"/>
             </a:lvl6pPr>
             <a:lvl7pPr marL="2743200" indent="0">
               <a:buNone/>
-              <a:defRPr sz="1000"/>
+              <a:defRPr sz="900"/>
             </a:lvl7pPr>
             <a:lvl8pPr marL="3200400" indent="0">
               <a:buNone/>
-              <a:defRPr sz="1000"/>
+              <a:defRPr sz="900"/>
             </a:lvl8pPr>
             <a:lvl9pPr marL="3657600" indent="0">
               <a:buNone/>
-              <a:defRPr sz="1000"/>
+              <a:defRPr sz="900"/>
             </a:lvl9pPr>
           </a:lstStyle>
           <a:p>
@@ -2360,13 +4781,7 @@
       </p:sp>
       <p:sp>
         <p:nvSpPr>
-          <p:cNvPr id="5" name="Date Placeholder 4">
-            <a:extLst>
-              <a:ext uri="{FF2B5EF4-FFF2-40B4-BE49-F238E27FC236}">
-                <a16:creationId xmlns:a16="http://schemas.microsoft.com/office/drawing/2014/main" id="{C1BA53E4-F26D-495E-83B6-AF5D56E8581A}"/>
-              </a:ext>
-            </a:extLst>
-          </p:cNvPr>
+          <p:cNvPr id="5" name="Date Placeholder 4"/>
           <p:cNvSpPr>
             <a:spLocks noGrp="1"/>
           </p:cNvSpPr>
@@ -2389,13 +4804,7 @@
       </p:sp>
       <p:sp>
         <p:nvSpPr>
-          <p:cNvPr id="6" name="Footer Placeholder 5">
-            <a:extLst>
-              <a:ext uri="{FF2B5EF4-FFF2-40B4-BE49-F238E27FC236}">
-                <a16:creationId xmlns:a16="http://schemas.microsoft.com/office/drawing/2014/main" id="{135F35B9-D961-4F0B-A58A-D4C03B56513B}"/>
-              </a:ext>
-            </a:extLst>
-          </p:cNvPr>
+          <p:cNvPr id="6" name="Footer Placeholder 5"/>
           <p:cNvSpPr>
             <a:spLocks noGrp="1"/>
           </p:cNvSpPr>
@@ -2414,13 +4823,7 @@
       </p:sp>
       <p:sp>
         <p:nvSpPr>
-          <p:cNvPr id="7" name="Slide Number Placeholder 6">
-            <a:extLst>
-              <a:ext uri="{FF2B5EF4-FFF2-40B4-BE49-F238E27FC236}">
-                <a16:creationId xmlns:a16="http://schemas.microsoft.com/office/drawing/2014/main" id="{6D0CD0CA-641E-4ACF-B09E-6082761B2698}"/>
-              </a:ext>
-            </a:extLst>
-          </p:cNvPr>
+          <p:cNvPr id="7" name="Slide Number Placeholder 6"/>
           <p:cNvSpPr>
             <a:spLocks noGrp="1"/>
           </p:cNvSpPr>
@@ -2444,7 +4847,7 @@
     </p:spTree>
     <p:extLst>
       <p:ext uri="{BB962C8B-B14F-4D97-AF65-F5344CB8AC3E}">
-        <p14:creationId xmlns:p14="http://schemas.microsoft.com/office/powerpoint/2010/main" val="1699051315"/>
+        <p14:creationId xmlns:p14="http://schemas.microsoft.com/office/powerpoint/2010/main" val="1184634128"/>
       </p:ext>
     </p:extLst>
   </p:cSld>
@@ -2473,13 +4876,7 @@
       </p:grpSpPr>
       <p:sp>
         <p:nvSpPr>
-          <p:cNvPr id="2" name="Title 1">
-            <a:extLst>
-              <a:ext uri="{FF2B5EF4-FFF2-40B4-BE49-F238E27FC236}">
-                <a16:creationId xmlns:a16="http://schemas.microsoft.com/office/drawing/2014/main" id="{187DFD42-472C-4EBC-ACF4-8A9B0D696F78}"/>
-              </a:ext>
-            </a:extLst>
-          </p:cNvPr>
+          <p:cNvPr id="2" name="Title 1"/>
           <p:cNvSpPr>
             <a:spLocks noGrp="1"/>
           </p:cNvSpPr>
@@ -2489,15 +4886,17 @@
         </p:nvSpPr>
         <p:spPr>
           <a:xfrm>
-            <a:off x="839788" y="457200"/>
-            <a:ext cx="3932237" cy="1600200"/>
+            <a:off x="1482724" y="1752599"/>
+            <a:ext cx="5426158" cy="1371600"/>
           </a:xfrm>
         </p:spPr>
         <p:txBody>
-          <a:bodyPr anchor="b"/>
+          <a:bodyPr anchor="b">
+            <a:normAutofit/>
+          </a:bodyPr>
           <a:lstStyle>
-            <a:lvl1pPr>
-              <a:defRPr sz="3200"/>
+            <a:lvl1pPr algn="ctr">
+              <a:defRPr sz="2800" b="0"/>
             </a:lvl1pPr>
           </a:lstStyle>
           <a:p>
@@ -2505,20 +4904,15 @@
               <a:rPr lang="en-US"/>
               <a:t>Click to edit Master title style</a:t>
             </a:r>
-          </a:p>
-        </p:txBody>
-      </p:sp>
-      <p:sp>
-        <p:nvSpPr>
-          <p:cNvPr id="3" name="Picture Placeholder 2">
-            <a:extLst>
-              <a:ext uri="{FF2B5EF4-FFF2-40B4-BE49-F238E27FC236}">
-                <a16:creationId xmlns:a16="http://schemas.microsoft.com/office/drawing/2014/main" id="{E647B5EB-042A-4BF8-BA1A-AAD6CCCADDEB}"/>
-              </a:ext>
-            </a:extLst>
-          </p:cNvPr>
-          <p:cNvSpPr>
-            <a:spLocks noGrp="1"/>
+            <a:endParaRPr lang="en-US" dirty="0"/>
+          </a:p>
+        </p:txBody>
+      </p:sp>
+      <p:sp>
+        <p:nvSpPr>
+          <p:cNvPr id="14" name="Picture Placeholder 2"/>
+          <p:cNvSpPr>
+            <a:spLocks noGrp="1" noChangeAspect="1"/>
           </p:cNvSpPr>
           <p:nvPr>
             <p:ph type="pic" idx="1"/>
@@ -2526,118 +4920,148 @@
         </p:nvSpPr>
         <p:spPr>
           <a:xfrm>
-            <a:off x="5183188" y="987425"/>
-            <a:ext cx="6172200" cy="4873625"/>
+            <a:off x="7594682" y="914400"/>
+            <a:ext cx="3280974" cy="4572000"/>
           </a:xfrm>
+          <a:prstGeom prst="roundRect">
+            <a:avLst>
+              <a:gd name="adj" fmla="val 4280"/>
+            </a:avLst>
+          </a:prstGeom>
+          <a:ln w="38100">
+            <a:gradFill flip="none" rotWithShape="1">
+              <a:gsLst>
+                <a:gs pos="0">
+                  <a:schemeClr val="bg2"/>
+                </a:gs>
+                <a:gs pos="100000">
+                  <a:schemeClr val="bg2">
+                    <a:lumMod val="75000"/>
+                  </a:schemeClr>
+                </a:gs>
+              </a:gsLst>
+              <a:lin ang="5400000" scaled="0"/>
+              <a:tileRect/>
+            </a:gradFill>
+          </a:ln>
+          <a:effectLst>
+            <a:innerShdw blurRad="57150" dist="38100" dir="14460000">
+              <a:srgbClr val="000000">
+                <a:alpha val="70000"/>
+              </a:srgbClr>
+            </a:innerShdw>
+          </a:effectLst>
         </p:spPr>
         <p:txBody>
-          <a:bodyPr/>
+          <a:bodyPr anchor="t">
+            <a:normAutofit/>
+          </a:bodyPr>
           <a:lstStyle>
-            <a:lvl1pPr marL="0" indent="0">
-              <a:buNone/>
-              <a:defRPr sz="3200"/>
-            </a:lvl1pPr>
-            <a:lvl2pPr marL="457200" indent="0">
-              <a:buNone/>
-              <a:defRPr sz="2800"/>
-            </a:lvl2pPr>
-            <a:lvl3pPr marL="914400" indent="0">
-              <a:buNone/>
-              <a:defRPr sz="2400"/>
-            </a:lvl3pPr>
-            <a:lvl4pPr marL="1371600" indent="0">
-              <a:buNone/>
-              <a:defRPr sz="2000"/>
-            </a:lvl4pPr>
-            <a:lvl5pPr marL="1828800" indent="0">
-              <a:buNone/>
-              <a:defRPr sz="2000"/>
-            </a:lvl5pPr>
-            <a:lvl6pPr marL="2286000" indent="0">
-              <a:buNone/>
-              <a:defRPr sz="2000"/>
-            </a:lvl6pPr>
-            <a:lvl7pPr marL="2743200" indent="0">
-              <a:buNone/>
-              <a:defRPr sz="2000"/>
-            </a:lvl7pPr>
-            <a:lvl8pPr marL="3200400" indent="0">
-              <a:buNone/>
-              <a:defRPr sz="2000"/>
-            </a:lvl8pPr>
-            <a:lvl9pPr marL="3657600" indent="0">
-              <a:buNone/>
-              <a:defRPr sz="2000"/>
-            </a:lvl9pPr>
-          </a:lstStyle>
-          <a:p>
-            <a:endParaRPr lang="en-US"/>
-          </a:p>
-        </p:txBody>
-      </p:sp>
-      <p:sp>
-        <p:nvSpPr>
-          <p:cNvPr id="4" name="Text Placeholder 3">
-            <a:extLst>
-              <a:ext uri="{FF2B5EF4-FFF2-40B4-BE49-F238E27FC236}">
-                <a16:creationId xmlns:a16="http://schemas.microsoft.com/office/drawing/2014/main" id="{B0BC23D1-A7F8-4304-A425-6216B600EA74}"/>
-              </a:ext>
-            </a:extLst>
-          </p:cNvPr>
-          <p:cNvSpPr>
-            <a:spLocks noGrp="1"/>
-          </p:cNvSpPr>
-          <p:nvPr>
-            <p:ph type="body" sz="half" idx="2"/>
-          </p:nvPr>
-        </p:nvSpPr>
-        <p:spPr>
-          <a:xfrm>
-            <a:off x="839788" y="2057400"/>
-            <a:ext cx="3932237" cy="3811588"/>
-          </a:xfrm>
-        </p:spPr>
-        <p:txBody>
-          <a:bodyPr/>
-          <a:lstStyle>
-            <a:lvl1pPr marL="0" indent="0">
+            <a:lvl1pPr marL="0" indent="0" algn="ctr">
               <a:buNone/>
               <a:defRPr sz="1600"/>
             </a:lvl1pPr>
             <a:lvl2pPr marL="457200" indent="0">
               <a:buNone/>
-              <a:defRPr sz="1400"/>
+              <a:defRPr sz="1600"/>
             </a:lvl2pPr>
             <a:lvl3pPr marL="914400" indent="0">
               <a:buNone/>
-              <a:defRPr sz="1200"/>
+              <a:defRPr sz="1600"/>
             </a:lvl3pPr>
             <a:lvl4pPr marL="1371600" indent="0">
               <a:buNone/>
-              <a:defRPr sz="1000"/>
+              <a:defRPr sz="1600"/>
             </a:lvl4pPr>
             <a:lvl5pPr marL="1828800" indent="0">
               <a:buNone/>
-              <a:defRPr sz="1000"/>
+              <a:defRPr sz="1600"/>
             </a:lvl5pPr>
             <a:lvl6pPr marL="2286000" indent="0">
               <a:buNone/>
-              <a:defRPr sz="1000"/>
+              <a:defRPr sz="1600"/>
             </a:lvl6pPr>
             <a:lvl7pPr marL="2743200" indent="0">
               <a:buNone/>
-              <a:defRPr sz="1000"/>
+              <a:defRPr sz="1600"/>
             </a:lvl7pPr>
             <a:lvl8pPr marL="3200400" indent="0">
               <a:buNone/>
-              <a:defRPr sz="1000"/>
+              <a:defRPr sz="1600"/>
             </a:lvl8pPr>
             <a:lvl9pPr marL="3657600" indent="0">
               <a:buNone/>
-              <a:defRPr sz="1000"/>
+              <a:defRPr sz="1600"/>
             </a:lvl9pPr>
           </a:lstStyle>
           <a:p>
+            <a:r>
+              <a:rPr lang="en-US"/>
+              <a:t>Click icon to add picture</a:t>
+            </a:r>
+            <a:endParaRPr lang="en-US" dirty="0"/>
+          </a:p>
+        </p:txBody>
+      </p:sp>
+      <p:sp>
+        <p:nvSpPr>
+          <p:cNvPr id="4" name="Text Placeholder 3"/>
+          <p:cNvSpPr>
+            <a:spLocks noGrp="1"/>
+          </p:cNvSpPr>
+          <p:nvPr>
+            <p:ph type="body" sz="half" idx="2"/>
+          </p:nvPr>
+        </p:nvSpPr>
+        <p:spPr>
+          <a:xfrm>
+            <a:off x="1482724" y="3124199"/>
+            <a:ext cx="5426158" cy="1828800"/>
+          </a:xfrm>
+        </p:spPr>
+        <p:txBody>
+          <a:bodyPr>
+            <a:normAutofit/>
+          </a:bodyPr>
+          <a:lstStyle>
+            <a:lvl1pPr marL="0" indent="0" algn="ctr">
+              <a:buNone/>
+              <a:defRPr sz="1800"/>
+            </a:lvl1pPr>
+            <a:lvl2pPr marL="457200" indent="0">
+              <a:buNone/>
+              <a:defRPr sz="1200"/>
+            </a:lvl2pPr>
+            <a:lvl3pPr marL="914400" indent="0">
+              <a:buNone/>
+              <a:defRPr sz="1000"/>
+            </a:lvl3pPr>
+            <a:lvl4pPr marL="1371600" indent="0">
+              <a:buNone/>
+              <a:defRPr sz="900"/>
+            </a:lvl4pPr>
+            <a:lvl5pPr marL="1828800" indent="0">
+              <a:buNone/>
+              <a:defRPr sz="900"/>
+            </a:lvl5pPr>
+            <a:lvl6pPr marL="2286000" indent="0">
+              <a:buNone/>
+              <a:defRPr sz="900"/>
+            </a:lvl6pPr>
+            <a:lvl7pPr marL="2743200" indent="0">
+              <a:buNone/>
+              <a:defRPr sz="900"/>
+            </a:lvl7pPr>
+            <a:lvl8pPr marL="3200400" indent="0">
+              <a:buNone/>
+              <a:defRPr sz="900"/>
+            </a:lvl8pPr>
+            <a:lvl9pPr marL="3657600" indent="0">
+              <a:buNone/>
+              <a:defRPr sz="900"/>
+            </a:lvl9pPr>
+          </a:lstStyle>
+          <a:p>
             <a:pPr lvl="0"/>
             <a:r>
               <a:rPr lang="en-US"/>
@@ -2648,13 +5072,7 @@
       </p:sp>
       <p:sp>
         <p:nvSpPr>
-          <p:cNvPr id="5" name="Date Placeholder 4">
-            <a:extLst>
-              <a:ext uri="{FF2B5EF4-FFF2-40B4-BE49-F238E27FC236}">
-                <a16:creationId xmlns:a16="http://schemas.microsoft.com/office/drawing/2014/main" id="{EF9B96BA-1FB4-4506-BE0D-7BBF2DA8F140}"/>
-              </a:ext>
-            </a:extLst>
-          </p:cNvPr>
+          <p:cNvPr id="5" name="Date Placeholder 4"/>
           <p:cNvSpPr>
             <a:spLocks noGrp="1"/>
           </p:cNvSpPr>
@@ -2677,13 +5095,7 @@
       </p:sp>
       <p:sp>
         <p:nvSpPr>
-          <p:cNvPr id="6" name="Footer Placeholder 5">
-            <a:extLst>
-              <a:ext uri="{FF2B5EF4-FFF2-40B4-BE49-F238E27FC236}">
-                <a16:creationId xmlns:a16="http://schemas.microsoft.com/office/drawing/2014/main" id="{F939CC21-0F09-4613-995F-84FB913A804E}"/>
-              </a:ext>
-            </a:extLst>
-          </p:cNvPr>
+          <p:cNvPr id="6" name="Footer Placeholder 5"/>
           <p:cNvSpPr>
             <a:spLocks noGrp="1"/>
           </p:cNvSpPr>
@@ -2702,13 +5114,7 @@
       </p:sp>
       <p:sp>
         <p:nvSpPr>
-          <p:cNvPr id="7" name="Slide Number Placeholder 6">
-            <a:extLst>
-              <a:ext uri="{FF2B5EF4-FFF2-40B4-BE49-F238E27FC236}">
-                <a16:creationId xmlns:a16="http://schemas.microsoft.com/office/drawing/2014/main" id="{7731EE52-3B61-4F38-8F37-20241F774D1A}"/>
-              </a:ext>
-            </a:extLst>
-          </p:cNvPr>
+          <p:cNvPr id="7" name="Slide Number Placeholder 6"/>
           <p:cNvSpPr>
             <a:spLocks noGrp="1"/>
           </p:cNvSpPr>
@@ -2732,7 +5138,7 @@
     </p:spTree>
     <p:extLst>
       <p:ext uri="{BB962C8B-B14F-4D97-AF65-F5344CB8AC3E}">
-        <p14:creationId xmlns:p14="http://schemas.microsoft.com/office/powerpoint/2010/main" val="2605121665"/>
+        <p14:creationId xmlns:p14="http://schemas.microsoft.com/office/powerpoint/2010/main" val="247319676"/>
       </p:ext>
     </p:extLst>
   </p:cSld>
@@ -2746,8 +5152,8 @@
 <p:sldMaster xmlns:a="http://schemas.openxmlformats.org/drawingml/2006/main" xmlns:r="http://schemas.openxmlformats.org/officeDocument/2006/relationships" xmlns:p="http://schemas.openxmlformats.org/presentationml/2006/main">
   <p:cSld>
     <p:bg>
-      <p:bgRef idx="1001">
-        <a:schemeClr val="bg1"/>
+      <p:bgRef idx="1003">
+        <a:schemeClr val="bg2"/>
       </p:bgRef>
     </p:bg>
     <p:spTree>
@@ -2764,15 +5170,325 @@
           <a:chExt cx="0" cy="0"/>
         </a:xfrm>
       </p:grpSpPr>
-      <p:sp>
-        <p:nvSpPr>
-          <p:cNvPr id="2" name="Title Placeholder 1">
-            <a:extLst>
-              <a:ext uri="{FF2B5EF4-FFF2-40B4-BE49-F238E27FC236}">
-                <a16:creationId xmlns:a16="http://schemas.microsoft.com/office/drawing/2014/main" id="{E3F3B991-7687-4F3A-A912-2CE497A8E487}"/>
-              </a:ext>
-            </a:extLst>
-          </p:cNvPr>
+      <p:grpSp>
+        <p:nvGrpSpPr>
+          <p:cNvPr id="7" name="Group 6"/>
+          <p:cNvGrpSpPr/>
+          <p:nvPr/>
+        </p:nvGrpSpPr>
+        <p:grpSpPr>
+          <a:xfrm>
+            <a:off x="150812" y="0"/>
+            <a:ext cx="2436813" cy="6858001"/>
+            <a:chOff x="1320800" y="0"/>
+            <a:chExt cx="2436813" cy="6858001"/>
+          </a:xfrm>
+        </p:grpSpPr>
+        <p:sp>
+          <p:nvSpPr>
+            <p:cNvPr id="8" name="Freeform 6"/>
+            <p:cNvSpPr/>
+            <p:nvPr/>
+          </p:nvSpPr>
+          <p:spPr bwMode="auto">
+            <a:xfrm>
+              <a:off x="1627188" y="0"/>
+              <a:ext cx="1122363" cy="5329238"/>
+            </a:xfrm>
+            <a:custGeom>
+              <a:avLst/>
+              <a:gdLst/>
+              <a:ahLst/>
+              <a:cxnLst/>
+              <a:rect l="0" t="0" r="r" b="b"/>
+              <a:pathLst>
+                <a:path w="707" h="3357">
+                  <a:moveTo>
+                    <a:pt x="0" y="3330"/>
+                  </a:moveTo>
+                  <a:lnTo>
+                    <a:pt x="156" y="3357"/>
+                  </a:lnTo>
+                  <a:lnTo>
+                    <a:pt x="707" y="0"/>
+                  </a:lnTo>
+                  <a:lnTo>
+                    <a:pt x="547" y="0"/>
+                  </a:lnTo>
+                  <a:lnTo>
+                    <a:pt x="0" y="3330"/>
+                  </a:lnTo>
+                  <a:close/>
+                </a:path>
+              </a:pathLst>
+            </a:custGeom>
+            <a:solidFill>
+              <a:schemeClr val="accent1"/>
+            </a:solidFill>
+            <a:ln>
+              <a:noFill/>
+            </a:ln>
+          </p:spPr>
+        </p:sp>
+        <p:sp>
+          <p:nvSpPr>
+            <p:cNvPr id="9" name="Freeform 7"/>
+            <p:cNvSpPr/>
+            <p:nvPr/>
+          </p:nvSpPr>
+          <p:spPr bwMode="auto">
+            <a:xfrm>
+              <a:off x="1320800" y="0"/>
+              <a:ext cx="1117600" cy="5276850"/>
+            </a:xfrm>
+            <a:custGeom>
+              <a:avLst/>
+              <a:gdLst/>
+              <a:ahLst/>
+              <a:cxnLst/>
+              <a:rect l="0" t="0" r="r" b="b"/>
+              <a:pathLst>
+                <a:path w="704" h="3324">
+                  <a:moveTo>
+                    <a:pt x="704" y="0"/>
+                  </a:moveTo>
+                  <a:lnTo>
+                    <a:pt x="545" y="0"/>
+                  </a:lnTo>
+                  <a:lnTo>
+                    <a:pt x="0" y="3300"/>
+                  </a:lnTo>
+                  <a:lnTo>
+                    <a:pt x="157" y="3324"/>
+                  </a:lnTo>
+                  <a:lnTo>
+                    <a:pt x="704" y="0"/>
+                  </a:lnTo>
+                  <a:close/>
+                </a:path>
+              </a:pathLst>
+            </a:custGeom>
+            <a:solidFill>
+              <a:schemeClr val="tx1">
+                <a:lumMod val="65000"/>
+                <a:lumOff val="35000"/>
+              </a:schemeClr>
+            </a:solidFill>
+            <a:ln>
+              <a:noFill/>
+            </a:ln>
+          </p:spPr>
+        </p:sp>
+        <p:sp>
+          <p:nvSpPr>
+            <p:cNvPr id="10" name="Freeform 8"/>
+            <p:cNvSpPr/>
+            <p:nvPr/>
+          </p:nvSpPr>
+          <p:spPr bwMode="auto">
+            <a:xfrm>
+              <a:off x="1320800" y="5238750"/>
+              <a:ext cx="1228725" cy="1619250"/>
+            </a:xfrm>
+            <a:custGeom>
+              <a:avLst/>
+              <a:gdLst/>
+              <a:ahLst/>
+              <a:cxnLst/>
+              <a:rect l="0" t="0" r="r" b="b"/>
+              <a:pathLst>
+                <a:path w="774" h="1020">
+                  <a:moveTo>
+                    <a:pt x="0" y="0"/>
+                  </a:moveTo>
+                  <a:lnTo>
+                    <a:pt x="740" y="1020"/>
+                  </a:lnTo>
+                  <a:lnTo>
+                    <a:pt x="774" y="1020"/>
+                  </a:lnTo>
+                  <a:lnTo>
+                    <a:pt x="0" y="0"/>
+                  </a:lnTo>
+                  <a:close/>
+                </a:path>
+              </a:pathLst>
+            </a:custGeom>
+            <a:solidFill>
+              <a:schemeClr val="tx1">
+                <a:lumMod val="85000"/>
+                <a:lumOff val="15000"/>
+              </a:schemeClr>
+            </a:solidFill>
+            <a:ln>
+              <a:noFill/>
+            </a:ln>
+          </p:spPr>
+        </p:sp>
+        <p:sp>
+          <p:nvSpPr>
+            <p:cNvPr id="11" name="Freeform 9"/>
+            <p:cNvSpPr/>
+            <p:nvPr/>
+          </p:nvSpPr>
+          <p:spPr bwMode="auto">
+            <a:xfrm>
+              <a:off x="1627188" y="5291138"/>
+              <a:ext cx="1495425" cy="1566863"/>
+            </a:xfrm>
+            <a:custGeom>
+              <a:avLst/>
+              <a:gdLst/>
+              <a:ahLst/>
+              <a:cxnLst/>
+              <a:rect l="0" t="0" r="r" b="b"/>
+              <a:pathLst>
+                <a:path w="942" h="987">
+                  <a:moveTo>
+                    <a:pt x="0" y="0"/>
+                  </a:moveTo>
+                  <a:lnTo>
+                    <a:pt x="909" y="987"/>
+                  </a:lnTo>
+                  <a:lnTo>
+                    <a:pt x="942" y="987"/>
+                  </a:lnTo>
+                  <a:lnTo>
+                    <a:pt x="0" y="0"/>
+                  </a:lnTo>
+                  <a:close/>
+                </a:path>
+              </a:pathLst>
+            </a:custGeom>
+            <a:solidFill>
+              <a:schemeClr val="accent1">
+                <a:lumMod val="50000"/>
+              </a:schemeClr>
+            </a:solidFill>
+            <a:ln>
+              <a:noFill/>
+            </a:ln>
+          </p:spPr>
+        </p:sp>
+        <p:sp>
+          <p:nvSpPr>
+            <p:cNvPr id="12" name="Freeform 10"/>
+            <p:cNvSpPr/>
+            <p:nvPr/>
+          </p:nvSpPr>
+          <p:spPr bwMode="auto">
+            <a:xfrm>
+              <a:off x="1627188" y="5286375"/>
+              <a:ext cx="2130425" cy="1571625"/>
+            </a:xfrm>
+            <a:custGeom>
+              <a:avLst/>
+              <a:gdLst/>
+              <a:ahLst/>
+              <a:cxnLst/>
+              <a:rect l="0" t="0" r="r" b="b"/>
+              <a:pathLst>
+                <a:path w="1342" h="990">
+                  <a:moveTo>
+                    <a:pt x="0" y="3"/>
+                  </a:moveTo>
+                  <a:lnTo>
+                    <a:pt x="942" y="990"/>
+                  </a:lnTo>
+                  <a:lnTo>
+                    <a:pt x="1342" y="990"/>
+                  </a:lnTo>
+                  <a:lnTo>
+                    <a:pt x="156" y="27"/>
+                  </a:lnTo>
+                  <a:lnTo>
+                    <a:pt x="0" y="0"/>
+                  </a:lnTo>
+                  <a:lnTo>
+                    <a:pt x="0" y="3"/>
+                  </a:lnTo>
+                  <a:close/>
+                </a:path>
+              </a:pathLst>
+            </a:custGeom>
+            <a:solidFill>
+              <a:schemeClr val="accent1">
+                <a:lumMod val="75000"/>
+              </a:schemeClr>
+            </a:solidFill>
+            <a:ln>
+              <a:noFill/>
+            </a:ln>
+          </p:spPr>
+        </p:sp>
+        <p:sp>
+          <p:nvSpPr>
+            <p:cNvPr id="13" name="Freeform 11"/>
+            <p:cNvSpPr/>
+            <p:nvPr/>
+          </p:nvSpPr>
+          <p:spPr bwMode="auto">
+            <a:xfrm>
+              <a:off x="1320800" y="5238750"/>
+              <a:ext cx="1695450" cy="1619250"/>
+            </a:xfrm>
+            <a:custGeom>
+              <a:avLst/>
+              <a:gdLst/>
+              <a:ahLst/>
+              <a:cxnLst/>
+              <a:rect l="0" t="0" r="r" b="b"/>
+              <a:pathLst>
+                <a:path w="1068" h="1020">
+                  <a:moveTo>
+                    <a:pt x="1068" y="1020"/>
+                  </a:moveTo>
+                  <a:lnTo>
+                    <a:pt x="184" y="60"/>
+                  </a:lnTo>
+                  <a:lnTo>
+                    <a:pt x="154" y="27"/>
+                  </a:lnTo>
+                  <a:lnTo>
+                    <a:pt x="157" y="27"/>
+                  </a:lnTo>
+                  <a:lnTo>
+                    <a:pt x="157" y="24"/>
+                  </a:lnTo>
+                  <a:lnTo>
+                    <a:pt x="154" y="24"/>
+                  </a:lnTo>
+                  <a:lnTo>
+                    <a:pt x="0" y="0"/>
+                  </a:lnTo>
+                  <a:lnTo>
+                    <a:pt x="0" y="0"/>
+                  </a:lnTo>
+                  <a:lnTo>
+                    <a:pt x="774" y="1020"/>
+                  </a:lnTo>
+                  <a:lnTo>
+                    <a:pt x="1068" y="1020"/>
+                  </a:lnTo>
+                  <a:close/>
+                </a:path>
+              </a:pathLst>
+            </a:custGeom>
+            <a:solidFill>
+              <a:schemeClr val="tx1">
+                <a:lumMod val="75000"/>
+                <a:lumOff val="25000"/>
+              </a:schemeClr>
+            </a:solidFill>
+            <a:ln>
+              <a:noFill/>
+            </a:ln>
+          </p:spPr>
+        </p:sp>
+      </p:grpSp>
+      <p:sp>
+        <p:nvSpPr>
+          <p:cNvPr id="2" name="Title Placeholder 1"/>
           <p:cNvSpPr>
             <a:spLocks noGrp="1"/>
           </p:cNvSpPr>
@@ -2782,8 +5498,42 @@
         </p:nvSpPr>
         <p:spPr>
           <a:xfrm>
-            <a:off x="838200" y="365125"/>
-            <a:ext cx="10515600" cy="1325563"/>
+            <a:off x="1484311" y="685800"/>
+            <a:ext cx="10018713" cy="1752599"/>
+          </a:xfrm>
+          <a:prstGeom prst="rect">
+            <a:avLst/>
+          </a:prstGeom>
+          <a:effectLst/>
+        </p:spPr>
+        <p:txBody>
+          <a:bodyPr vert="horz" lIns="91440" tIns="45720" rIns="91440" bIns="45720" rtlCol="0" anchor="ctr">
+            <a:normAutofit/>
+          </a:bodyPr>
+          <a:lstStyle/>
+          <a:p>
+            <a:r>
+              <a:rPr lang="en-US"/>
+              <a:t>Click to edit Master title style</a:t>
+            </a:r>
+            <a:endParaRPr lang="en-US" dirty="0"/>
+          </a:p>
+        </p:txBody>
+      </p:sp>
+      <p:sp>
+        <p:nvSpPr>
+          <p:cNvPr id="3" name="Text Placeholder 2"/>
+          <p:cNvSpPr>
+            <a:spLocks noGrp="1"/>
+          </p:cNvSpPr>
+          <p:nvPr>
+            <p:ph type="body" idx="1"/>
+          </p:nvPr>
+        </p:nvSpPr>
+        <p:spPr>
+          <a:xfrm>
+            <a:off x="1484310" y="2666999"/>
+            <a:ext cx="10018713" cy="3124201"/>
           </a:xfrm>
           <a:prstGeom prst="rect">
             <a:avLst/>
@@ -2795,100 +5545,98 @@
           </a:bodyPr>
           <a:lstStyle/>
           <a:p>
-            <a:r>
-              <a:rPr lang="en-US"/>
-              <a:t>Click to edit Master title style</a:t>
-            </a:r>
-          </a:p>
-        </p:txBody>
-      </p:sp>
-      <p:sp>
-        <p:nvSpPr>
-          <p:cNvPr id="3" name="Text Placeholder 2">
-            <a:extLst>
-              <a:ext uri="{FF2B5EF4-FFF2-40B4-BE49-F238E27FC236}">
-                <a16:creationId xmlns:a16="http://schemas.microsoft.com/office/drawing/2014/main" id="{617D9888-0B1D-4DD3-913D-0E1A92138BA6}"/>
-              </a:ext>
-            </a:extLst>
-          </p:cNvPr>
-          <p:cNvSpPr>
-            <a:spLocks noGrp="1"/>
-          </p:cNvSpPr>
-          <p:nvPr>
-            <p:ph type="body" idx="1"/>
+            <a:pPr lvl="0"/>
+            <a:r>
+              <a:rPr lang="en-US"/>
+              <a:t>Edit Master text styles</a:t>
+            </a:r>
+          </a:p>
+          <a:p>
+            <a:pPr lvl="1"/>
+            <a:r>
+              <a:rPr lang="en-US"/>
+              <a:t>Second level</a:t>
+            </a:r>
+          </a:p>
+          <a:p>
+            <a:pPr lvl="2"/>
+            <a:r>
+              <a:rPr lang="en-US"/>
+              <a:t>Third level</a:t>
+            </a:r>
+          </a:p>
+          <a:p>
+            <a:pPr lvl="3"/>
+            <a:r>
+              <a:rPr lang="en-US"/>
+              <a:t>Fourth level</a:t>
+            </a:r>
+          </a:p>
+          <a:p>
+            <a:pPr lvl="4"/>
+            <a:r>
+              <a:rPr lang="en-US"/>
+              <a:t>Fifth level</a:t>
+            </a:r>
+            <a:endParaRPr lang="en-US" dirty="0"/>
+          </a:p>
+        </p:txBody>
+      </p:sp>
+      <p:sp>
+        <p:nvSpPr>
+          <p:cNvPr id="4" name="Date Placeholder 3"/>
+          <p:cNvSpPr>
+            <a:spLocks noGrp="1"/>
+          </p:cNvSpPr>
+          <p:nvPr>
+            <p:ph type="dt" sz="half" idx="2"/>
           </p:nvPr>
         </p:nvSpPr>
         <p:spPr>
           <a:xfrm>
-            <a:off x="838200" y="1825625"/>
-            <a:ext cx="10515600" cy="4351338"/>
+            <a:off x="9732656" y="5883275"/>
+            <a:ext cx="1143000" cy="365125"/>
           </a:xfrm>
           <a:prstGeom prst="rect">
             <a:avLst/>
           </a:prstGeom>
         </p:spPr>
         <p:txBody>
-          <a:bodyPr vert="horz" lIns="91440" tIns="45720" rIns="91440" bIns="45720" rtlCol="0">
-            <a:normAutofit/>
-          </a:bodyPr>
-          <a:lstStyle/>
-          <a:p>
-            <a:pPr lvl="0"/>
-            <a:r>
-              <a:rPr lang="en-US"/>
-              <a:t>Edit Master text styles</a:t>
-            </a:r>
-          </a:p>
-          <a:p>
-            <a:pPr lvl="1"/>
-            <a:r>
-              <a:rPr lang="en-US"/>
-              <a:t>Second level</a:t>
-            </a:r>
-          </a:p>
-          <a:p>
-            <a:pPr lvl="2"/>
-            <a:r>
-              <a:rPr lang="en-US"/>
-              <a:t>Third level</a:t>
-            </a:r>
-          </a:p>
-          <a:p>
-            <a:pPr lvl="3"/>
-            <a:r>
-              <a:rPr lang="en-US"/>
-              <a:t>Fourth level</a:t>
-            </a:r>
-          </a:p>
-          <a:p>
-            <a:pPr lvl="4"/>
-            <a:r>
-              <a:rPr lang="en-US"/>
-              <a:t>Fifth level</a:t>
-            </a:r>
-          </a:p>
-        </p:txBody>
-      </p:sp>
-      <p:sp>
-        <p:nvSpPr>
-          <p:cNvPr id="4" name="Date Placeholder 3">
-            <a:extLst>
-              <a:ext uri="{FF2B5EF4-FFF2-40B4-BE49-F238E27FC236}">
-                <a16:creationId xmlns:a16="http://schemas.microsoft.com/office/drawing/2014/main" id="{281534A0-A39D-4036-A898-6A91CA0F5F2C}"/>
-              </a:ext>
-            </a:extLst>
-          </p:cNvPr>
-          <p:cNvSpPr>
-            <a:spLocks noGrp="1"/>
-          </p:cNvSpPr>
-          <p:nvPr>
-            <p:ph type="dt" sz="half" idx="2"/>
+          <a:bodyPr vert="horz" lIns="91440" tIns="45720" rIns="91440" bIns="45720" rtlCol="0" anchor="ctr"/>
+          <a:lstStyle>
+            <a:lvl1pPr algn="r">
+              <a:defRPr sz="1000" b="0" i="0">
+                <a:solidFill>
+                  <a:schemeClr val="tx1"/>
+                </a:solidFill>
+                <a:effectLst/>
+                <a:latin typeface="+mn-lt"/>
+              </a:defRPr>
+            </a:lvl1pPr>
+          </a:lstStyle>
+          <a:p>
+            <a:fld id="{3745423B-122B-427D-80D7-3819758975BB}" type="datetimeFigureOut">
+              <a:rPr lang="en-US" smtClean="0"/>
+              <a:t>10/5/2017</a:t>
+            </a:fld>
+            <a:endParaRPr lang="en-US"/>
+          </a:p>
+        </p:txBody>
+      </p:sp>
+      <p:sp>
+        <p:nvSpPr>
+          <p:cNvPr id="5" name="Footer Placeholder 4"/>
+          <p:cNvSpPr>
+            <a:spLocks noGrp="1"/>
+          </p:cNvSpPr>
+          <p:nvPr>
+            <p:ph type="ftr" sz="quarter" idx="3"/>
           </p:nvPr>
         </p:nvSpPr>
         <p:spPr>
           <a:xfrm>
-            <a:off x="838200" y="6356350"/>
-            <a:ext cx="2743200" cy="365125"/>
+            <a:off x="2572279" y="5883275"/>
+            <a:ext cx="7084177" cy="365125"/>
           </a:xfrm>
           <a:prstGeom prst="rect">
             <a:avLst/>
@@ -2898,44 +5646,34 @@
           <a:bodyPr vert="horz" lIns="91440" tIns="45720" rIns="91440" bIns="45720" rtlCol="0" anchor="ctr"/>
           <a:lstStyle>
             <a:lvl1pPr algn="l">
-              <a:defRPr sz="1200">
-                <a:solidFill>
-                  <a:schemeClr val="tx1">
-                    <a:tint val="75000"/>
-                  </a:schemeClr>
-                </a:solidFill>
+              <a:defRPr sz="1000" b="0" i="0">
+                <a:solidFill>
+                  <a:schemeClr val="tx1"/>
+                </a:solidFill>
+                <a:effectLst/>
+                <a:latin typeface="+mn-lt"/>
               </a:defRPr>
             </a:lvl1pPr>
           </a:lstStyle>
           <a:p>
-            <a:fld id="{3745423B-122B-427D-80D7-3819758975BB}" type="datetimeFigureOut">
-              <a:rPr lang="en-US" smtClean="0"/>
-              <a:t>10/5/2017</a:t>
-            </a:fld>
             <a:endParaRPr lang="en-US"/>
           </a:p>
         </p:txBody>
       </p:sp>
       <p:sp>
         <p:nvSpPr>
-          <p:cNvPr id="5" name="Footer Placeholder 4">
-            <a:extLst>
-              <a:ext uri="{FF2B5EF4-FFF2-40B4-BE49-F238E27FC236}">
-                <a16:creationId xmlns:a16="http://schemas.microsoft.com/office/drawing/2014/main" id="{2E652DFF-0A65-4BE4-87CB-3B209E44000A}"/>
-              </a:ext>
-            </a:extLst>
-          </p:cNvPr>
-          <p:cNvSpPr>
-            <a:spLocks noGrp="1"/>
-          </p:cNvSpPr>
-          <p:nvPr>
-            <p:ph type="ftr" sz="quarter" idx="3"/>
+          <p:cNvPr id="6" name="Slide Number Placeholder 5"/>
+          <p:cNvSpPr>
+            <a:spLocks noGrp="1"/>
+          </p:cNvSpPr>
+          <p:nvPr>
+            <p:ph type="sldNum" sz="quarter" idx="4"/>
           </p:nvPr>
         </p:nvSpPr>
         <p:spPr>
           <a:xfrm>
-            <a:off x="4038600" y="6356350"/>
-            <a:ext cx="4114800" cy="365125"/>
+            <a:off x="10951856" y="5883275"/>
+            <a:ext cx="551167" cy="365125"/>
           </a:xfrm>
           <a:prstGeom prst="rect">
             <a:avLst/>
@@ -2944,56 +5682,13 @@
         <p:txBody>
           <a:bodyPr vert="horz" lIns="91440" tIns="45720" rIns="91440" bIns="45720" rtlCol="0" anchor="ctr"/>
           <a:lstStyle>
-            <a:lvl1pPr algn="ctr">
-              <a:defRPr sz="1200">
-                <a:solidFill>
-                  <a:schemeClr val="tx1">
-                    <a:tint val="75000"/>
-                  </a:schemeClr>
-                </a:solidFill>
-              </a:defRPr>
-            </a:lvl1pPr>
-          </a:lstStyle>
-          <a:p>
-            <a:endParaRPr lang="en-US"/>
-          </a:p>
-        </p:txBody>
-      </p:sp>
-      <p:sp>
-        <p:nvSpPr>
-          <p:cNvPr id="6" name="Slide Number Placeholder 5">
-            <a:extLst>
-              <a:ext uri="{FF2B5EF4-FFF2-40B4-BE49-F238E27FC236}">
-                <a16:creationId xmlns:a16="http://schemas.microsoft.com/office/drawing/2014/main" id="{4B664943-EE09-4F80-A0D7-BC7EC5B4CA90}"/>
-              </a:ext>
-            </a:extLst>
-          </p:cNvPr>
-          <p:cNvSpPr>
-            <a:spLocks noGrp="1"/>
-          </p:cNvSpPr>
-          <p:nvPr>
-            <p:ph type="sldNum" sz="quarter" idx="4"/>
-          </p:nvPr>
-        </p:nvSpPr>
-        <p:spPr>
-          <a:xfrm>
-            <a:off x="8610600" y="6356350"/>
-            <a:ext cx="2743200" cy="365125"/>
-          </a:xfrm>
-          <a:prstGeom prst="rect">
-            <a:avLst/>
-          </a:prstGeom>
-        </p:spPr>
-        <p:txBody>
-          <a:bodyPr vert="horz" lIns="91440" tIns="45720" rIns="91440" bIns="45720" rtlCol="0" anchor="ctr"/>
-          <a:lstStyle>
             <a:lvl1pPr algn="r">
-              <a:defRPr sz="1200">
-                <a:solidFill>
-                  <a:schemeClr val="tx1">
-                    <a:tint val="75000"/>
-                  </a:schemeClr>
-                </a:solidFill>
+              <a:defRPr sz="1000" b="0" i="0">
+                <a:solidFill>
+                  <a:schemeClr val="tx1"/>
+                </a:solidFill>
+                <a:effectLst/>
+                <a:latin typeface="+mn-lt"/>
               </a:defRPr>
             </a:lvl1pPr>
           </a:lstStyle>
@@ -3009,202 +5704,328 @@
     </p:spTree>
     <p:extLst>
       <p:ext uri="{BB962C8B-B14F-4D97-AF65-F5344CB8AC3E}">
-        <p14:creationId xmlns:p14="http://schemas.microsoft.com/office/powerpoint/2010/main" val="1361899592"/>
+        <p14:creationId xmlns:p14="http://schemas.microsoft.com/office/powerpoint/2010/main" val="4197299460"/>
       </p:ext>
     </p:extLst>
   </p:cSld>
   <p:clrMap bg1="lt1" tx1="dk1" bg2="lt2" tx2="dk2" accent1="accent1" accent2="accent2" accent3="accent3" accent4="accent4" accent5="accent5" accent6="accent6" hlink="hlink" folHlink="folHlink"/>
   <p:sldLayoutIdLst>
-    <p:sldLayoutId id="2147483649" r:id="rId1"/>
-    <p:sldLayoutId id="2147483650" r:id="rId2"/>
-    <p:sldLayoutId id="2147483651" r:id="rId3"/>
-    <p:sldLayoutId id="2147483652" r:id="rId4"/>
-    <p:sldLayoutId id="2147483653" r:id="rId5"/>
-    <p:sldLayoutId id="2147483654" r:id="rId6"/>
-    <p:sldLayoutId id="2147483655" r:id="rId7"/>
-    <p:sldLayoutId id="2147483656" r:id="rId8"/>
-    <p:sldLayoutId id="2147483657" r:id="rId9"/>
-    <p:sldLayoutId id="2147483658" r:id="rId10"/>
-    <p:sldLayoutId id="2147483659" r:id="rId11"/>
+    <p:sldLayoutId id="2147483661" r:id="rId1"/>
+    <p:sldLayoutId id="2147483662" r:id="rId2"/>
+    <p:sldLayoutId id="2147483663" r:id="rId3"/>
+    <p:sldLayoutId id="2147483664" r:id="rId4"/>
+    <p:sldLayoutId id="2147483665" r:id="rId5"/>
+    <p:sldLayoutId id="2147483666" r:id="rId6"/>
+    <p:sldLayoutId id="2147483667" r:id="rId7"/>
+    <p:sldLayoutId id="2147483668" r:id="rId8"/>
+    <p:sldLayoutId id="2147483669" r:id="rId9"/>
+    <p:sldLayoutId id="2147483670" r:id="rId10"/>
+    <p:sldLayoutId id="2147483671" r:id="rId11"/>
+    <p:sldLayoutId id="2147483672" r:id="rId12"/>
+    <p:sldLayoutId id="2147483673" r:id="rId13"/>
+    <p:sldLayoutId id="2147483674" r:id="rId14"/>
+    <p:sldLayoutId id="2147483675" r:id="rId15"/>
+    <p:sldLayoutId id="2147483676" r:id="rId16"/>
+    <p:sldLayoutId id="2147483677" r:id="rId17"/>
   </p:sldLayoutIdLst>
   <p:txStyles>
     <p:titleStyle>
-      <a:lvl1pPr algn="l" defTabSz="914400" rtl="0" eaLnBrk="1" latinLnBrk="0" hangingPunct="1">
-        <a:lnSpc>
-          <a:spcPct val="90000"/>
-        </a:lnSpc>
+      <a:lvl1pPr algn="ctr" defTabSz="457200" rtl="0" eaLnBrk="1" latinLnBrk="0" hangingPunct="1">
         <a:spcBef>
           <a:spcPct val="0"/>
         </a:spcBef>
         <a:buNone/>
-        <a:defRPr sz="4400" kern="1200">
+        <a:defRPr sz="4000" kern="1200" cap="none">
+          <a:ln w="3175" cmpd="sng">
+            <a:noFill/>
+          </a:ln>
           <a:solidFill>
             <a:schemeClr val="tx1"/>
           </a:solidFill>
+          <a:effectLst/>
           <a:latin typeface="+mj-lt"/>
           <a:ea typeface="+mj-ea"/>
           <a:cs typeface="+mj-cs"/>
         </a:defRPr>
       </a:lvl1pPr>
+      <a:lvl2pPr eaLnBrk="1" hangingPunct="1">
+        <a:defRPr>
+          <a:solidFill>
+            <a:schemeClr val="tx2"/>
+          </a:solidFill>
+        </a:defRPr>
+      </a:lvl2pPr>
+      <a:lvl3pPr eaLnBrk="1" hangingPunct="1">
+        <a:defRPr>
+          <a:solidFill>
+            <a:schemeClr val="tx2"/>
+          </a:solidFill>
+        </a:defRPr>
+      </a:lvl3pPr>
+      <a:lvl4pPr eaLnBrk="1" hangingPunct="1">
+        <a:defRPr>
+          <a:solidFill>
+            <a:schemeClr val="tx2"/>
+          </a:solidFill>
+        </a:defRPr>
+      </a:lvl4pPr>
+      <a:lvl5pPr eaLnBrk="1" hangingPunct="1">
+        <a:defRPr>
+          <a:solidFill>
+            <a:schemeClr val="tx2"/>
+          </a:solidFill>
+        </a:defRPr>
+      </a:lvl5pPr>
+      <a:lvl6pPr eaLnBrk="1" hangingPunct="1">
+        <a:defRPr>
+          <a:solidFill>
+            <a:schemeClr val="tx2"/>
+          </a:solidFill>
+        </a:defRPr>
+      </a:lvl6pPr>
+      <a:lvl7pPr eaLnBrk="1" hangingPunct="1">
+        <a:defRPr>
+          <a:solidFill>
+            <a:schemeClr val="tx2"/>
+          </a:solidFill>
+        </a:defRPr>
+      </a:lvl7pPr>
+      <a:lvl8pPr eaLnBrk="1" hangingPunct="1">
+        <a:defRPr>
+          <a:solidFill>
+            <a:schemeClr val="tx2"/>
+          </a:solidFill>
+        </a:defRPr>
+      </a:lvl8pPr>
+      <a:lvl9pPr eaLnBrk="1" hangingPunct="1">
+        <a:defRPr>
+          <a:solidFill>
+            <a:schemeClr val="tx2"/>
+          </a:solidFill>
+        </a:defRPr>
+      </a:lvl9pPr>
     </p:titleStyle>
     <p:bodyStyle>
-      <a:lvl1pPr marL="228600" indent="-228600" algn="l" defTabSz="914400" rtl="0" eaLnBrk="1" latinLnBrk="0" hangingPunct="1">
-        <a:lnSpc>
-          <a:spcPct val="90000"/>
-        </a:lnSpc>
+      <a:lvl1pPr marL="285750" indent="-285750" algn="l" defTabSz="457200" rtl="0" eaLnBrk="1" latinLnBrk="0" hangingPunct="1">
         <a:spcBef>
-          <a:spcPts val="1000"/>
+          <a:spcPct val="20000"/>
         </a:spcBef>
-        <a:buFont typeface="Arial" panose="020B0604020202020204" pitchFamily="34" charset="0"/>
+        <a:spcAft>
+          <a:spcPts val="600"/>
+        </a:spcAft>
+        <a:buClr>
+          <a:schemeClr val="accent1">
+            <a:lumMod val="75000"/>
+          </a:schemeClr>
+        </a:buClr>
+        <a:buSzPct val="145000"/>
+        <a:buFont typeface="Arial"/>
         <a:buChar char="•"/>
-        <a:defRPr sz="2800" kern="1200">
+        <a:defRPr sz="2400" kern="1200" cap="none">
           <a:solidFill>
             <a:schemeClr val="tx1"/>
           </a:solidFill>
+          <a:effectLst/>
           <a:latin typeface="+mn-lt"/>
           <a:ea typeface="+mn-ea"/>
           <a:cs typeface="+mn-cs"/>
         </a:defRPr>
       </a:lvl1pPr>
-      <a:lvl2pPr marL="685800" indent="-228600" algn="l" defTabSz="914400" rtl="0" eaLnBrk="1" latinLnBrk="0" hangingPunct="1">
-        <a:lnSpc>
-          <a:spcPct val="90000"/>
-        </a:lnSpc>
+      <a:lvl2pPr marL="742950" indent="-285750" algn="l" defTabSz="457200" rtl="0" eaLnBrk="1" latinLnBrk="0" hangingPunct="1">
         <a:spcBef>
-          <a:spcPts val="500"/>
+          <a:spcPct val="20000"/>
         </a:spcBef>
-        <a:buFont typeface="Arial" panose="020B0604020202020204" pitchFamily="34" charset="0"/>
+        <a:spcAft>
+          <a:spcPts val="600"/>
+        </a:spcAft>
+        <a:buClr>
+          <a:schemeClr val="accent1">
+            <a:lumMod val="75000"/>
+          </a:schemeClr>
+        </a:buClr>
+        <a:buSzPct val="145000"/>
+        <a:buFont typeface="Arial"/>
         <a:buChar char="•"/>
-        <a:defRPr sz="2400" kern="1200">
+        <a:defRPr sz="2000" kern="1200" cap="none">
           <a:solidFill>
             <a:schemeClr val="tx1"/>
           </a:solidFill>
+          <a:effectLst/>
           <a:latin typeface="+mn-lt"/>
           <a:ea typeface="+mn-ea"/>
           <a:cs typeface="+mn-cs"/>
         </a:defRPr>
       </a:lvl2pPr>
-      <a:lvl3pPr marL="1143000" indent="-228600" algn="l" defTabSz="914400" rtl="0" eaLnBrk="1" latinLnBrk="0" hangingPunct="1">
-        <a:lnSpc>
-          <a:spcPct val="90000"/>
-        </a:lnSpc>
+      <a:lvl3pPr marL="1200150" indent="-285750" algn="l" defTabSz="457200" rtl="0" eaLnBrk="1" latinLnBrk="0" hangingPunct="1">
         <a:spcBef>
-          <a:spcPts val="500"/>
+          <a:spcPct val="20000"/>
         </a:spcBef>
-        <a:buFont typeface="Arial" panose="020B0604020202020204" pitchFamily="34" charset="0"/>
+        <a:spcAft>
+          <a:spcPts val="600"/>
+        </a:spcAft>
+        <a:buClr>
+          <a:schemeClr val="accent1">
+            <a:lumMod val="75000"/>
+          </a:schemeClr>
+        </a:buClr>
+        <a:buSzPct val="145000"/>
+        <a:buFont typeface="Arial"/>
         <a:buChar char="•"/>
-        <a:defRPr sz="2000" kern="1200">
+        <a:defRPr sz="1800" kern="1200" cap="none">
           <a:solidFill>
             <a:schemeClr val="tx1"/>
           </a:solidFill>
+          <a:effectLst/>
           <a:latin typeface="+mn-lt"/>
           <a:ea typeface="+mn-ea"/>
           <a:cs typeface="+mn-cs"/>
         </a:defRPr>
       </a:lvl3pPr>
-      <a:lvl4pPr marL="1600200" indent="-228600" algn="l" defTabSz="914400" rtl="0" eaLnBrk="1" latinLnBrk="0" hangingPunct="1">
-        <a:lnSpc>
-          <a:spcPct val="90000"/>
-        </a:lnSpc>
+      <a:lvl4pPr marL="1543050" indent="-171450" algn="l" defTabSz="457200" rtl="0" eaLnBrk="1" latinLnBrk="0" hangingPunct="1">
         <a:spcBef>
-          <a:spcPts val="500"/>
+          <a:spcPct val="20000"/>
         </a:spcBef>
-        <a:buFont typeface="Arial" panose="020B0604020202020204" pitchFamily="34" charset="0"/>
+        <a:spcAft>
+          <a:spcPts val="600"/>
+        </a:spcAft>
+        <a:buClr>
+          <a:schemeClr val="accent1">
+            <a:lumMod val="75000"/>
+          </a:schemeClr>
+        </a:buClr>
+        <a:buSzPct val="145000"/>
+        <a:buFont typeface="Arial"/>
         <a:buChar char="•"/>
-        <a:defRPr sz="1800" kern="1200">
+        <a:defRPr sz="1600" kern="1200" cap="none">
           <a:solidFill>
             <a:schemeClr val="tx1"/>
           </a:solidFill>
+          <a:effectLst/>
           <a:latin typeface="+mn-lt"/>
           <a:ea typeface="+mn-ea"/>
           <a:cs typeface="+mn-cs"/>
         </a:defRPr>
       </a:lvl4pPr>
-      <a:lvl5pPr marL="2057400" indent="-228600" algn="l" defTabSz="914400" rtl="0" eaLnBrk="1" latinLnBrk="0" hangingPunct="1">
-        <a:lnSpc>
-          <a:spcPct val="90000"/>
-        </a:lnSpc>
+      <a:lvl5pPr marL="2000250" indent="-171450" algn="l" defTabSz="457200" rtl="0" eaLnBrk="1" latinLnBrk="0" hangingPunct="1">
         <a:spcBef>
-          <a:spcPts val="500"/>
+          <a:spcPct val="20000"/>
         </a:spcBef>
-        <a:buFont typeface="Arial" panose="020B0604020202020204" pitchFamily="34" charset="0"/>
+        <a:spcAft>
+          <a:spcPts val="600"/>
+        </a:spcAft>
+        <a:buClr>
+          <a:schemeClr val="accent1">
+            <a:lumMod val="75000"/>
+          </a:schemeClr>
+        </a:buClr>
+        <a:buSzPct val="145000"/>
+        <a:buFont typeface="Arial"/>
         <a:buChar char="•"/>
-        <a:defRPr sz="1800" kern="1200">
+        <a:defRPr sz="1400" kern="1200" cap="none">
           <a:solidFill>
             <a:schemeClr val="tx1"/>
           </a:solidFill>
+          <a:effectLst/>
           <a:latin typeface="+mn-lt"/>
           <a:ea typeface="+mn-ea"/>
           <a:cs typeface="+mn-cs"/>
         </a:defRPr>
       </a:lvl5pPr>
-      <a:lvl6pPr marL="2514600" indent="-228600" algn="l" defTabSz="914400" rtl="0" eaLnBrk="1" latinLnBrk="0" hangingPunct="1">
-        <a:lnSpc>
-          <a:spcPct val="90000"/>
-        </a:lnSpc>
+      <a:lvl6pPr marL="2514600" indent="-228600" algn="l" defTabSz="457200" rtl="0" eaLnBrk="1" latinLnBrk="0" hangingPunct="1">
         <a:spcBef>
-          <a:spcPts val="500"/>
+          <a:spcPct val="20000"/>
         </a:spcBef>
-        <a:buFont typeface="Arial" panose="020B0604020202020204" pitchFamily="34" charset="0"/>
+        <a:spcAft>
+          <a:spcPts val="600"/>
+        </a:spcAft>
+        <a:buClr>
+          <a:schemeClr val="accent1">
+            <a:lumMod val="75000"/>
+          </a:schemeClr>
+        </a:buClr>
+        <a:buSzPct val="145000"/>
+        <a:buFont typeface="Arial"/>
         <a:buChar char="•"/>
-        <a:defRPr sz="1800" kern="1200">
+        <a:defRPr sz="1400" kern="1200" cap="none">
           <a:solidFill>
             <a:schemeClr val="tx1"/>
           </a:solidFill>
+          <a:effectLst/>
           <a:latin typeface="+mn-lt"/>
           <a:ea typeface="+mn-ea"/>
           <a:cs typeface="+mn-cs"/>
         </a:defRPr>
       </a:lvl6pPr>
-      <a:lvl7pPr marL="2971800" indent="-228600" algn="l" defTabSz="914400" rtl="0" eaLnBrk="1" latinLnBrk="0" hangingPunct="1">
-        <a:lnSpc>
-          <a:spcPct val="90000"/>
-        </a:lnSpc>
+      <a:lvl7pPr marL="2971800" indent="-228600" algn="l" defTabSz="457200" rtl="0" eaLnBrk="1" latinLnBrk="0" hangingPunct="1">
         <a:spcBef>
-          <a:spcPts val="500"/>
+          <a:spcPct val="20000"/>
         </a:spcBef>
-        <a:buFont typeface="Arial" panose="020B0604020202020204" pitchFamily="34" charset="0"/>
+        <a:spcAft>
+          <a:spcPts val="600"/>
+        </a:spcAft>
+        <a:buClr>
+          <a:schemeClr val="accent1">
+            <a:lumMod val="75000"/>
+          </a:schemeClr>
+        </a:buClr>
+        <a:buSzPct val="145000"/>
+        <a:buFont typeface="Arial"/>
         <a:buChar char="•"/>
-        <a:defRPr sz="1800" kern="1200">
+        <a:defRPr sz="1400" kern="1200" cap="none">
           <a:solidFill>
             <a:schemeClr val="tx1"/>
           </a:solidFill>
+          <a:effectLst/>
           <a:latin typeface="+mn-lt"/>
           <a:ea typeface="+mn-ea"/>
           <a:cs typeface="+mn-cs"/>
         </a:defRPr>
       </a:lvl7pPr>
-      <a:lvl8pPr marL="3429000" indent="-228600" algn="l" defTabSz="914400" rtl="0" eaLnBrk="1" latinLnBrk="0" hangingPunct="1">
-        <a:lnSpc>
-          <a:spcPct val="90000"/>
-        </a:lnSpc>
+      <a:lvl8pPr marL="3429000" indent="-228600" algn="l" defTabSz="457200" rtl="0" eaLnBrk="1" latinLnBrk="0" hangingPunct="1">
         <a:spcBef>
-          <a:spcPts val="500"/>
+          <a:spcPct val="20000"/>
         </a:spcBef>
-        <a:buFont typeface="Arial" panose="020B0604020202020204" pitchFamily="34" charset="0"/>
+        <a:spcAft>
+          <a:spcPts val="600"/>
+        </a:spcAft>
+        <a:buClr>
+          <a:schemeClr val="accent1">
+            <a:lumMod val="75000"/>
+          </a:schemeClr>
+        </a:buClr>
+        <a:buSzPct val="145000"/>
+        <a:buFont typeface="Arial"/>
         <a:buChar char="•"/>
-        <a:defRPr sz="1800" kern="1200">
+        <a:defRPr sz="1400" kern="1200" cap="none">
           <a:solidFill>
             <a:schemeClr val="tx1"/>
           </a:solidFill>
+          <a:effectLst/>
           <a:latin typeface="+mn-lt"/>
           <a:ea typeface="+mn-ea"/>
           <a:cs typeface="+mn-cs"/>
         </a:defRPr>
       </a:lvl8pPr>
-      <a:lvl9pPr marL="3886200" indent="-228600" algn="l" defTabSz="914400" rtl="0" eaLnBrk="1" latinLnBrk="0" hangingPunct="1">
-        <a:lnSpc>
-          <a:spcPct val="90000"/>
-        </a:lnSpc>
+      <a:lvl9pPr marL="3886200" indent="-228600" algn="l" defTabSz="457200" rtl="0" eaLnBrk="1" latinLnBrk="0" hangingPunct="1">
         <a:spcBef>
-          <a:spcPts val="500"/>
+          <a:spcPct val="20000"/>
         </a:spcBef>
-        <a:buFont typeface="Arial" panose="020B0604020202020204" pitchFamily="34" charset="0"/>
+        <a:spcAft>
+          <a:spcPts val="600"/>
+        </a:spcAft>
+        <a:buClr>
+          <a:schemeClr val="accent1">
+            <a:lumMod val="75000"/>
+          </a:schemeClr>
+        </a:buClr>
+        <a:buSzPct val="145000"/>
+        <a:buFont typeface="Arial"/>
         <a:buChar char="•"/>
-        <a:defRPr sz="1800" kern="1200">
+        <a:defRPr sz="1400" kern="1200" cap="none">
           <a:solidFill>
             <a:schemeClr val="tx1"/>
           </a:solidFill>
+          <a:effectLst/>
           <a:latin typeface="+mn-lt"/>
           <a:ea typeface="+mn-ea"/>
           <a:cs typeface="+mn-cs"/>
@@ -3215,7 +6036,7 @@
       <a:defPPr>
         <a:defRPr lang="en-US"/>
       </a:defPPr>
-      <a:lvl1pPr marL="0" algn="l" defTabSz="914400" rtl="0" eaLnBrk="1" latinLnBrk="0" hangingPunct="1">
+      <a:lvl1pPr marL="0" algn="l" defTabSz="457200" rtl="0" eaLnBrk="1" latinLnBrk="0" hangingPunct="1">
         <a:defRPr sz="1800" kern="1200">
           <a:solidFill>
             <a:schemeClr val="tx1"/>
@@ -3225,7 +6046,7 @@
           <a:cs typeface="+mn-cs"/>
         </a:defRPr>
       </a:lvl1pPr>
-      <a:lvl2pPr marL="457200" algn="l" defTabSz="914400" rtl="0" eaLnBrk="1" latinLnBrk="0" hangingPunct="1">
+      <a:lvl2pPr marL="457200" algn="l" defTabSz="457200" rtl="0" eaLnBrk="1" latinLnBrk="0" hangingPunct="1">
         <a:defRPr sz="1800" kern="1200">
           <a:solidFill>
             <a:schemeClr val="tx1"/>
@@ -3235,7 +6056,7 @@
           <a:cs typeface="+mn-cs"/>
         </a:defRPr>
       </a:lvl2pPr>
-      <a:lvl3pPr marL="914400" algn="l" defTabSz="914400" rtl="0" eaLnBrk="1" latinLnBrk="0" hangingPunct="1">
+      <a:lvl3pPr marL="914400" algn="l" defTabSz="457200" rtl="0" eaLnBrk="1" latinLnBrk="0" hangingPunct="1">
         <a:defRPr sz="1800" kern="1200">
           <a:solidFill>
             <a:schemeClr val="tx1"/>
@@ -3245,7 +6066,7 @@
           <a:cs typeface="+mn-cs"/>
         </a:defRPr>
       </a:lvl3pPr>
-      <a:lvl4pPr marL="1371600" algn="l" defTabSz="914400" rtl="0" eaLnBrk="1" latinLnBrk="0" hangingPunct="1">
+      <a:lvl4pPr marL="1371600" algn="l" defTabSz="457200" rtl="0" eaLnBrk="1" latinLnBrk="0" hangingPunct="1">
         <a:defRPr sz="1800" kern="1200">
           <a:solidFill>
             <a:schemeClr val="tx1"/>
@@ -3255,7 +6076,7 @@
           <a:cs typeface="+mn-cs"/>
         </a:defRPr>
       </a:lvl4pPr>
-      <a:lvl5pPr marL="1828800" algn="l" defTabSz="914400" rtl="0" eaLnBrk="1" latinLnBrk="0" hangingPunct="1">
+      <a:lvl5pPr marL="1828800" algn="l" defTabSz="457200" rtl="0" eaLnBrk="1" latinLnBrk="0" hangingPunct="1">
         <a:defRPr sz="1800" kern="1200">
           <a:solidFill>
             <a:schemeClr val="tx1"/>
@@ -3265,7 +6086,7 @@
           <a:cs typeface="+mn-cs"/>
         </a:defRPr>
       </a:lvl5pPr>
-      <a:lvl6pPr marL="2286000" algn="l" defTabSz="914400" rtl="0" eaLnBrk="1" latinLnBrk="0" hangingPunct="1">
+      <a:lvl6pPr marL="2286000" algn="l" defTabSz="457200" rtl="0" eaLnBrk="1" latinLnBrk="0" hangingPunct="1">
         <a:defRPr sz="1800" kern="1200">
           <a:solidFill>
             <a:schemeClr val="tx1"/>
@@ -3275,7 +6096,7 @@
           <a:cs typeface="+mn-cs"/>
         </a:defRPr>
       </a:lvl6pPr>
-      <a:lvl7pPr marL="2743200" algn="l" defTabSz="914400" rtl="0" eaLnBrk="1" latinLnBrk="0" hangingPunct="1">
+      <a:lvl7pPr marL="2743200" algn="l" defTabSz="457200" rtl="0" eaLnBrk="1" latinLnBrk="0" hangingPunct="1">
         <a:defRPr sz="1800" kern="1200">
           <a:solidFill>
             <a:schemeClr val="tx1"/>
@@ -3285,7 +6106,7 @@
           <a:cs typeface="+mn-cs"/>
         </a:defRPr>
       </a:lvl7pPr>
-      <a:lvl8pPr marL="3200400" algn="l" defTabSz="914400" rtl="0" eaLnBrk="1" latinLnBrk="0" hangingPunct="1">
+      <a:lvl8pPr marL="3200400" algn="l" defTabSz="457200" rtl="0" eaLnBrk="1" latinLnBrk="0" hangingPunct="1">
         <a:defRPr sz="1800" kern="1200">
           <a:solidFill>
             <a:schemeClr val="tx1"/>
@@ -3295,7 +6116,7 @@
           <a:cs typeface="+mn-cs"/>
         </a:defRPr>
       </a:lvl8pPr>
-      <a:lvl9pPr marL="3657600" algn="l" defTabSz="914400" rtl="0" eaLnBrk="1" latinLnBrk="0" hangingPunct="1">
+      <a:lvl9pPr marL="3657600" algn="l" defTabSz="457200" rtl="0" eaLnBrk="1" latinLnBrk="0" hangingPunct="1">
         <a:defRPr sz="1800" kern="1200">
           <a:solidFill>
             <a:schemeClr val="tx1"/>
@@ -3436,33 +6257,8 @@
           <a:p>
             <a:r>
               <a:rPr lang="en-US" dirty="0"/>
-              <a:t>Demo</a:t>
-            </a:r>
-          </a:p>
-        </p:txBody>
-      </p:sp>
-      <p:sp>
-        <p:nvSpPr>
-          <p:cNvPr id="3" name="Content Placeholder 2">
-            <a:extLst>
-              <a:ext uri="{FF2B5EF4-FFF2-40B4-BE49-F238E27FC236}">
-                <a16:creationId xmlns:a16="http://schemas.microsoft.com/office/drawing/2014/main" id="{70B7CFB2-8D98-4E9C-9D0D-316C205EC310}"/>
-              </a:ext>
-            </a:extLst>
-          </p:cNvPr>
-          <p:cNvSpPr>
-            <a:spLocks noGrp="1"/>
-          </p:cNvSpPr>
-          <p:nvPr>
-            <p:ph idx="1"/>
-          </p:nvPr>
-        </p:nvSpPr>
-        <p:spPr/>
-        <p:txBody>
-          <a:bodyPr/>
-          <a:lstStyle/>
-          <a:p>
-            <a:endParaRPr lang="en-US"/>
+              <a:t>First, a demo!</a:t>
+            </a:r>
           </a:p>
         </p:txBody>
       </p:sp>
@@ -3524,31 +6320,126 @@
           </a:p>
         </p:txBody>
       </p:sp>
-      <p:sp>
-        <p:nvSpPr>
-          <p:cNvPr id="3" name="Content Placeholder 2">
+      <p:pic>
+        <p:nvPicPr>
+          <p:cNvPr id="5" name="Content Placeholder 4">
             <a:extLst>
               <a:ext uri="{FF2B5EF4-FFF2-40B4-BE49-F238E27FC236}">
-                <a16:creationId xmlns:a16="http://schemas.microsoft.com/office/drawing/2014/main" id="{E2E452DD-689D-4AE7-BA47-F4313A01D126}"/>
+                <a16:creationId xmlns:a16="http://schemas.microsoft.com/office/drawing/2014/main" id="{8C0FD142-8111-47F8-9E5E-5004E67751F5}"/>
               </a:ext>
             </a:extLst>
           </p:cNvPr>
-          <p:cNvSpPr>
-            <a:spLocks noGrp="1"/>
-          </p:cNvSpPr>
+          <p:cNvPicPr>
+            <a:picLocks noGrp="1" noChangeAspect="1"/>
+          </p:cNvPicPr>
           <p:nvPr>
             <p:ph idx="1"/>
           </p:nvPr>
-        </p:nvSpPr>
-        <p:spPr/>
-        <p:txBody>
-          <a:bodyPr/>
-          <a:lstStyle/>
-          <a:p>
-            <a:endParaRPr lang="en-US"/>
-          </a:p>
-        </p:txBody>
-      </p:sp>
+        </p:nvPicPr>
+        <p:blipFill>
+          <a:blip r:embed="rId2">
+            <a:extLst>
+              <a:ext uri="{28A0092B-C50C-407E-A947-70E740481C1C}">
+                <a14:useLocalDpi xmlns:a14="http://schemas.microsoft.com/office/drawing/2010/main" val="0"/>
+              </a:ext>
+            </a:extLst>
+          </a:blip>
+          <a:stretch>
+            <a:fillRect/>
+          </a:stretch>
+        </p:blipFill>
+        <p:spPr>
+          <a:xfrm>
+            <a:off x="1484312" y="2351734"/>
+            <a:ext cx="10018712" cy="1384756"/>
+          </a:xfrm>
+        </p:spPr>
+      </p:pic>
+      <p:sp>
+        <p:nvSpPr>
+          <p:cNvPr id="6" name="TextBox 5">
+            <a:extLst>
+              <a:ext uri="{FF2B5EF4-FFF2-40B4-BE49-F238E27FC236}">
+                <a16:creationId xmlns:a16="http://schemas.microsoft.com/office/drawing/2014/main" id="{9D0DE614-E54D-4350-B522-1CCC69877583}"/>
+              </a:ext>
+            </a:extLst>
+          </p:cNvPr>
+          <p:cNvSpPr txBox="1"/>
+          <p:nvPr/>
+        </p:nvSpPr>
+        <p:spPr>
+          <a:xfrm>
+            <a:off x="1356684" y="4104333"/>
+            <a:ext cx="10470695" cy="923330"/>
+          </a:xfrm>
+          <a:prstGeom prst="rect">
+            <a:avLst/>
+          </a:prstGeom>
+          <a:noFill/>
+        </p:spPr>
+        <p:txBody>
+          <a:bodyPr wrap="square" rtlCol="0">
+            <a:spAutoFit/>
+          </a:bodyPr>
+          <a:lstStyle/>
+          <a:p>
+            <a:pPr marL="285750" indent="-285750">
+              <a:buFont typeface="Arial" panose="020B0604020202020204" pitchFamily="34" charset="0"/>
+              <a:buChar char="•"/>
+            </a:pPr>
+            <a:r>
+              <a:rPr lang="en-US" dirty="0"/>
+              <a:t>Most time was spent working on sending and receiving the game information for the game to function. </a:t>
+            </a:r>
+          </a:p>
+          <a:p>
+            <a:pPr marL="285750" indent="-285750">
+              <a:buFont typeface="Arial" panose="020B0604020202020204" pitchFamily="34" charset="0"/>
+              <a:buChar char="•"/>
+            </a:pPr>
+            <a:r>
+              <a:rPr lang="en-US" dirty="0"/>
+              <a:t>There was just enough lee-way at the end of the project to ensure we had proper documentation and had run enough test scenarios to debug. </a:t>
+            </a:r>
+          </a:p>
+        </p:txBody>
+      </p:sp>
+      <p:pic>
+        <p:nvPicPr>
+          <p:cNvPr id="8" name="Picture 7">
+            <a:extLst>
+              <a:ext uri="{FF2B5EF4-FFF2-40B4-BE49-F238E27FC236}">
+                <a16:creationId xmlns:a16="http://schemas.microsoft.com/office/drawing/2014/main" id="{6B86D5E0-D509-4D67-9F22-25433812FF40}"/>
+              </a:ext>
+            </a:extLst>
+          </p:cNvPr>
+          <p:cNvPicPr>
+            <a:picLocks noChangeAspect="1"/>
+          </p:cNvPicPr>
+          <p:nvPr/>
+        </p:nvPicPr>
+        <p:blipFill>
+          <a:blip r:embed="rId3">
+            <a:extLst>
+              <a:ext uri="{28A0092B-C50C-407E-A947-70E740481C1C}">
+                <a14:useLocalDpi xmlns:a14="http://schemas.microsoft.com/office/drawing/2010/main" val="0"/>
+              </a:ext>
+            </a:extLst>
+          </a:blip>
+          <a:stretch>
+            <a:fillRect/>
+          </a:stretch>
+        </p:blipFill>
+        <p:spPr>
+          <a:xfrm>
+            <a:off x="7862625" y="5143456"/>
+            <a:ext cx="2778504" cy="1139899"/>
+          </a:xfrm>
+          <a:prstGeom prst="rect">
+            <a:avLst/>
+          </a:prstGeom>
+        </p:spPr>
+      </p:pic>
     </p:spTree>
     <p:extLst>
       <p:ext uri="{BB962C8B-B14F-4D97-AF65-F5344CB8AC3E}">
@@ -3628,7 +6519,7 @@
           <a:bodyPr/>
           <a:lstStyle/>
           <a:p>
-            <a:endParaRPr lang="en-US"/>
+            <a:endParaRPr lang="en-US" dirty="0"/>
           </a:p>
         </p:txBody>
       </p:sp>
@@ -3711,7 +6602,22 @@
           <a:bodyPr/>
           <a:lstStyle/>
           <a:p>
-            <a:endParaRPr lang="en-US"/>
+            <a:r>
+              <a:rPr lang="en-US" dirty="0"/>
+              <a:t>IDE: Eclipse (ver. Luna, Oxygen)</a:t>
+            </a:r>
+          </a:p>
+          <a:p>
+            <a:r>
+              <a:rPr lang="en-US" dirty="0"/>
+              <a:t>Planning was hybrid between Waterfall and Incremental development.</a:t>
+            </a:r>
+          </a:p>
+          <a:p>
+            <a:r>
+              <a:rPr lang="en-US" dirty="0"/>
+              <a:t>We used GitHub to collaborate our development process, as well as document our time. </a:t>
+            </a:r>
           </a:p>
         </p:txBody>
       </p:sp>
@@ -3794,10 +6700,17 @@
           <a:bodyPr/>
           <a:lstStyle/>
           <a:p>
-            <a:pPr marL="0" indent="0">
-              <a:buNone/>
-            </a:pPr>
-            <a:endParaRPr lang="en-US" dirty="0"/>
+            <a:r>
+              <a:rPr lang="en-US" dirty="0"/>
+              <a:t>Planning is the most important step in the whole process</a:t>
+            </a:r>
+          </a:p>
+          <a:p>
+            <a:pPr lvl="1"/>
+            <a:r>
+              <a:rPr lang="en-US" dirty="0"/>
+              <a:t>Understanding each process in the software before coding helps coding move along more smoothly. </a:t>
+            </a:r>
           </a:p>
         </p:txBody>
       </p:sp>
@@ -3859,28 +6772,107 @@
           </a:p>
         </p:txBody>
       </p:sp>
-      <p:sp>
-        <p:nvSpPr>
-          <p:cNvPr id="3" name="Content Placeholder 2">
+      <p:pic>
+        <p:nvPicPr>
+          <p:cNvPr id="5" name="Content Placeholder 4">
             <a:extLst>
               <a:ext uri="{FF2B5EF4-FFF2-40B4-BE49-F238E27FC236}">
-                <a16:creationId xmlns:a16="http://schemas.microsoft.com/office/drawing/2014/main" id="{A5F3D8DA-B3B5-454C-914C-A00B58D70CF0}"/>
+                <a16:creationId xmlns:a16="http://schemas.microsoft.com/office/drawing/2014/main" id="{0A57FF20-ED97-4DBA-B449-71A0C0EA5DEC}"/>
               </a:ext>
             </a:extLst>
           </p:cNvPr>
-          <p:cNvSpPr>
-            <a:spLocks noGrp="1"/>
-          </p:cNvSpPr>
+          <p:cNvPicPr>
+            <a:picLocks noGrp="1" noChangeAspect="1"/>
+          </p:cNvPicPr>
           <p:nvPr>
             <p:ph idx="1"/>
           </p:nvPr>
-        </p:nvSpPr>
-        <p:spPr/>
-        <p:txBody>
-          <a:bodyPr/>
-          <a:lstStyle/>
-          <a:p>
-            <a:endParaRPr lang="en-US" dirty="0"/>
+        </p:nvPicPr>
+        <p:blipFill rotWithShape="1">
+          <a:blip r:embed="rId2">
+            <a:extLst>
+              <a:ext uri="{28A0092B-C50C-407E-A947-70E740481C1C}">
+                <a14:useLocalDpi xmlns:a14="http://schemas.microsoft.com/office/drawing/2010/main" val="0"/>
+              </a:ext>
+            </a:extLst>
+          </a:blip>
+          <a:srcRect t="11773" b="16621"/>
+          <a:stretch/>
+        </p:blipFill>
+        <p:spPr>
+          <a:xfrm>
+            <a:off x="1484311" y="2197915"/>
+            <a:ext cx="4050572" cy="3867325"/>
+          </a:xfrm>
+        </p:spPr>
+      </p:pic>
+      <p:pic>
+        <p:nvPicPr>
+          <p:cNvPr id="7" name="Picture 6">
+            <a:extLst>
+              <a:ext uri="{FF2B5EF4-FFF2-40B4-BE49-F238E27FC236}">
+                <a16:creationId xmlns:a16="http://schemas.microsoft.com/office/drawing/2014/main" id="{10985430-5C78-4530-B41F-4EFAB9BE0E78}"/>
+              </a:ext>
+            </a:extLst>
+          </p:cNvPr>
+          <p:cNvPicPr>
+            <a:picLocks noChangeAspect="1"/>
+          </p:cNvPicPr>
+          <p:nvPr/>
+        </p:nvPicPr>
+        <p:blipFill rotWithShape="1">
+          <a:blip r:embed="rId3">
+            <a:extLst>
+              <a:ext uri="{28A0092B-C50C-407E-A947-70E740481C1C}">
+                <a14:useLocalDpi xmlns:a14="http://schemas.microsoft.com/office/drawing/2010/main" val="0"/>
+              </a:ext>
+            </a:extLst>
+          </a:blip>
+          <a:srcRect t="26055" b="8991"/>
+          <a:stretch/>
+        </p:blipFill>
+        <p:spPr>
+          <a:xfrm>
+            <a:off x="6350805" y="2253841"/>
+            <a:ext cx="4336297" cy="3755472"/>
+          </a:xfrm>
+          <a:prstGeom prst="rect">
+            <a:avLst/>
+          </a:prstGeom>
+        </p:spPr>
+      </p:pic>
+      <p:sp>
+        <p:nvSpPr>
+          <p:cNvPr id="8" name="TextBox 7">
+            <a:extLst>
+              <a:ext uri="{FF2B5EF4-FFF2-40B4-BE49-F238E27FC236}">
+                <a16:creationId xmlns:a16="http://schemas.microsoft.com/office/drawing/2014/main" id="{B1AD7A99-6B5F-4678-B24E-6F3051C2B7EF}"/>
+              </a:ext>
+            </a:extLst>
+          </p:cNvPr>
+          <p:cNvSpPr txBox="1"/>
+          <p:nvPr/>
+        </p:nvSpPr>
+        <p:spPr>
+          <a:xfrm flipH="1">
+            <a:off x="3300646" y="6258187"/>
+            <a:ext cx="6690641" cy="369332"/>
+          </a:xfrm>
+          <a:prstGeom prst="rect">
+            <a:avLst/>
+          </a:prstGeom>
+          <a:noFill/>
+        </p:spPr>
+        <p:txBody>
+          <a:bodyPr wrap="square" rtlCol="0">
+            <a:spAutoFit/>
+          </a:bodyPr>
+          <a:lstStyle/>
+          <a:p>
+            <a:r>
+              <a:rPr lang="en-US" dirty="0"/>
+              <a:t>Original sketches of plans (Game logic, Game Board)</a:t>
+            </a:r>
           </a:p>
         </p:txBody>
       </p:sp>
@@ -3897,10 +6889,93 @@
 </p:sld>
 </file>
 
+<file path=ppt/slides/slide8.xml><?xml version="1.0" encoding="utf-8"?>
+<p:sld xmlns:a="http://schemas.openxmlformats.org/drawingml/2006/main" xmlns:r="http://schemas.openxmlformats.org/officeDocument/2006/relationships" xmlns:p="http://schemas.openxmlformats.org/presentationml/2006/main">
+  <p:cSld>
+    <p:spTree>
+      <p:nvGrpSpPr>
+        <p:cNvPr id="1" name=""/>
+        <p:cNvGrpSpPr/>
+        <p:nvPr/>
+      </p:nvGrpSpPr>
+      <p:grpSpPr>
+        <a:xfrm>
+          <a:off x="0" y="0"/>
+          <a:ext cx="0" cy="0"/>
+          <a:chOff x="0" y="0"/>
+          <a:chExt cx="0" cy="0"/>
+        </a:xfrm>
+      </p:grpSpPr>
+      <p:sp>
+        <p:nvSpPr>
+          <p:cNvPr id="2" name="Title 1">
+            <a:extLst>
+              <a:ext uri="{FF2B5EF4-FFF2-40B4-BE49-F238E27FC236}">
+                <a16:creationId xmlns:a16="http://schemas.microsoft.com/office/drawing/2014/main" id="{A7B39C1A-712B-40D6-8C7F-9A9A947AF481}"/>
+              </a:ext>
+            </a:extLst>
+          </p:cNvPr>
+          <p:cNvSpPr>
+            <a:spLocks noGrp="1"/>
+          </p:cNvSpPr>
+          <p:nvPr>
+            <p:ph type="title"/>
+          </p:nvPr>
+        </p:nvSpPr>
+        <p:spPr/>
+        <p:txBody>
+          <a:bodyPr/>
+          <a:lstStyle/>
+          <a:p>
+            <a:r>
+              <a:rPr lang="en-US" dirty="0"/>
+              <a:t>Questions</a:t>
+            </a:r>
+          </a:p>
+        </p:txBody>
+      </p:sp>
+      <p:sp>
+        <p:nvSpPr>
+          <p:cNvPr id="3" name="Content Placeholder 2">
+            <a:extLst>
+              <a:ext uri="{FF2B5EF4-FFF2-40B4-BE49-F238E27FC236}">
+                <a16:creationId xmlns:a16="http://schemas.microsoft.com/office/drawing/2014/main" id="{38FA8765-B03F-48A8-96CB-2314CC6BCF8E}"/>
+              </a:ext>
+            </a:extLst>
+          </p:cNvPr>
+          <p:cNvSpPr>
+            <a:spLocks noGrp="1"/>
+          </p:cNvSpPr>
+          <p:nvPr>
+            <p:ph idx="1"/>
+          </p:nvPr>
+        </p:nvSpPr>
+        <p:spPr/>
+        <p:txBody>
+          <a:bodyPr/>
+          <a:lstStyle/>
+          <a:p>
+            <a:endParaRPr lang="en-US"/>
+          </a:p>
+        </p:txBody>
+      </p:sp>
+    </p:spTree>
+    <p:extLst>
+      <p:ext uri="{BB962C8B-B14F-4D97-AF65-F5344CB8AC3E}">
+        <p14:creationId xmlns:p14="http://schemas.microsoft.com/office/powerpoint/2010/main" val="2785719560"/>
+      </p:ext>
+    </p:extLst>
+  </p:cSld>
+  <p:clrMapOvr>
+    <a:masterClrMapping/>
+  </p:clrMapOvr>
+</p:sld>
+</file>
+
 <file path=ppt/theme/theme1.xml><?xml version="1.0" encoding="utf-8"?>
-<a:theme xmlns:a="http://schemas.openxmlformats.org/drawingml/2006/main" name="Office Theme">
+<a:theme xmlns:a="http://schemas.openxmlformats.org/drawingml/2006/main" name="Parallax">
   <a:themeElements>
-    <a:clrScheme name="Office">
+    <a:clrScheme name="Parallax">
       <a:dk1>
         <a:sysClr val="windowText" lastClr="000000"/>
       </a:dk1>
@@ -3908,100 +6983,48 @@
         <a:sysClr val="window" lastClr="FFFFFF"/>
       </a:lt1>
       <a:dk2>
-        <a:srgbClr val="44546A"/>
+        <a:srgbClr val="212121"/>
       </a:dk2>
       <a:lt2>
-        <a:srgbClr val="E7E6E6"/>
+        <a:srgbClr val="CDD0D1"/>
       </a:lt2>
       <a:accent1>
-        <a:srgbClr val="4472C4"/>
+        <a:srgbClr val="30ACEC"/>
       </a:accent1>
       <a:accent2>
-        <a:srgbClr val="ED7D31"/>
+        <a:srgbClr val="80C34F"/>
       </a:accent2>
       <a:accent3>
-        <a:srgbClr val="A5A5A5"/>
+        <a:srgbClr val="E29D3E"/>
       </a:accent3>
       <a:accent4>
-        <a:srgbClr val="FFC000"/>
+        <a:srgbClr val="D64A3B"/>
       </a:accent4>
       <a:accent5>
-        <a:srgbClr val="5B9BD5"/>
+        <a:srgbClr val="D64787"/>
       </a:accent5>
       <a:accent6>
-        <a:srgbClr val="70AD47"/>
+        <a:srgbClr val="A666E1"/>
       </a:accent6>
       <a:hlink>
-        <a:srgbClr val="0563C1"/>
+        <a:srgbClr val="3085ED"/>
       </a:hlink>
       <a:folHlink>
-        <a:srgbClr val="954F72"/>
+        <a:srgbClr val="82B6F4"/>
       </a:folHlink>
     </a:clrScheme>
-    <a:fontScheme name="Office">
+    <a:fontScheme name="Parallax">
       <a:majorFont>
-        <a:latin typeface="Calibri Light" panose="020F0302020204030204"/>
+        <a:latin typeface="Corbel" panose="020B0503020204020204"/>
         <a:ea typeface=""/>
         <a:cs typeface=""/>
-        <a:font script="Jpan" typeface="游ゴシック Light"/>
-        <a:font script="Hang" typeface="맑은 고딕"/>
-        <a:font script="Hans" typeface="等线 Light"/>
+        <a:font script="Jpan" typeface="HGｺﾞｼｯｸM"/>
+        <a:font script="Hang" typeface="HY엽서L"/>
+        <a:font script="Hans" typeface="华文楷体"/>
         <a:font script="Hant" typeface="新細明體"/>
-        <a:font script="Arab" typeface="Times New Roman"/>
-        <a:font script="Hebr" typeface="Times New Roman"/>
-        <a:font script="Thai" typeface="Angsana New"/>
-        <a:font script="Ethi" typeface="Nyala"/>
-        <a:font script="Beng" typeface="Vrinda"/>
-        <a:font script="Gujr" typeface="Shruti"/>
-        <a:font script="Khmr" typeface="MoolBoran"/>
-        <a:font script="Knda" typeface="Tunga"/>
-        <a:font script="Guru" typeface="Raavi"/>
-        <a:font script="Cans" typeface="Euphemia"/>
-        <a:font script="Cher" typeface="Plantagenet Cherokee"/>
-        <a:font script="Yiii" typeface="Microsoft Yi Baiti"/>
-        <a:font script="Tibt" typeface="Microsoft Himalaya"/>
-        <a:font script="Thaa" typeface="MV Boli"/>
-        <a:font script="Deva" typeface="Mangal"/>
-        <a:font script="Telu" typeface="Gautami"/>
-        <a:font script="Taml" typeface="Latha"/>
-        <a:font script="Syrc" typeface="Estrangelo Edessa"/>
-        <a:font script="Orya" typeface="Kalinga"/>
-        <a:font script="Mlym" typeface="Kartika"/>
-        <a:font script="Laoo" typeface="DokChampa"/>
-        <a:font script="Sinh" typeface="Iskoola Pota"/>
-        <a:font script="Mong" typeface="Mongolian Baiti"/>
-        <a:font script="Viet" typeface="Times New Roman"/>
-        <a:font script="Uigh" typeface="Microsoft Uighur"/>
-        <a:font script="Geor" typeface="Sylfaen"/>
-        <a:font script="Armn" typeface="Arial"/>
-        <a:font script="Bugi" typeface="Leelawadee UI"/>
-        <a:font script="Bopo" typeface="Microsoft JhengHei"/>
-        <a:font script="Java" typeface="Javanese Text"/>
-        <a:font script="Lisu" typeface="Segoe UI"/>
-        <a:font script="Mymr" typeface="Myanmar Text"/>
-        <a:font script="Nkoo" typeface="Ebrima"/>
-        <a:font script="Olck" typeface="Nirmala UI"/>
-        <a:font script="Osma" typeface="Ebrima"/>
-        <a:font script="Phag" typeface="Phagspa"/>
-        <a:font script="Syrn" typeface="Estrangelo Edessa"/>
-        <a:font script="Syrj" typeface="Estrangelo Edessa"/>
-        <a:font script="Syre" typeface="Estrangelo Edessa"/>
-        <a:font script="Sora" typeface="Nirmala UI"/>
-        <a:font script="Tale" typeface="Microsoft Tai Le"/>
-        <a:font script="Talu" typeface="Microsoft New Tai Lue"/>
-        <a:font script="Tfng" typeface="Ebrima"/>
-      </a:majorFont>
-      <a:minorFont>
-        <a:latin typeface="Calibri" panose="020F0502020204030204"/>
-        <a:ea typeface=""/>
-        <a:cs typeface=""/>
-        <a:font script="Jpan" typeface="游ゴシック"/>
-        <a:font script="Hang" typeface="맑은 고딕"/>
-        <a:font script="Hans" typeface="等线"/>
-        <a:font script="Hant" typeface="新細明體"/>
-        <a:font script="Arab" typeface="Arial"/>
-        <a:font script="Hebr" typeface="Arial"/>
-        <a:font script="Thai" typeface="Cordia New"/>
+        <a:font script="Arab" typeface="Tahoma"/>
+        <a:font script="Hebr" typeface="Miriam"/>
+        <a:font script="Thai" typeface="DilleniaUPC"/>
         <a:font script="Ethi" typeface="Nyala"/>
         <a:font script="Beng" typeface="Vrinda"/>
         <a:font script="Gujr" typeface="Shruti"/>
@@ -4025,26 +7048,44 @@
         <a:font script="Viet" typeface="Arial"/>
         <a:font script="Uigh" typeface="Microsoft Uighur"/>
         <a:font script="Geor" typeface="Sylfaen"/>
-        <a:font script="Armn" typeface="Arial"/>
-        <a:font script="Bugi" typeface="Leelawadee UI"/>
-        <a:font script="Bopo" typeface="Microsoft JhengHei"/>
-        <a:font script="Java" typeface="Javanese Text"/>
-        <a:font script="Lisu" typeface="Segoe UI"/>
-        <a:font script="Mymr" typeface="Myanmar Text"/>
-        <a:font script="Nkoo" typeface="Ebrima"/>
-        <a:font script="Olck" typeface="Nirmala UI"/>
-        <a:font script="Osma" typeface="Ebrima"/>
-        <a:font script="Phag" typeface="Phagspa"/>
-        <a:font script="Syrn" typeface="Estrangelo Edessa"/>
-        <a:font script="Syrj" typeface="Estrangelo Edessa"/>
-        <a:font script="Syre" typeface="Estrangelo Edessa"/>
-        <a:font script="Sora" typeface="Nirmala UI"/>
-        <a:font script="Tale" typeface="Microsoft Tai Le"/>
-        <a:font script="Talu" typeface="Microsoft New Tai Lue"/>
-        <a:font script="Tfng" typeface="Ebrima"/>
+      </a:majorFont>
+      <a:minorFont>
+        <a:latin typeface="Corbel" panose="020B0503020204020204"/>
+        <a:ea typeface=""/>
+        <a:cs typeface=""/>
+        <a:font script="Jpan" typeface="HGｺﾞｼｯｸM"/>
+        <a:font script="Hang" typeface="HY엽서L"/>
+        <a:font script="Hans" typeface="华文楷体"/>
+        <a:font script="Hant" typeface="新細明體"/>
+        <a:font script="Arab" typeface="Tahoma"/>
+        <a:font script="Hebr" typeface="Miriam"/>
+        <a:font script="Thai" typeface="DilleniaUPC"/>
+        <a:font script="Ethi" typeface="Nyala"/>
+        <a:font script="Beng" typeface="Vrinda"/>
+        <a:font script="Gujr" typeface="Shruti"/>
+        <a:font script="Khmr" typeface="DaunPenh"/>
+        <a:font script="Knda" typeface="Tunga"/>
+        <a:font script="Guru" typeface="Raavi"/>
+        <a:font script="Cans" typeface="Euphemia"/>
+        <a:font script="Cher" typeface="Plantagenet Cherokee"/>
+        <a:font script="Yiii" typeface="Microsoft Yi Baiti"/>
+        <a:font script="Tibt" typeface="Microsoft Himalaya"/>
+        <a:font script="Thaa" typeface="MV Boli"/>
+        <a:font script="Deva" typeface="Mangal"/>
+        <a:font script="Telu" typeface="Gautami"/>
+        <a:font script="Taml" typeface="Latha"/>
+        <a:font script="Syrc" typeface="Estrangelo Edessa"/>
+        <a:font script="Orya" typeface="Kalinga"/>
+        <a:font script="Mlym" typeface="Kartika"/>
+        <a:font script="Laoo" typeface="DokChampa"/>
+        <a:font script="Sinh" typeface="Iskoola Pota"/>
+        <a:font script="Mong" typeface="Mongolian Baiti"/>
+        <a:font script="Viet" typeface="Arial"/>
+        <a:font script="Uigh" typeface="Microsoft Uighur"/>
+        <a:font script="Geor" typeface="Sylfaen"/>
       </a:minorFont>
     </a:fontScheme>
-    <a:fmtScheme name="Office">
+    <a:fmtScheme name="Parallax">
       <a:fillStyleLst>
         <a:solidFill>
           <a:schemeClr val="phClr"/>
@@ -4053,23 +7094,13 @@
           <a:gsLst>
             <a:gs pos="0">
               <a:schemeClr val="phClr">
-                <a:lumMod val="110000"/>
-                <a:satMod val="105000"/>
-                <a:tint val="67000"/>
-              </a:schemeClr>
-            </a:gs>
-            <a:gs pos="50000">
-              <a:schemeClr val="phClr">
-                <a:lumMod val="105000"/>
-                <a:satMod val="103000"/>
-                <a:tint val="73000"/>
+                <a:tint val="60000"/>
+                <a:lumMod val="104000"/>
               </a:schemeClr>
             </a:gs>
             <a:gs pos="100000">
               <a:schemeClr val="phClr">
-                <a:lumMod val="105000"/>
-                <a:satMod val="109000"/>
-                <a:tint val="81000"/>
+                <a:tint val="84000"/>
               </a:schemeClr>
             </a:gs>
           </a:gsLst>
@@ -4079,50 +7110,42 @@
           <a:gsLst>
             <a:gs pos="0">
               <a:schemeClr val="phClr">
-                <a:satMod val="103000"/>
+                <a:tint val="96000"/>
                 <a:lumMod val="102000"/>
-                <a:tint val="94000"/>
-              </a:schemeClr>
-            </a:gs>
-            <a:gs pos="50000">
-              <a:schemeClr val="phClr">
-                <a:satMod val="110000"/>
-                <a:lumMod val="100000"/>
-                <a:shade val="100000"/>
               </a:schemeClr>
             </a:gs>
             <a:gs pos="100000">
               <a:schemeClr val="phClr">
-                <a:lumMod val="99000"/>
-                <a:satMod val="120000"/>
-                <a:shade val="78000"/>
+                <a:shade val="88000"/>
+                <a:lumMod val="94000"/>
               </a:schemeClr>
             </a:gs>
           </a:gsLst>
-          <a:lin ang="5400000" scaled="0"/>
+          <a:path path="circle">
+            <a:fillToRect l="50000" t="100000" r="100000" b="50000"/>
+          </a:path>
         </a:gradFill>
       </a:fillStyleLst>
       <a:lnStyleLst>
-        <a:ln w="6350" cap="flat" cmpd="sng" algn="ctr">
+        <a:ln w="9525" cap="rnd" cmpd="sng" algn="ctr">
+          <a:solidFill>
+            <a:schemeClr val="phClr">
+              <a:tint val="60000"/>
+            </a:schemeClr>
+          </a:solidFill>
+          <a:prstDash val="solid"/>
+        </a:ln>
+        <a:ln w="15875" cap="rnd" cmpd="sng" algn="ctr">
           <a:solidFill>
             <a:schemeClr val="phClr"/>
           </a:solidFill>
           <a:prstDash val="solid"/>
-          <a:miter lim="800000"/>
         </a:ln>
-        <a:ln w="12700" cap="flat" cmpd="sng" algn="ctr">
+        <a:ln w="22225" cap="rnd" cmpd="sng" algn="ctr">
           <a:solidFill>
             <a:schemeClr val="phClr"/>
           </a:solidFill>
           <a:prstDash val="solid"/>
-          <a:miter lim="800000"/>
-        </a:ln>
-        <a:ln w="19050" cap="flat" cmpd="sng" algn="ctr">
-          <a:solidFill>
-            <a:schemeClr val="phClr"/>
-          </a:solidFill>
-          <a:prstDash val="solid"/>
-          <a:miter lim="800000"/>
         </a:ln>
       </a:lnStyleLst>
       <a:effectStyleLst>
@@ -4130,55 +7153,68 @@
           <a:effectLst/>
         </a:effectStyle>
         <a:effectStyle>
-          <a:effectLst/>
+          <a:effectLst>
+            <a:reflection blurRad="12700" stA="26000" endPos="32000" dist="12700" dir="5400000" sy="-100000" rotWithShape="0"/>
+          </a:effectLst>
         </a:effectStyle>
         <a:effectStyle>
           <a:effectLst>
-            <a:outerShdw blurRad="57150" dist="19050" dir="5400000" algn="ctr" rotWithShape="0">
+            <a:outerShdw blurRad="38100" dist="25400" dir="5400000" rotWithShape="0">
               <a:srgbClr val="000000">
-                <a:alpha val="63000"/>
+                <a:alpha val="64000"/>
               </a:srgbClr>
             </a:outerShdw>
           </a:effectLst>
+          <a:scene3d>
+            <a:camera prst="orthographicFront">
+              <a:rot lat="0" lon="0" rev="0"/>
+            </a:camera>
+            <a:lightRig rig="threePt" dir="tl">
+              <a:rot lat="0" lon="0" rev="1200000"/>
+            </a:lightRig>
+          </a:scene3d>
+          <a:sp3d>
+            <a:bevelT w="25400" h="12700"/>
+          </a:sp3d>
         </a:effectStyle>
       </a:effectStyleLst>
       <a:bgFillStyleLst>
         <a:solidFill>
           <a:schemeClr val="phClr"/>
         </a:solidFill>
-        <a:solidFill>
-          <a:schemeClr val="phClr">
-            <a:tint val="95000"/>
-            <a:satMod val="170000"/>
-          </a:schemeClr>
-        </a:solidFill>
         <a:gradFill rotWithShape="1">
           <a:gsLst>
             <a:gs pos="0">
               <a:schemeClr val="phClr">
-                <a:tint val="93000"/>
-                <a:satMod val="150000"/>
-                <a:shade val="98000"/>
-                <a:lumMod val="102000"/>
-              </a:schemeClr>
-            </a:gs>
-            <a:gs pos="50000">
-              <a:schemeClr val="phClr">
-                <a:tint val="98000"/>
-                <a:satMod val="130000"/>
-                <a:shade val="90000"/>
-                <a:lumMod val="103000"/>
+                <a:tint val="90000"/>
+                <a:lumMod val="110000"/>
               </a:schemeClr>
             </a:gs>
             <a:gs pos="100000">
               <a:schemeClr val="phClr">
-                <a:shade val="63000"/>
-                <a:satMod val="120000"/>
+                <a:shade val="64000"/>
+                <a:lumMod val="98000"/>
               </a:schemeClr>
             </a:gs>
           </a:gsLst>
           <a:lin ang="5400000" scaled="0"/>
         </a:gradFill>
+        <a:blipFill rotWithShape="1">
+          <a:blip xmlns:r="http://schemas.openxmlformats.org/officeDocument/2006/relationships" r:embed="rId1">
+            <a:duotone>
+              <a:schemeClr val="phClr">
+                <a:shade val="76000"/>
+                <a:satMod val="180000"/>
+              </a:schemeClr>
+              <a:schemeClr val="phClr">
+                <a:tint val="80000"/>
+                <a:satMod val="120000"/>
+                <a:lumMod val="180000"/>
+              </a:schemeClr>
+            </a:duotone>
+          </a:blip>
+          <a:stretch/>
+        </a:blipFill>
       </a:bgFillStyleLst>
     </a:fmtScheme>
   </a:themeElements>
@@ -4186,7 +7222,7 @@
   <a:extraClrSchemeLst/>
   <a:extLst>
     <a:ext uri="{05A4C25C-085E-4340-85A3-A5531E510DB2}">
-      <thm15:themeFamily xmlns:thm15="http://schemas.microsoft.com/office/thememl/2012/main" name="Office Theme" id="{62F939B6-93AF-4DB8-9C6B-D6C7DFDC589F}" vid="{4A3C46E8-61CC-4603-A589-7422A47A8E4A}"/>
+      <thm15:themeFamily xmlns:thm15="http://schemas.microsoft.com/office/thememl/2012/main" name="Parallax" id="{3388167B-A2EB-4685-9635-1831D9AEF8C4}" vid="{4F7A876A-7598-49CA-AFC8-8EDA2551E4A7}"/>
     </a:ext>
   </a:extLst>
 </a:theme>

--- a/game_presentation.pptx
+++ b/game_presentation.pptx
@@ -625,7 +625,7 @@
           <a:p>
             <a:fld id="{3745423B-122B-427D-80D7-3819758975BB}" type="datetimeFigureOut">
               <a:rPr lang="en-US" smtClean="0"/>
-              <a:t>10/5/2017</a:t>
+              <a:t>10/11/2017</a:t>
             </a:fld>
             <a:endParaRPr lang="en-US"/>
           </a:p>
@@ -921,7 +921,7 @@
           <a:p>
             <a:fld id="{3745423B-122B-427D-80D7-3819758975BB}" type="datetimeFigureOut">
               <a:rPr lang="en-US" smtClean="0"/>
-              <a:t>10/5/2017</a:t>
+              <a:t>10/11/2017</a:t>
             </a:fld>
             <a:endParaRPr lang="en-US"/>
           </a:p>
@@ -1169,7 +1169,7 @@
           <a:p>
             <a:fld id="{3745423B-122B-427D-80D7-3819758975BB}" type="datetimeFigureOut">
               <a:rPr lang="en-US" smtClean="0"/>
-              <a:t>10/5/2017</a:t>
+              <a:t>10/11/2017</a:t>
             </a:fld>
             <a:endParaRPr lang="en-US"/>
           </a:p>
@@ -1709,7 +1709,7 @@
           <a:p>
             <a:fld id="{3745423B-122B-427D-80D7-3819758975BB}" type="datetimeFigureOut">
               <a:rPr lang="en-US" smtClean="0"/>
-              <a:t>10/5/2017</a:t>
+              <a:t>10/11/2017</a:t>
             </a:fld>
             <a:endParaRPr lang="en-US"/>
           </a:p>
@@ -1957,7 +1957,7 @@
           <a:p>
             <a:fld id="{3745423B-122B-427D-80D7-3819758975BB}" type="datetimeFigureOut">
               <a:rPr lang="en-US" smtClean="0"/>
-              <a:t>10/5/2017</a:t>
+              <a:t>10/11/2017</a:t>
             </a:fld>
             <a:endParaRPr lang="en-US"/>
           </a:p>
@@ -2489,7 +2489,7 @@
           <a:p>
             <a:fld id="{3745423B-122B-427D-80D7-3819758975BB}" type="datetimeFigureOut">
               <a:rPr lang="en-US" smtClean="0"/>
-              <a:t>10/5/2017</a:t>
+              <a:t>10/11/2017</a:t>
             </a:fld>
             <a:endParaRPr lang="en-US"/>
           </a:p>
@@ -2786,7 +2786,7 @@
           <a:p>
             <a:fld id="{3745423B-122B-427D-80D7-3819758975BB}" type="datetimeFigureOut">
               <a:rPr lang="en-US" smtClean="0"/>
-              <a:t>10/5/2017</a:t>
+              <a:t>10/11/2017</a:t>
             </a:fld>
             <a:endParaRPr lang="en-US"/>
           </a:p>
@@ -2960,7 +2960,7 @@
           <a:p>
             <a:fld id="{3745423B-122B-427D-80D7-3819758975BB}" type="datetimeFigureOut">
               <a:rPr lang="en-US" smtClean="0"/>
-              <a:t>10/5/2017</a:t>
+              <a:t>10/11/2017</a:t>
             </a:fld>
             <a:endParaRPr lang="en-US"/>
           </a:p>
@@ -3140,7 +3140,7 @@
           <a:p>
             <a:fld id="{3745423B-122B-427D-80D7-3819758975BB}" type="datetimeFigureOut">
               <a:rPr lang="en-US" smtClean="0"/>
-              <a:t>10/5/2017</a:t>
+              <a:t>10/11/2017</a:t>
             </a:fld>
             <a:endParaRPr lang="en-US"/>
           </a:p>
@@ -3310,7 +3310,7 @@
           <a:p>
             <a:fld id="{3745423B-122B-427D-80D7-3819758975BB}" type="datetimeFigureOut">
               <a:rPr lang="en-US" smtClean="0"/>
-              <a:t>10/5/2017</a:t>
+              <a:t>10/11/2017</a:t>
             </a:fld>
             <a:endParaRPr lang="en-US"/>
           </a:p>
@@ -3561,7 +3561,7 @@
           <a:p>
             <a:fld id="{3745423B-122B-427D-80D7-3819758975BB}" type="datetimeFigureOut">
               <a:rPr lang="en-US" smtClean="0"/>
-              <a:t>10/5/2017</a:t>
+              <a:t>10/11/2017</a:t>
             </a:fld>
             <a:endParaRPr lang="en-US"/>
           </a:p>
@@ -3858,7 +3858,7 @@
           <a:p>
             <a:fld id="{3745423B-122B-427D-80D7-3819758975BB}" type="datetimeFigureOut">
               <a:rPr lang="en-US" smtClean="0"/>
-              <a:t>10/5/2017</a:t>
+              <a:t>10/11/2017</a:t>
             </a:fld>
             <a:endParaRPr lang="en-US"/>
           </a:p>
@@ -4300,7 +4300,7 @@
           <a:p>
             <a:fld id="{3745423B-122B-427D-80D7-3819758975BB}" type="datetimeFigureOut">
               <a:rPr lang="en-US" smtClean="0"/>
-              <a:t>10/5/2017</a:t>
+              <a:t>10/11/2017</a:t>
             </a:fld>
             <a:endParaRPr lang="en-US"/>
           </a:p>
@@ -4418,7 +4418,7 @@
           <a:p>
             <a:fld id="{3745423B-122B-427D-80D7-3819758975BB}" type="datetimeFigureOut">
               <a:rPr lang="en-US" smtClean="0"/>
-              <a:t>10/5/2017</a:t>
+              <a:t>10/11/2017</a:t>
             </a:fld>
             <a:endParaRPr lang="en-US"/>
           </a:p>
@@ -4513,7 +4513,7 @@
           <a:p>
             <a:fld id="{3745423B-122B-427D-80D7-3819758975BB}" type="datetimeFigureOut">
               <a:rPr lang="en-US" smtClean="0"/>
-              <a:t>10/5/2017</a:t>
+              <a:t>10/11/2017</a:t>
             </a:fld>
             <a:endParaRPr lang="en-US"/>
           </a:p>
@@ -4796,7 +4796,7 @@
           <a:p>
             <a:fld id="{3745423B-122B-427D-80D7-3819758975BB}" type="datetimeFigureOut">
               <a:rPr lang="en-US" smtClean="0"/>
-              <a:t>10/5/2017</a:t>
+              <a:t>10/11/2017</a:t>
             </a:fld>
             <a:endParaRPr lang="en-US"/>
           </a:p>
@@ -5087,7 +5087,7 @@
           <a:p>
             <a:fld id="{3745423B-122B-427D-80D7-3819758975BB}" type="datetimeFigureOut">
               <a:rPr lang="en-US" smtClean="0"/>
-              <a:t>10/5/2017</a:t>
+              <a:t>10/11/2017</a:t>
             </a:fld>
             <a:endParaRPr lang="en-US"/>
           </a:p>
@@ -5617,7 +5617,7 @@
           <a:p>
             <a:fld id="{3745423B-122B-427D-80D7-3819758975BB}" type="datetimeFigureOut">
               <a:rPr lang="en-US" smtClean="0"/>
-              <a:t>10/5/2017</a:t>
+              <a:t>10/11/2017</a:t>
             </a:fld>
             <a:endParaRPr lang="en-US"/>
           </a:p>
@@ -6498,31 +6498,41 @@
           </a:p>
         </p:txBody>
       </p:sp>
-      <p:sp>
-        <p:nvSpPr>
-          <p:cNvPr id="3" name="Content Placeholder 2">
+      <p:pic>
+        <p:nvPicPr>
+          <p:cNvPr id="5" name="Content Placeholder 4">
             <a:extLst>
               <a:ext uri="{FF2B5EF4-FFF2-40B4-BE49-F238E27FC236}">
-                <a16:creationId xmlns:a16="http://schemas.microsoft.com/office/drawing/2014/main" id="{8AA83023-ABE3-45F5-9615-1F378941C815}"/>
+                <a16:creationId xmlns:a16="http://schemas.microsoft.com/office/drawing/2014/main" id="{F190D686-4249-42C5-9394-EC558A82B0A9}"/>
               </a:ext>
             </a:extLst>
           </p:cNvPr>
-          <p:cNvSpPr>
-            <a:spLocks noGrp="1"/>
-          </p:cNvSpPr>
+          <p:cNvPicPr>
+            <a:picLocks noGrp="1" noChangeAspect="1"/>
+          </p:cNvPicPr>
           <p:nvPr>
             <p:ph idx="1"/>
           </p:nvPr>
-        </p:nvSpPr>
-        <p:spPr/>
-        <p:txBody>
-          <a:bodyPr/>
-          <a:lstStyle/>
-          <a:p>
-            <a:endParaRPr lang="en-US" dirty="0"/>
-          </a:p>
-        </p:txBody>
-      </p:sp>
+        </p:nvPicPr>
+        <p:blipFill>
+          <a:blip r:embed="rId2">
+            <a:extLst>
+              <a:ext uri="{28A0092B-C50C-407E-A947-70E740481C1C}">
+                <a14:useLocalDpi xmlns:a14="http://schemas.microsoft.com/office/drawing/2010/main" val="0"/>
+              </a:ext>
+            </a:extLst>
+          </a:blip>
+          <a:stretch>
+            <a:fillRect/>
+          </a:stretch>
+        </p:blipFill>
+        <p:spPr>
+          <a:xfrm>
+            <a:off x="2655862" y="2012659"/>
+            <a:ext cx="7675609" cy="4347006"/>
+          </a:xfrm>
+        </p:spPr>
+      </p:pic>
     </p:spTree>
     <p:extLst>
       <p:ext uri="{BB962C8B-B14F-4D97-AF65-F5344CB8AC3E}">

--- a/game_presentation.pptx
+++ b/game_presentation.pptx
@@ -6404,42 +6404,6 @@
           </a:p>
         </p:txBody>
       </p:sp>
-      <p:pic>
-        <p:nvPicPr>
-          <p:cNvPr id="8" name="Picture 7">
-            <a:extLst>
-              <a:ext uri="{FF2B5EF4-FFF2-40B4-BE49-F238E27FC236}">
-                <a16:creationId xmlns:a16="http://schemas.microsoft.com/office/drawing/2014/main" id="{6B86D5E0-D509-4D67-9F22-25433812FF40}"/>
-              </a:ext>
-            </a:extLst>
-          </p:cNvPr>
-          <p:cNvPicPr>
-            <a:picLocks noChangeAspect="1"/>
-          </p:cNvPicPr>
-          <p:nvPr/>
-        </p:nvPicPr>
-        <p:blipFill>
-          <a:blip r:embed="rId3">
-            <a:extLst>
-              <a:ext uri="{28A0092B-C50C-407E-A947-70E740481C1C}">
-                <a14:useLocalDpi xmlns:a14="http://schemas.microsoft.com/office/drawing/2010/main" val="0"/>
-              </a:ext>
-            </a:extLst>
-          </a:blip>
-          <a:stretch>
-            <a:fillRect/>
-          </a:stretch>
-        </p:blipFill>
-        <p:spPr>
-          <a:xfrm>
-            <a:off x="7862625" y="5143456"/>
-            <a:ext cx="2778504" cy="1139899"/>
-          </a:xfrm>
-          <a:prstGeom prst="rect">
-            <a:avLst/>
-          </a:prstGeom>
-        </p:spPr>
-      </p:pic>
     </p:spTree>
     <p:extLst>
       <p:ext uri="{BB962C8B-B14F-4D97-AF65-F5344CB8AC3E}">
@@ -6712,7 +6676,7 @@
           <a:p>
             <a:r>
               <a:rPr lang="en-US" dirty="0"/>
-              <a:t>Planning is the most important step in the whole process</a:t>
+              <a:t>Planning is the most important step in the whole process. </a:t>
             </a:r>
           </a:p>
           <a:p>
@@ -6720,6 +6684,18 @@
             <a:r>
               <a:rPr lang="en-US" dirty="0"/>
               <a:t>Understanding each process in the software before coding helps coding move along more smoothly. </a:t>
+            </a:r>
+          </a:p>
+          <a:p>
+            <a:r>
+              <a:rPr lang="en-US" dirty="0"/>
+              <a:t>StackOverflow can give a quick answer, but it doesn’t matter if you don’t know why. </a:t>
+            </a:r>
+          </a:p>
+          <a:p>
+            <a:r>
+              <a:rPr lang="en-US" dirty="0"/>
+              <a:t>Creating shortcuts for localhost is the best decision I’ve ever made. </a:t>
             </a:r>
           </a:p>
         </p:txBody>
@@ -6886,6 +6862,42 @@
           </a:p>
         </p:txBody>
       </p:sp>
+      <p:pic>
+        <p:nvPicPr>
+          <p:cNvPr id="6" name="Picture 5">
+            <a:extLst>
+              <a:ext uri="{FF2B5EF4-FFF2-40B4-BE49-F238E27FC236}">
+                <a16:creationId xmlns:a16="http://schemas.microsoft.com/office/drawing/2014/main" id="{D6AC10BD-B2FC-44E4-A13D-7BEB3CDE4C5B}"/>
+              </a:ext>
+            </a:extLst>
+          </p:cNvPr>
+          <p:cNvPicPr>
+            <a:picLocks noChangeAspect="1"/>
+          </p:cNvPicPr>
+          <p:nvPr/>
+        </p:nvPicPr>
+        <p:blipFill>
+          <a:blip r:embed="rId4">
+            <a:extLst>
+              <a:ext uri="{28A0092B-C50C-407E-A947-70E740481C1C}">
+                <a14:useLocalDpi xmlns:a14="http://schemas.microsoft.com/office/drawing/2010/main" val="0"/>
+              </a:ext>
+            </a:extLst>
+          </a:blip>
+          <a:stretch>
+            <a:fillRect/>
+          </a:stretch>
+        </p:blipFill>
+        <p:spPr>
+          <a:xfrm>
+            <a:off x="8602035" y="685800"/>
+            <a:ext cx="2778504" cy="1139899"/>
+          </a:xfrm>
+          <a:prstGeom prst="rect">
+            <a:avLst/>
+          </a:prstGeom>
+        </p:spPr>
+      </p:pic>
     </p:spTree>
     <p:extLst>
       <p:ext uri="{BB962C8B-B14F-4D97-AF65-F5344CB8AC3E}">
